--- a/static/images/git-repository/git_branch.pptx
+++ b/static/images/git-repository/git_branch.pptx
@@ -11,13 +11,13 @@
     <p:sldId id="259" r:id="rId5"/>
     <p:sldId id="260" r:id="rId6"/>
   </p:sldIdLst>
-  <p:sldSz cx="9144000" cy="6858000" type="screen4x3"/>
+  <p:sldSz cx="9145588" cy="5400675"/>
   <p:notesSz cx="6858000" cy="9144000"/>
   <p:defaultTextStyle>
     <a:defPPr>
       <a:defRPr lang="ja-JP"/>
     </a:defPPr>
-    <a:lvl1pPr marL="0" algn="l" defTabSz="914400" rtl="0" eaLnBrk="1" latinLnBrk="0" hangingPunct="1">
+    <a:lvl1pPr marL="0" algn="l" defTabSz="914295" rtl="0" eaLnBrk="1" latinLnBrk="0" hangingPunct="1">
       <a:defRPr kumimoji="1" sz="1800" kern="1200">
         <a:solidFill>
           <a:schemeClr val="tx1"/>
@@ -27,7 +27,7 @@
         <a:cs typeface="+mn-cs"/>
       </a:defRPr>
     </a:lvl1pPr>
-    <a:lvl2pPr marL="457200" algn="l" defTabSz="914400" rtl="0" eaLnBrk="1" latinLnBrk="0" hangingPunct="1">
+    <a:lvl2pPr marL="457147" algn="l" defTabSz="914295" rtl="0" eaLnBrk="1" latinLnBrk="0" hangingPunct="1">
       <a:defRPr kumimoji="1" sz="1800" kern="1200">
         <a:solidFill>
           <a:schemeClr val="tx1"/>
@@ -37,7 +37,7 @@
         <a:cs typeface="+mn-cs"/>
       </a:defRPr>
     </a:lvl2pPr>
-    <a:lvl3pPr marL="914400" algn="l" defTabSz="914400" rtl="0" eaLnBrk="1" latinLnBrk="0" hangingPunct="1">
+    <a:lvl3pPr marL="914295" algn="l" defTabSz="914295" rtl="0" eaLnBrk="1" latinLnBrk="0" hangingPunct="1">
       <a:defRPr kumimoji="1" sz="1800" kern="1200">
         <a:solidFill>
           <a:schemeClr val="tx1"/>
@@ -47,7 +47,7 @@
         <a:cs typeface="+mn-cs"/>
       </a:defRPr>
     </a:lvl3pPr>
-    <a:lvl4pPr marL="1371600" algn="l" defTabSz="914400" rtl="0" eaLnBrk="1" latinLnBrk="0" hangingPunct="1">
+    <a:lvl4pPr marL="1371442" algn="l" defTabSz="914295" rtl="0" eaLnBrk="1" latinLnBrk="0" hangingPunct="1">
       <a:defRPr kumimoji="1" sz="1800" kern="1200">
         <a:solidFill>
           <a:schemeClr val="tx1"/>
@@ -57,7 +57,7 @@
         <a:cs typeface="+mn-cs"/>
       </a:defRPr>
     </a:lvl4pPr>
-    <a:lvl5pPr marL="1828800" algn="l" defTabSz="914400" rtl="0" eaLnBrk="1" latinLnBrk="0" hangingPunct="1">
+    <a:lvl5pPr marL="1828589" algn="l" defTabSz="914295" rtl="0" eaLnBrk="1" latinLnBrk="0" hangingPunct="1">
       <a:defRPr kumimoji="1" sz="1800" kern="1200">
         <a:solidFill>
           <a:schemeClr val="tx1"/>
@@ -67,7 +67,7 @@
         <a:cs typeface="+mn-cs"/>
       </a:defRPr>
     </a:lvl5pPr>
-    <a:lvl6pPr marL="2286000" algn="l" defTabSz="914400" rtl="0" eaLnBrk="1" latinLnBrk="0" hangingPunct="1">
+    <a:lvl6pPr marL="2285738" algn="l" defTabSz="914295" rtl="0" eaLnBrk="1" latinLnBrk="0" hangingPunct="1">
       <a:defRPr kumimoji="1" sz="1800" kern="1200">
         <a:solidFill>
           <a:schemeClr val="tx1"/>
@@ -77,7 +77,7 @@
         <a:cs typeface="+mn-cs"/>
       </a:defRPr>
     </a:lvl6pPr>
-    <a:lvl7pPr marL="2743200" algn="l" defTabSz="914400" rtl="0" eaLnBrk="1" latinLnBrk="0" hangingPunct="1">
+    <a:lvl7pPr marL="2742885" algn="l" defTabSz="914295" rtl="0" eaLnBrk="1" latinLnBrk="0" hangingPunct="1">
       <a:defRPr kumimoji="1" sz="1800" kern="1200">
         <a:solidFill>
           <a:schemeClr val="tx1"/>
@@ -87,7 +87,7 @@
         <a:cs typeface="+mn-cs"/>
       </a:defRPr>
     </a:lvl7pPr>
-    <a:lvl8pPr marL="3200400" algn="l" defTabSz="914400" rtl="0" eaLnBrk="1" latinLnBrk="0" hangingPunct="1">
+    <a:lvl8pPr marL="3200032" algn="l" defTabSz="914295" rtl="0" eaLnBrk="1" latinLnBrk="0" hangingPunct="1">
       <a:defRPr kumimoji="1" sz="1800" kern="1200">
         <a:solidFill>
           <a:schemeClr val="tx1"/>
@@ -97,7 +97,7 @@
         <a:cs typeface="+mn-cs"/>
       </a:defRPr>
     </a:lvl8pPr>
-    <a:lvl9pPr marL="3657600" algn="l" defTabSz="914400" rtl="0" eaLnBrk="1" latinLnBrk="0" hangingPunct="1">
+    <a:lvl9pPr marL="3657180" algn="l" defTabSz="914295" rtl="0" eaLnBrk="1" latinLnBrk="0" hangingPunct="1">
       <a:defRPr kumimoji="1" sz="1800" kern="1200">
         <a:solidFill>
           <a:schemeClr val="tx1"/>
@@ -140,8 +140,8 @@
         </p:nvSpPr>
         <p:spPr>
           <a:xfrm>
-            <a:off x="685800" y="2130425"/>
-            <a:ext cx="7772400" cy="1470025"/>
+            <a:off x="685921" y="1677714"/>
+            <a:ext cx="7773750" cy="1157645"/>
           </a:xfrm>
         </p:spPr>
         <p:txBody>
@@ -168,8 +168,8 @@
         </p:nvSpPr>
         <p:spPr>
           <a:xfrm>
-            <a:off x="1371600" y="3886200"/>
-            <a:ext cx="6400800" cy="1752600"/>
+            <a:off x="1371838" y="3060383"/>
+            <a:ext cx="6401912" cy="1380174"/>
           </a:xfrm>
         </p:spPr>
         <p:txBody>
@@ -185,7 +185,7 @@
                 </a:solidFill>
               </a:defRPr>
             </a:lvl1pPr>
-            <a:lvl2pPr marL="457200" indent="0" algn="ctr">
+            <a:lvl2pPr marL="457147" indent="0" algn="ctr">
               <a:buNone/>
               <a:defRPr>
                 <a:solidFill>
@@ -195,7 +195,7 @@
                 </a:solidFill>
               </a:defRPr>
             </a:lvl2pPr>
-            <a:lvl3pPr marL="914400" indent="0" algn="ctr">
+            <a:lvl3pPr marL="914295" indent="0" algn="ctr">
               <a:buNone/>
               <a:defRPr>
                 <a:solidFill>
@@ -205,7 +205,7 @@
                 </a:solidFill>
               </a:defRPr>
             </a:lvl3pPr>
-            <a:lvl4pPr marL="1371600" indent="0" algn="ctr">
+            <a:lvl4pPr marL="1371442" indent="0" algn="ctr">
               <a:buNone/>
               <a:defRPr>
                 <a:solidFill>
@@ -215,7 +215,7 @@
                 </a:solidFill>
               </a:defRPr>
             </a:lvl4pPr>
-            <a:lvl5pPr marL="1828800" indent="0" algn="ctr">
+            <a:lvl5pPr marL="1828589" indent="0" algn="ctr">
               <a:buNone/>
               <a:defRPr>
                 <a:solidFill>
@@ -225,7 +225,7 @@
                 </a:solidFill>
               </a:defRPr>
             </a:lvl5pPr>
-            <a:lvl6pPr marL="2286000" indent="0" algn="ctr">
+            <a:lvl6pPr marL="2285738" indent="0" algn="ctr">
               <a:buNone/>
               <a:defRPr>
                 <a:solidFill>
@@ -235,7 +235,7 @@
                 </a:solidFill>
               </a:defRPr>
             </a:lvl6pPr>
-            <a:lvl7pPr marL="2743200" indent="0" algn="ctr">
+            <a:lvl7pPr marL="2742885" indent="0" algn="ctr">
               <a:buNone/>
               <a:defRPr>
                 <a:solidFill>
@@ -245,7 +245,7 @@
                 </a:solidFill>
               </a:defRPr>
             </a:lvl7pPr>
-            <a:lvl8pPr marL="3200400" indent="0" algn="ctr">
+            <a:lvl8pPr marL="3200032" indent="0" algn="ctr">
               <a:buNone/>
               <a:defRPr>
                 <a:solidFill>
@@ -255,7 +255,7 @@
                 </a:solidFill>
               </a:defRPr>
             </a:lvl8pPr>
-            <a:lvl9pPr marL="3657600" indent="0" algn="ctr">
+            <a:lvl9pPr marL="3657180" indent="0" algn="ctr">
               <a:buNone/>
               <a:defRPr>
                 <a:solidFill>
@@ -292,7 +292,7 @@
           <a:p>
             <a:fld id="{B5CA565D-B2B5-478A-B2C3-113F166969BB}" type="datetimeFigureOut">
               <a:rPr kumimoji="1" lang="ja-JP" altLang="en-US" smtClean="0"/>
-              <a:t>2015/12/27</a:t>
+              <a:t>2016/4/17</a:t>
             </a:fld>
             <a:endParaRPr kumimoji="1" lang="ja-JP" altLang="en-US"/>
           </a:p>
@@ -494,7 +494,7 @@
           <a:p>
             <a:fld id="{B5CA565D-B2B5-478A-B2C3-113F166969BB}" type="datetimeFigureOut">
               <a:rPr kumimoji="1" lang="ja-JP" altLang="en-US" smtClean="0"/>
-              <a:t>2015/12/27</a:t>
+              <a:t>2016/4/17</a:t>
             </a:fld>
             <a:endParaRPr kumimoji="1" lang="ja-JP" altLang="en-US"/>
           </a:p>
@@ -584,8 +584,8 @@
         </p:nvSpPr>
         <p:spPr>
           <a:xfrm>
-            <a:off x="6629400" y="274638"/>
-            <a:ext cx="2057400" cy="5851525"/>
+            <a:off x="6630555" y="216279"/>
+            <a:ext cx="2057757" cy="4608076"/>
           </a:xfrm>
         </p:spPr>
         <p:txBody>
@@ -612,8 +612,8 @@
         </p:nvSpPr>
         <p:spPr>
           <a:xfrm>
-            <a:off x="457200" y="274638"/>
-            <a:ext cx="6019800" cy="5851525"/>
+            <a:off x="457284" y="216279"/>
+            <a:ext cx="6020845" cy="4608076"/>
           </a:xfrm>
         </p:spPr>
         <p:txBody>
@@ -706,7 +706,7 @@
           <a:p>
             <a:fld id="{B5CA565D-B2B5-478A-B2C3-113F166969BB}" type="datetimeFigureOut">
               <a:rPr kumimoji="1" lang="ja-JP" altLang="en-US" smtClean="0"/>
-              <a:t>2015/12/27</a:t>
+              <a:t>2016/4/17</a:t>
             </a:fld>
             <a:endParaRPr kumimoji="1" lang="ja-JP" altLang="en-US"/>
           </a:p>
@@ -908,7 +908,7 @@
           <a:p>
             <a:fld id="{B5CA565D-B2B5-478A-B2C3-113F166969BB}" type="datetimeFigureOut">
               <a:rPr kumimoji="1" lang="ja-JP" altLang="en-US" smtClean="0"/>
-              <a:t>2015/12/27</a:t>
+              <a:t>2016/4/17</a:t>
             </a:fld>
             <a:endParaRPr kumimoji="1" lang="ja-JP" altLang="en-US"/>
           </a:p>
@@ -998,8 +998,8 @@
         </p:nvSpPr>
         <p:spPr>
           <a:xfrm>
-            <a:off x="722313" y="4406900"/>
-            <a:ext cx="7772400" cy="1362075"/>
+            <a:off x="722440" y="3470438"/>
+            <a:ext cx="7773750" cy="1072634"/>
           </a:xfrm>
         </p:spPr>
         <p:txBody>
@@ -1030,8 +1030,8 @@
         </p:nvSpPr>
         <p:spPr>
           <a:xfrm>
-            <a:off x="722313" y="2906713"/>
-            <a:ext cx="7772400" cy="1500187"/>
+            <a:off x="722440" y="2289040"/>
+            <a:ext cx="7773750" cy="1181397"/>
           </a:xfrm>
         </p:spPr>
         <p:txBody>
@@ -1047,7 +1047,7 @@
                 </a:solidFill>
               </a:defRPr>
             </a:lvl1pPr>
-            <a:lvl2pPr marL="457200" indent="0">
+            <a:lvl2pPr marL="457147" indent="0">
               <a:buNone/>
               <a:defRPr sz="1800">
                 <a:solidFill>
@@ -1057,7 +1057,7 @@
                 </a:solidFill>
               </a:defRPr>
             </a:lvl2pPr>
-            <a:lvl3pPr marL="914400" indent="0">
+            <a:lvl3pPr marL="914295" indent="0">
               <a:buNone/>
               <a:defRPr sz="1600">
                 <a:solidFill>
@@ -1067,7 +1067,7 @@
                 </a:solidFill>
               </a:defRPr>
             </a:lvl3pPr>
-            <a:lvl4pPr marL="1371600" indent="0">
+            <a:lvl4pPr marL="1371442" indent="0">
               <a:buNone/>
               <a:defRPr sz="1400">
                 <a:solidFill>
@@ -1077,7 +1077,7 @@
                 </a:solidFill>
               </a:defRPr>
             </a:lvl4pPr>
-            <a:lvl5pPr marL="1828800" indent="0">
+            <a:lvl5pPr marL="1828589" indent="0">
               <a:buNone/>
               <a:defRPr sz="1400">
                 <a:solidFill>
@@ -1087,7 +1087,7 @@
                 </a:solidFill>
               </a:defRPr>
             </a:lvl5pPr>
-            <a:lvl6pPr marL="2286000" indent="0">
+            <a:lvl6pPr marL="2285738" indent="0">
               <a:buNone/>
               <a:defRPr sz="1400">
                 <a:solidFill>
@@ -1097,7 +1097,7 @@
                 </a:solidFill>
               </a:defRPr>
             </a:lvl6pPr>
-            <a:lvl7pPr marL="2743200" indent="0">
+            <a:lvl7pPr marL="2742885" indent="0">
               <a:buNone/>
               <a:defRPr sz="1400">
                 <a:solidFill>
@@ -1107,7 +1107,7 @@
                 </a:solidFill>
               </a:defRPr>
             </a:lvl7pPr>
-            <a:lvl8pPr marL="3200400" indent="0">
+            <a:lvl8pPr marL="3200032" indent="0">
               <a:buNone/>
               <a:defRPr sz="1400">
                 <a:solidFill>
@@ -1117,7 +1117,7 @@
                 </a:solidFill>
               </a:defRPr>
             </a:lvl8pPr>
-            <a:lvl9pPr marL="3657600" indent="0">
+            <a:lvl9pPr marL="3657180" indent="0">
               <a:buNone/>
               <a:defRPr sz="1400">
                 <a:solidFill>
@@ -1154,7 +1154,7 @@
           <a:p>
             <a:fld id="{B5CA565D-B2B5-478A-B2C3-113F166969BB}" type="datetimeFigureOut">
               <a:rPr kumimoji="1" lang="ja-JP" altLang="en-US" smtClean="0"/>
-              <a:t>2015/12/27</a:t>
+              <a:t>2016/4/17</a:t>
             </a:fld>
             <a:endParaRPr kumimoji="1" lang="ja-JP" altLang="en-US"/>
           </a:p>
@@ -1267,8 +1267,8 @@
         </p:nvSpPr>
         <p:spPr>
           <a:xfrm>
-            <a:off x="457200" y="1600200"/>
-            <a:ext cx="4038600" cy="4525963"/>
+            <a:off x="457281" y="1260163"/>
+            <a:ext cx="4039301" cy="3564196"/>
           </a:xfrm>
         </p:spPr>
         <p:txBody>
@@ -1384,8 +1384,8 @@
         </p:nvSpPr>
         <p:spPr>
           <a:xfrm>
-            <a:off x="4648200" y="1600200"/>
-            <a:ext cx="4038600" cy="4525963"/>
+            <a:off x="4649011" y="1260163"/>
+            <a:ext cx="4039301" cy="3564196"/>
           </a:xfrm>
         </p:spPr>
         <p:txBody>
@@ -1506,7 +1506,7 @@
           <a:p>
             <a:fld id="{B5CA565D-B2B5-478A-B2C3-113F166969BB}" type="datetimeFigureOut">
               <a:rPr kumimoji="1" lang="ja-JP" altLang="en-US" smtClean="0"/>
-              <a:t>2015/12/27</a:t>
+              <a:t>2016/4/17</a:t>
             </a:fld>
             <a:endParaRPr kumimoji="1" lang="ja-JP" altLang="en-US"/>
           </a:p>
@@ -1623,8 +1623,8 @@
         </p:nvSpPr>
         <p:spPr>
           <a:xfrm>
-            <a:off x="457200" y="1535113"/>
-            <a:ext cx="4040188" cy="639762"/>
+            <a:off x="457279" y="1208902"/>
+            <a:ext cx="4040890" cy="503815"/>
           </a:xfrm>
         </p:spPr>
         <p:txBody>
@@ -1634,35 +1634,35 @@
               <a:buNone/>
               <a:defRPr sz="2400" b="1"/>
             </a:lvl1pPr>
-            <a:lvl2pPr marL="457200" indent="0">
+            <a:lvl2pPr marL="457147" indent="0">
               <a:buNone/>
               <a:defRPr sz="2000" b="1"/>
             </a:lvl2pPr>
-            <a:lvl3pPr marL="914400" indent="0">
+            <a:lvl3pPr marL="914295" indent="0">
               <a:buNone/>
               <a:defRPr sz="1800" b="1"/>
             </a:lvl3pPr>
-            <a:lvl4pPr marL="1371600" indent="0">
+            <a:lvl4pPr marL="1371442" indent="0">
               <a:buNone/>
               <a:defRPr sz="1600" b="1"/>
             </a:lvl4pPr>
-            <a:lvl5pPr marL="1828800" indent="0">
+            <a:lvl5pPr marL="1828589" indent="0">
               <a:buNone/>
               <a:defRPr sz="1600" b="1"/>
             </a:lvl5pPr>
-            <a:lvl6pPr marL="2286000" indent="0">
+            <a:lvl6pPr marL="2285738" indent="0">
               <a:buNone/>
               <a:defRPr sz="1600" b="1"/>
             </a:lvl6pPr>
-            <a:lvl7pPr marL="2743200" indent="0">
+            <a:lvl7pPr marL="2742885" indent="0">
               <a:buNone/>
               <a:defRPr sz="1600" b="1"/>
             </a:lvl7pPr>
-            <a:lvl8pPr marL="3200400" indent="0">
+            <a:lvl8pPr marL="3200032" indent="0">
               <a:buNone/>
               <a:defRPr sz="1600" b="1"/>
             </a:lvl8pPr>
-            <a:lvl9pPr marL="3657600" indent="0">
+            <a:lvl9pPr marL="3657180" indent="0">
               <a:buNone/>
               <a:defRPr sz="1600" b="1"/>
             </a:lvl9pPr>
@@ -1688,8 +1688,8 @@
         </p:nvSpPr>
         <p:spPr>
           <a:xfrm>
-            <a:off x="457200" y="2174875"/>
-            <a:ext cx="4040188" cy="3951288"/>
+            <a:off x="457279" y="1712716"/>
+            <a:ext cx="4040890" cy="3111639"/>
           </a:xfrm>
         </p:spPr>
         <p:txBody>
@@ -1805,8 +1805,8 @@
         </p:nvSpPr>
         <p:spPr>
           <a:xfrm>
-            <a:off x="4645025" y="1535113"/>
-            <a:ext cx="4041775" cy="639762"/>
+            <a:off x="4645838" y="1208902"/>
+            <a:ext cx="4042477" cy="503815"/>
           </a:xfrm>
         </p:spPr>
         <p:txBody>
@@ -1816,35 +1816,35 @@
               <a:buNone/>
               <a:defRPr sz="2400" b="1"/>
             </a:lvl1pPr>
-            <a:lvl2pPr marL="457200" indent="0">
+            <a:lvl2pPr marL="457147" indent="0">
               <a:buNone/>
               <a:defRPr sz="2000" b="1"/>
             </a:lvl2pPr>
-            <a:lvl3pPr marL="914400" indent="0">
+            <a:lvl3pPr marL="914295" indent="0">
               <a:buNone/>
               <a:defRPr sz="1800" b="1"/>
             </a:lvl3pPr>
-            <a:lvl4pPr marL="1371600" indent="0">
+            <a:lvl4pPr marL="1371442" indent="0">
               <a:buNone/>
               <a:defRPr sz="1600" b="1"/>
             </a:lvl4pPr>
-            <a:lvl5pPr marL="1828800" indent="0">
+            <a:lvl5pPr marL="1828589" indent="0">
               <a:buNone/>
               <a:defRPr sz="1600" b="1"/>
             </a:lvl5pPr>
-            <a:lvl6pPr marL="2286000" indent="0">
+            <a:lvl6pPr marL="2285738" indent="0">
               <a:buNone/>
               <a:defRPr sz="1600" b="1"/>
             </a:lvl6pPr>
-            <a:lvl7pPr marL="2743200" indent="0">
+            <a:lvl7pPr marL="2742885" indent="0">
               <a:buNone/>
               <a:defRPr sz="1600" b="1"/>
             </a:lvl7pPr>
-            <a:lvl8pPr marL="3200400" indent="0">
+            <a:lvl8pPr marL="3200032" indent="0">
               <a:buNone/>
               <a:defRPr sz="1600" b="1"/>
             </a:lvl8pPr>
-            <a:lvl9pPr marL="3657600" indent="0">
+            <a:lvl9pPr marL="3657180" indent="0">
               <a:buNone/>
               <a:defRPr sz="1600" b="1"/>
             </a:lvl9pPr>
@@ -1870,8 +1870,8 @@
         </p:nvSpPr>
         <p:spPr>
           <a:xfrm>
-            <a:off x="4645025" y="2174875"/>
-            <a:ext cx="4041775" cy="3951288"/>
+            <a:off x="4645838" y="1712716"/>
+            <a:ext cx="4042477" cy="3111639"/>
           </a:xfrm>
         </p:spPr>
         <p:txBody>
@@ -1992,7 +1992,7 @@
           <a:p>
             <a:fld id="{B5CA565D-B2B5-478A-B2C3-113F166969BB}" type="datetimeFigureOut">
               <a:rPr kumimoji="1" lang="ja-JP" altLang="en-US" smtClean="0"/>
-              <a:t>2015/12/27</a:t>
+              <a:t>2016/4/17</a:t>
             </a:fld>
             <a:endParaRPr kumimoji="1" lang="ja-JP" altLang="en-US"/>
           </a:p>
@@ -2110,7 +2110,7 @@
           <a:p>
             <a:fld id="{B5CA565D-B2B5-478A-B2C3-113F166969BB}" type="datetimeFigureOut">
               <a:rPr kumimoji="1" lang="ja-JP" altLang="en-US" smtClean="0"/>
-              <a:t>2015/12/27</a:t>
+              <a:t>2016/4/17</a:t>
             </a:fld>
             <a:endParaRPr kumimoji="1" lang="ja-JP" altLang="en-US"/>
           </a:p>
@@ -2205,7 +2205,7 @@
           <a:p>
             <a:fld id="{B5CA565D-B2B5-478A-B2C3-113F166969BB}" type="datetimeFigureOut">
               <a:rPr kumimoji="1" lang="ja-JP" altLang="en-US" smtClean="0"/>
-              <a:t>2015/12/27</a:t>
+              <a:t>2016/4/17</a:t>
             </a:fld>
             <a:endParaRPr kumimoji="1" lang="ja-JP" altLang="en-US"/>
           </a:p>
@@ -2295,8 +2295,8 @@
         </p:nvSpPr>
         <p:spPr>
           <a:xfrm>
-            <a:off x="457200" y="273050"/>
-            <a:ext cx="3008313" cy="1162050"/>
+            <a:off x="457288" y="215029"/>
+            <a:ext cx="3008835" cy="915116"/>
           </a:xfrm>
         </p:spPr>
         <p:txBody>
@@ -2327,8 +2327,8 @@
         </p:nvSpPr>
         <p:spPr>
           <a:xfrm>
-            <a:off x="3575050" y="273050"/>
-            <a:ext cx="5111750" cy="5853113"/>
+            <a:off x="3575671" y="215030"/>
+            <a:ext cx="5112638" cy="4609326"/>
           </a:xfrm>
         </p:spPr>
         <p:txBody>
@@ -2444,8 +2444,8 @@
         </p:nvSpPr>
         <p:spPr>
           <a:xfrm>
-            <a:off x="457200" y="1435100"/>
-            <a:ext cx="3008313" cy="4691063"/>
+            <a:off x="457288" y="1130147"/>
+            <a:ext cx="3008835" cy="3694211"/>
           </a:xfrm>
         </p:spPr>
         <p:txBody>
@@ -2455,35 +2455,35 @@
               <a:buNone/>
               <a:defRPr sz="1400"/>
             </a:lvl1pPr>
-            <a:lvl2pPr marL="457200" indent="0">
+            <a:lvl2pPr marL="457147" indent="0">
               <a:buNone/>
               <a:defRPr sz="1200"/>
             </a:lvl2pPr>
-            <a:lvl3pPr marL="914400" indent="0">
+            <a:lvl3pPr marL="914295" indent="0">
               <a:buNone/>
               <a:defRPr sz="1000"/>
             </a:lvl3pPr>
-            <a:lvl4pPr marL="1371600" indent="0">
+            <a:lvl4pPr marL="1371442" indent="0">
               <a:buNone/>
               <a:defRPr sz="900"/>
             </a:lvl4pPr>
-            <a:lvl5pPr marL="1828800" indent="0">
+            <a:lvl5pPr marL="1828589" indent="0">
               <a:buNone/>
               <a:defRPr sz="900"/>
             </a:lvl5pPr>
-            <a:lvl6pPr marL="2286000" indent="0">
+            <a:lvl6pPr marL="2285738" indent="0">
               <a:buNone/>
               <a:defRPr sz="900"/>
             </a:lvl6pPr>
-            <a:lvl7pPr marL="2743200" indent="0">
+            <a:lvl7pPr marL="2742885" indent="0">
               <a:buNone/>
               <a:defRPr sz="900"/>
             </a:lvl7pPr>
-            <a:lvl8pPr marL="3200400" indent="0">
+            <a:lvl8pPr marL="3200032" indent="0">
               <a:buNone/>
               <a:defRPr sz="900"/>
             </a:lvl8pPr>
-            <a:lvl9pPr marL="3657600" indent="0">
+            <a:lvl9pPr marL="3657180" indent="0">
               <a:buNone/>
               <a:defRPr sz="900"/>
             </a:lvl9pPr>
@@ -2514,7 +2514,7 @@
           <a:p>
             <a:fld id="{B5CA565D-B2B5-478A-B2C3-113F166969BB}" type="datetimeFigureOut">
               <a:rPr kumimoji="1" lang="ja-JP" altLang="en-US" smtClean="0"/>
-              <a:t>2015/12/27</a:t>
+              <a:t>2016/4/17</a:t>
             </a:fld>
             <a:endParaRPr kumimoji="1" lang="ja-JP" altLang="en-US"/>
           </a:p>
@@ -2604,8 +2604,8 @@
         </p:nvSpPr>
         <p:spPr>
           <a:xfrm>
-            <a:off x="1792288" y="4800600"/>
-            <a:ext cx="5486400" cy="566738"/>
+            <a:off x="1792603" y="3780475"/>
+            <a:ext cx="5487353" cy="446306"/>
           </a:xfrm>
         </p:spPr>
         <p:txBody>
@@ -2636,8 +2636,8 @@
         </p:nvSpPr>
         <p:spPr>
           <a:xfrm>
-            <a:off x="1792288" y="612775"/>
-            <a:ext cx="5486400" cy="4114800"/>
+            <a:off x="1792603" y="482560"/>
+            <a:ext cx="5487353" cy="3240405"/>
           </a:xfrm>
         </p:spPr>
         <p:txBody>
@@ -2647,35 +2647,35 @@
               <a:buNone/>
               <a:defRPr sz="3200"/>
             </a:lvl1pPr>
-            <a:lvl2pPr marL="457200" indent="0">
+            <a:lvl2pPr marL="457147" indent="0">
               <a:buNone/>
               <a:defRPr sz="2800"/>
             </a:lvl2pPr>
-            <a:lvl3pPr marL="914400" indent="0">
+            <a:lvl3pPr marL="914295" indent="0">
               <a:buNone/>
               <a:defRPr sz="2400"/>
             </a:lvl3pPr>
-            <a:lvl4pPr marL="1371600" indent="0">
+            <a:lvl4pPr marL="1371442" indent="0">
               <a:buNone/>
               <a:defRPr sz="2000"/>
             </a:lvl4pPr>
-            <a:lvl5pPr marL="1828800" indent="0">
+            <a:lvl5pPr marL="1828589" indent="0">
               <a:buNone/>
               <a:defRPr sz="2000"/>
             </a:lvl5pPr>
-            <a:lvl6pPr marL="2286000" indent="0">
+            <a:lvl6pPr marL="2285738" indent="0">
               <a:buNone/>
               <a:defRPr sz="2000"/>
             </a:lvl6pPr>
-            <a:lvl7pPr marL="2743200" indent="0">
+            <a:lvl7pPr marL="2742885" indent="0">
               <a:buNone/>
               <a:defRPr sz="2000"/>
             </a:lvl7pPr>
-            <a:lvl8pPr marL="3200400" indent="0">
+            <a:lvl8pPr marL="3200032" indent="0">
               <a:buNone/>
               <a:defRPr sz="2000"/>
             </a:lvl8pPr>
-            <a:lvl9pPr marL="3657600" indent="0">
+            <a:lvl9pPr marL="3657180" indent="0">
               <a:buNone/>
               <a:defRPr sz="2000"/>
             </a:lvl9pPr>
@@ -2697,8 +2697,8 @@
         </p:nvSpPr>
         <p:spPr>
           <a:xfrm>
-            <a:off x="1792288" y="5367338"/>
-            <a:ext cx="5486400" cy="804862"/>
+            <a:off x="1792603" y="4226781"/>
+            <a:ext cx="5487353" cy="633829"/>
           </a:xfrm>
         </p:spPr>
         <p:txBody>
@@ -2708,35 +2708,35 @@
               <a:buNone/>
               <a:defRPr sz="1400"/>
             </a:lvl1pPr>
-            <a:lvl2pPr marL="457200" indent="0">
+            <a:lvl2pPr marL="457147" indent="0">
               <a:buNone/>
               <a:defRPr sz="1200"/>
             </a:lvl2pPr>
-            <a:lvl3pPr marL="914400" indent="0">
+            <a:lvl3pPr marL="914295" indent="0">
               <a:buNone/>
               <a:defRPr sz="1000"/>
             </a:lvl3pPr>
-            <a:lvl4pPr marL="1371600" indent="0">
+            <a:lvl4pPr marL="1371442" indent="0">
               <a:buNone/>
               <a:defRPr sz="900"/>
             </a:lvl4pPr>
-            <a:lvl5pPr marL="1828800" indent="0">
+            <a:lvl5pPr marL="1828589" indent="0">
               <a:buNone/>
               <a:defRPr sz="900"/>
             </a:lvl5pPr>
-            <a:lvl6pPr marL="2286000" indent="0">
+            <a:lvl6pPr marL="2285738" indent="0">
               <a:buNone/>
               <a:defRPr sz="900"/>
             </a:lvl6pPr>
-            <a:lvl7pPr marL="2743200" indent="0">
+            <a:lvl7pPr marL="2742885" indent="0">
               <a:buNone/>
               <a:defRPr sz="900"/>
             </a:lvl7pPr>
-            <a:lvl8pPr marL="3200400" indent="0">
+            <a:lvl8pPr marL="3200032" indent="0">
               <a:buNone/>
               <a:defRPr sz="900"/>
             </a:lvl8pPr>
-            <a:lvl9pPr marL="3657600" indent="0">
+            <a:lvl9pPr marL="3657180" indent="0">
               <a:buNone/>
               <a:defRPr sz="900"/>
             </a:lvl9pPr>
@@ -2767,7 +2767,7 @@
           <a:p>
             <a:fld id="{B5CA565D-B2B5-478A-B2C3-113F166969BB}" type="datetimeFigureOut">
               <a:rPr kumimoji="1" lang="ja-JP" altLang="en-US" smtClean="0"/>
-              <a:t>2015/12/27</a:t>
+              <a:t>2016/4/17</a:t>
             </a:fld>
             <a:endParaRPr kumimoji="1" lang="ja-JP" altLang="en-US"/>
           </a:p>
@@ -2862,15 +2862,15 @@
         </p:nvSpPr>
         <p:spPr>
           <a:xfrm>
-            <a:off x="457200" y="274638"/>
-            <a:ext cx="8229600" cy="1143000"/>
+            <a:off x="457284" y="216280"/>
+            <a:ext cx="8231029" cy="900113"/>
           </a:xfrm>
           <a:prstGeom prst="rect">
             <a:avLst/>
           </a:prstGeom>
         </p:spPr>
         <p:txBody>
-          <a:bodyPr vert="horz" lIns="91440" tIns="45720" rIns="91440" bIns="45720" rtlCol="0" anchor="ctr">
+          <a:bodyPr vert="horz" lIns="91429" tIns="45715" rIns="91429" bIns="45715" rtlCol="0" anchor="ctr">
             <a:normAutofit/>
           </a:bodyPr>
           <a:lstStyle/>
@@ -2895,15 +2895,15 @@
         </p:nvSpPr>
         <p:spPr>
           <a:xfrm>
-            <a:off x="457200" y="1600200"/>
-            <a:ext cx="8229600" cy="4525963"/>
+            <a:off x="457284" y="1260163"/>
+            <a:ext cx="8231029" cy="3564196"/>
           </a:xfrm>
           <a:prstGeom prst="rect">
             <a:avLst/>
           </a:prstGeom>
         </p:spPr>
         <p:txBody>
-          <a:bodyPr vert="horz" lIns="91440" tIns="45720" rIns="91440" bIns="45720" rtlCol="0">
+          <a:bodyPr vert="horz" lIns="91429" tIns="45715" rIns="91429" bIns="45715" rtlCol="0">
             <a:normAutofit/>
           </a:bodyPr>
           <a:lstStyle/>
@@ -2989,15 +2989,15 @@
         </p:nvSpPr>
         <p:spPr>
           <a:xfrm>
-            <a:off x="457200" y="6356350"/>
-            <a:ext cx="2133600" cy="365125"/>
+            <a:off x="457280" y="5005628"/>
+            <a:ext cx="2133971" cy="287536"/>
           </a:xfrm>
           <a:prstGeom prst="rect">
             <a:avLst/>
           </a:prstGeom>
         </p:spPr>
         <p:txBody>
-          <a:bodyPr vert="horz" lIns="91440" tIns="45720" rIns="91440" bIns="45720" rtlCol="0" anchor="ctr"/>
+          <a:bodyPr vert="horz" lIns="91429" tIns="45715" rIns="91429" bIns="45715" rtlCol="0" anchor="ctr"/>
           <a:lstStyle>
             <a:lvl1pPr algn="l">
               <a:defRPr sz="1200">
@@ -3012,7 +3012,7 @@
           <a:p>
             <a:fld id="{B5CA565D-B2B5-478A-B2C3-113F166969BB}" type="datetimeFigureOut">
               <a:rPr kumimoji="1" lang="ja-JP" altLang="en-US" smtClean="0"/>
-              <a:t>2015/12/27</a:t>
+              <a:t>2016/4/17</a:t>
             </a:fld>
             <a:endParaRPr kumimoji="1" lang="ja-JP" altLang="en-US"/>
           </a:p>
@@ -3030,15 +3030,15 @@
         </p:nvSpPr>
         <p:spPr>
           <a:xfrm>
-            <a:off x="3124200" y="6356350"/>
-            <a:ext cx="2895600" cy="365125"/>
+            <a:off x="3124747" y="5005628"/>
+            <a:ext cx="2896103" cy="287536"/>
           </a:xfrm>
           <a:prstGeom prst="rect">
             <a:avLst/>
           </a:prstGeom>
         </p:spPr>
         <p:txBody>
-          <a:bodyPr vert="horz" lIns="91440" tIns="45720" rIns="91440" bIns="45720" rtlCol="0" anchor="ctr"/>
+          <a:bodyPr vert="horz" lIns="91429" tIns="45715" rIns="91429" bIns="45715" rtlCol="0" anchor="ctr"/>
           <a:lstStyle>
             <a:lvl1pPr algn="ctr">
               <a:defRPr sz="1200">
@@ -3067,15 +3067,15 @@
         </p:nvSpPr>
         <p:spPr>
           <a:xfrm>
-            <a:off x="6553200" y="6356350"/>
-            <a:ext cx="2133600" cy="365125"/>
+            <a:off x="6554343" y="5005628"/>
+            <a:ext cx="2133971" cy="287536"/>
           </a:xfrm>
           <a:prstGeom prst="rect">
             <a:avLst/>
           </a:prstGeom>
         </p:spPr>
         <p:txBody>
-          <a:bodyPr vert="horz" lIns="91440" tIns="45720" rIns="91440" bIns="45720" rtlCol="0" anchor="ctr"/>
+          <a:bodyPr vert="horz" lIns="91429" tIns="45715" rIns="91429" bIns="45715" rtlCol="0" anchor="ctr"/>
           <a:lstStyle>
             <a:lvl1pPr algn="r">
               <a:defRPr sz="1200">
@@ -3119,7 +3119,7 @@
   </p:sldLayoutIdLst>
   <p:txStyles>
     <p:titleStyle>
-      <a:lvl1pPr algn="ctr" defTabSz="914400" rtl="0" eaLnBrk="1" latinLnBrk="0" hangingPunct="1">
+      <a:lvl1pPr algn="ctr" defTabSz="914295" rtl="0" eaLnBrk="1" latinLnBrk="0" hangingPunct="1">
         <a:spcBef>
           <a:spcPct val="0"/>
         </a:spcBef>
@@ -3135,7 +3135,7 @@
       </a:lvl1pPr>
     </p:titleStyle>
     <p:bodyStyle>
-      <a:lvl1pPr marL="342900" indent="-342900" algn="l" defTabSz="914400" rtl="0" eaLnBrk="1" latinLnBrk="0" hangingPunct="1">
+      <a:lvl1pPr marL="342861" indent="-342861" algn="l" defTabSz="914295" rtl="0" eaLnBrk="1" latinLnBrk="0" hangingPunct="1">
         <a:spcBef>
           <a:spcPct val="20000"/>
         </a:spcBef>
@@ -3150,7 +3150,7 @@
           <a:cs typeface="+mn-cs"/>
         </a:defRPr>
       </a:lvl1pPr>
-      <a:lvl2pPr marL="742950" indent="-285750" algn="l" defTabSz="914400" rtl="0" eaLnBrk="1" latinLnBrk="0" hangingPunct="1">
+      <a:lvl2pPr marL="742865" indent="-285717" algn="l" defTabSz="914295" rtl="0" eaLnBrk="1" latinLnBrk="0" hangingPunct="1">
         <a:spcBef>
           <a:spcPct val="20000"/>
         </a:spcBef>
@@ -3165,7 +3165,7 @@
           <a:cs typeface="+mn-cs"/>
         </a:defRPr>
       </a:lvl2pPr>
-      <a:lvl3pPr marL="1143000" indent="-228600" algn="l" defTabSz="914400" rtl="0" eaLnBrk="1" latinLnBrk="0" hangingPunct="1">
+      <a:lvl3pPr marL="1142869" indent="-228574" algn="l" defTabSz="914295" rtl="0" eaLnBrk="1" latinLnBrk="0" hangingPunct="1">
         <a:spcBef>
           <a:spcPct val="20000"/>
         </a:spcBef>
@@ -3180,7 +3180,7 @@
           <a:cs typeface="+mn-cs"/>
         </a:defRPr>
       </a:lvl3pPr>
-      <a:lvl4pPr marL="1600200" indent="-228600" algn="l" defTabSz="914400" rtl="0" eaLnBrk="1" latinLnBrk="0" hangingPunct="1">
+      <a:lvl4pPr marL="1600016" indent="-228574" algn="l" defTabSz="914295" rtl="0" eaLnBrk="1" latinLnBrk="0" hangingPunct="1">
         <a:spcBef>
           <a:spcPct val="20000"/>
         </a:spcBef>
@@ -3195,7 +3195,7 @@
           <a:cs typeface="+mn-cs"/>
         </a:defRPr>
       </a:lvl4pPr>
-      <a:lvl5pPr marL="2057400" indent="-228600" algn="l" defTabSz="914400" rtl="0" eaLnBrk="1" latinLnBrk="0" hangingPunct="1">
+      <a:lvl5pPr marL="2057163" indent="-228574" algn="l" defTabSz="914295" rtl="0" eaLnBrk="1" latinLnBrk="0" hangingPunct="1">
         <a:spcBef>
           <a:spcPct val="20000"/>
         </a:spcBef>
@@ -3210,7 +3210,7 @@
           <a:cs typeface="+mn-cs"/>
         </a:defRPr>
       </a:lvl5pPr>
-      <a:lvl6pPr marL="2514600" indent="-228600" algn="l" defTabSz="914400" rtl="0" eaLnBrk="1" latinLnBrk="0" hangingPunct="1">
+      <a:lvl6pPr marL="2514311" indent="-228574" algn="l" defTabSz="914295" rtl="0" eaLnBrk="1" latinLnBrk="0" hangingPunct="1">
         <a:spcBef>
           <a:spcPct val="20000"/>
         </a:spcBef>
@@ -3225,7 +3225,7 @@
           <a:cs typeface="+mn-cs"/>
         </a:defRPr>
       </a:lvl6pPr>
-      <a:lvl7pPr marL="2971800" indent="-228600" algn="l" defTabSz="914400" rtl="0" eaLnBrk="1" latinLnBrk="0" hangingPunct="1">
+      <a:lvl7pPr marL="2971458" indent="-228574" algn="l" defTabSz="914295" rtl="0" eaLnBrk="1" latinLnBrk="0" hangingPunct="1">
         <a:spcBef>
           <a:spcPct val="20000"/>
         </a:spcBef>
@@ -3240,7 +3240,7 @@
           <a:cs typeface="+mn-cs"/>
         </a:defRPr>
       </a:lvl7pPr>
-      <a:lvl8pPr marL="3429000" indent="-228600" algn="l" defTabSz="914400" rtl="0" eaLnBrk="1" latinLnBrk="0" hangingPunct="1">
+      <a:lvl8pPr marL="3428605" indent="-228574" algn="l" defTabSz="914295" rtl="0" eaLnBrk="1" latinLnBrk="0" hangingPunct="1">
         <a:spcBef>
           <a:spcPct val="20000"/>
         </a:spcBef>
@@ -3255,7 +3255,7 @@
           <a:cs typeface="+mn-cs"/>
         </a:defRPr>
       </a:lvl8pPr>
-      <a:lvl9pPr marL="3886200" indent="-228600" algn="l" defTabSz="914400" rtl="0" eaLnBrk="1" latinLnBrk="0" hangingPunct="1">
+      <a:lvl9pPr marL="3885754" indent="-228574" algn="l" defTabSz="914295" rtl="0" eaLnBrk="1" latinLnBrk="0" hangingPunct="1">
         <a:spcBef>
           <a:spcPct val="20000"/>
         </a:spcBef>
@@ -3275,7 +3275,7 @@
       <a:defPPr>
         <a:defRPr lang="ja-JP"/>
       </a:defPPr>
-      <a:lvl1pPr marL="0" algn="l" defTabSz="914400" rtl="0" eaLnBrk="1" latinLnBrk="0" hangingPunct="1">
+      <a:lvl1pPr marL="0" algn="l" defTabSz="914295" rtl="0" eaLnBrk="1" latinLnBrk="0" hangingPunct="1">
         <a:defRPr kumimoji="1" sz="1800" kern="1200">
           <a:solidFill>
             <a:schemeClr val="tx1"/>
@@ -3285,7 +3285,7 @@
           <a:cs typeface="+mn-cs"/>
         </a:defRPr>
       </a:lvl1pPr>
-      <a:lvl2pPr marL="457200" algn="l" defTabSz="914400" rtl="0" eaLnBrk="1" latinLnBrk="0" hangingPunct="1">
+      <a:lvl2pPr marL="457147" algn="l" defTabSz="914295" rtl="0" eaLnBrk="1" latinLnBrk="0" hangingPunct="1">
         <a:defRPr kumimoji="1" sz="1800" kern="1200">
           <a:solidFill>
             <a:schemeClr val="tx1"/>
@@ -3295,7 +3295,7 @@
           <a:cs typeface="+mn-cs"/>
         </a:defRPr>
       </a:lvl2pPr>
-      <a:lvl3pPr marL="914400" algn="l" defTabSz="914400" rtl="0" eaLnBrk="1" latinLnBrk="0" hangingPunct="1">
+      <a:lvl3pPr marL="914295" algn="l" defTabSz="914295" rtl="0" eaLnBrk="1" latinLnBrk="0" hangingPunct="1">
         <a:defRPr kumimoji="1" sz="1800" kern="1200">
           <a:solidFill>
             <a:schemeClr val="tx1"/>
@@ -3305,7 +3305,7 @@
           <a:cs typeface="+mn-cs"/>
         </a:defRPr>
       </a:lvl3pPr>
-      <a:lvl4pPr marL="1371600" algn="l" defTabSz="914400" rtl="0" eaLnBrk="1" latinLnBrk="0" hangingPunct="1">
+      <a:lvl4pPr marL="1371442" algn="l" defTabSz="914295" rtl="0" eaLnBrk="1" latinLnBrk="0" hangingPunct="1">
         <a:defRPr kumimoji="1" sz="1800" kern="1200">
           <a:solidFill>
             <a:schemeClr val="tx1"/>
@@ -3315,7 +3315,7 @@
           <a:cs typeface="+mn-cs"/>
         </a:defRPr>
       </a:lvl4pPr>
-      <a:lvl5pPr marL="1828800" algn="l" defTabSz="914400" rtl="0" eaLnBrk="1" latinLnBrk="0" hangingPunct="1">
+      <a:lvl5pPr marL="1828589" algn="l" defTabSz="914295" rtl="0" eaLnBrk="1" latinLnBrk="0" hangingPunct="1">
         <a:defRPr kumimoji="1" sz="1800" kern="1200">
           <a:solidFill>
             <a:schemeClr val="tx1"/>
@@ -3325,7 +3325,7 @@
           <a:cs typeface="+mn-cs"/>
         </a:defRPr>
       </a:lvl5pPr>
-      <a:lvl6pPr marL="2286000" algn="l" defTabSz="914400" rtl="0" eaLnBrk="1" latinLnBrk="0" hangingPunct="1">
+      <a:lvl6pPr marL="2285738" algn="l" defTabSz="914295" rtl="0" eaLnBrk="1" latinLnBrk="0" hangingPunct="1">
         <a:defRPr kumimoji="1" sz="1800" kern="1200">
           <a:solidFill>
             <a:schemeClr val="tx1"/>
@@ -3335,7 +3335,7 @@
           <a:cs typeface="+mn-cs"/>
         </a:defRPr>
       </a:lvl6pPr>
-      <a:lvl7pPr marL="2743200" algn="l" defTabSz="914400" rtl="0" eaLnBrk="1" latinLnBrk="0" hangingPunct="1">
+      <a:lvl7pPr marL="2742885" algn="l" defTabSz="914295" rtl="0" eaLnBrk="1" latinLnBrk="0" hangingPunct="1">
         <a:defRPr kumimoji="1" sz="1800" kern="1200">
           <a:solidFill>
             <a:schemeClr val="tx1"/>
@@ -3345,7 +3345,7 @@
           <a:cs typeface="+mn-cs"/>
         </a:defRPr>
       </a:lvl7pPr>
-      <a:lvl8pPr marL="3200400" algn="l" defTabSz="914400" rtl="0" eaLnBrk="1" latinLnBrk="0" hangingPunct="1">
+      <a:lvl8pPr marL="3200032" algn="l" defTabSz="914295" rtl="0" eaLnBrk="1" latinLnBrk="0" hangingPunct="1">
         <a:defRPr kumimoji="1" sz="1800" kern="1200">
           <a:solidFill>
             <a:schemeClr val="tx1"/>
@@ -3355,7 +3355,7 @@
           <a:cs typeface="+mn-cs"/>
         </a:defRPr>
       </a:lvl8pPr>
-      <a:lvl9pPr marL="3657600" algn="l" defTabSz="914400" rtl="0" eaLnBrk="1" latinLnBrk="0" hangingPunct="1">
+      <a:lvl9pPr marL="3657180" algn="l" defTabSz="914295" rtl="0" eaLnBrk="1" latinLnBrk="0" hangingPunct="1">
         <a:defRPr kumimoji="1" sz="1800" kern="1200">
           <a:solidFill>
             <a:schemeClr val="tx1"/>
@@ -3389,7 +3389,7 @@
       </p:grpSpPr>
       <p:sp>
         <p:nvSpPr>
-          <p:cNvPr id="11" name="円/楕円 10"/>
+          <p:cNvPr id="34" name="円/楕円 33"/>
           <p:cNvSpPr/>
           <p:nvPr/>
         </p:nvSpPr>
@@ -3401,6 +3401,12 @@
           <a:prstGeom prst="ellipse">
             <a:avLst/>
           </a:prstGeom>
+          <a:solidFill>
+            <a:srgbClr val="FF0066"/>
+          </a:solidFill>
+          <a:ln>
+            <a:noFill/>
+          </a:ln>
         </p:spPr>
         <p:style>
           <a:lnRef idx="2">
@@ -3419,24 +3425,24 @@
           </a:fontRef>
         </p:style>
         <p:txBody>
-          <a:bodyPr rtlCol="0" anchor="ctr"/>
+          <a:bodyPr lIns="91429" tIns="45715" rIns="91429" bIns="45715" rtlCol="0" anchor="ctr"/>
           <a:lstStyle/>
           <a:p>
             <a:pPr algn="ctr"/>
             <a:r>
-              <a:rPr kumimoji="1" lang="en-US" altLang="ja-JP" dirty="0" smtClean="0"/>
+              <a:rPr lang="en-US" altLang="ja-JP" dirty="0"/>
               <a:t>A</a:t>
             </a:r>
-            <a:endParaRPr kumimoji="1" lang="ja-JP" altLang="en-US" dirty="0"/>
+            <a:endParaRPr lang="ja-JP" altLang="en-US" dirty="0"/>
           </a:p>
         </p:txBody>
       </p:sp>
       <p:cxnSp>
         <p:nvCxnSpPr>
-          <p:cNvPr id="13" name="直線矢印コネクタ 12"/>
+          <p:cNvPr id="35" name="直線矢印コネクタ 34"/>
           <p:cNvCxnSpPr>
-            <a:stCxn id="14" idx="2"/>
-            <a:endCxn id="11" idx="6"/>
+            <a:stCxn id="36" idx="2"/>
+            <a:endCxn id="34" idx="6"/>
           </p:cNvCxnSpPr>
           <p:nvPr/>
         </p:nvCxnSpPr>
@@ -3448,11 +3454,11 @@
           <a:prstGeom prst="straightConnector1">
             <a:avLst/>
           </a:prstGeom>
-          <a:ln w="19050">
+          <a:ln w="31750">
             <a:solidFill>
               <a:schemeClr val="tx1"/>
             </a:solidFill>
-            <a:prstDash val="sysDash"/>
+            <a:prstDash val="sysDot"/>
             <a:tailEnd type="triangle" w="lg" len="med"/>
           </a:ln>
         </p:spPr>
@@ -3473,7 +3479,7 @@
       </p:cxnSp>
       <p:sp>
         <p:nvSpPr>
-          <p:cNvPr id="14" name="円/楕円 13"/>
+          <p:cNvPr id="36" name="円/楕円 35"/>
           <p:cNvSpPr/>
           <p:nvPr/>
         </p:nvSpPr>
@@ -3485,6 +3491,12 @@
           <a:prstGeom prst="ellipse">
             <a:avLst/>
           </a:prstGeom>
+          <a:solidFill>
+            <a:srgbClr val="FF0066"/>
+          </a:solidFill>
+          <a:ln>
+            <a:noFill/>
+          </a:ln>
         </p:spPr>
         <p:style>
           <a:lnRef idx="2">
@@ -3503,21 +3515,21 @@
           </a:fontRef>
         </p:style>
         <p:txBody>
-          <a:bodyPr rtlCol="0" anchor="ctr"/>
+          <a:bodyPr lIns="91429" tIns="45715" rIns="91429" bIns="45715" rtlCol="0" anchor="ctr"/>
           <a:lstStyle/>
           <a:p>
             <a:pPr algn="ctr"/>
             <a:r>
-              <a:rPr kumimoji="1" lang="en-US" altLang="ja-JP" dirty="0" smtClean="0"/>
+              <a:rPr lang="en-US" altLang="ja-JP" dirty="0"/>
               <a:t>B</a:t>
             </a:r>
-            <a:endParaRPr kumimoji="1" lang="ja-JP" altLang="en-US" dirty="0"/>
-          </a:p>
-        </p:txBody>
-      </p:sp>
-      <p:sp>
-        <p:nvSpPr>
-          <p:cNvPr id="16" name="円/楕円 15"/>
+            <a:endParaRPr lang="ja-JP" altLang="en-US" dirty="0"/>
+          </a:p>
+        </p:txBody>
+      </p:sp>
+      <p:sp>
+        <p:nvSpPr>
+          <p:cNvPr id="37" name="円/楕円 36"/>
           <p:cNvSpPr/>
           <p:nvPr/>
         </p:nvSpPr>
@@ -3529,6 +3541,12 @@
           <a:prstGeom prst="ellipse">
             <a:avLst/>
           </a:prstGeom>
+          <a:solidFill>
+            <a:srgbClr val="FF0066"/>
+          </a:solidFill>
+          <a:ln>
+            <a:noFill/>
+          </a:ln>
         </p:spPr>
         <p:style>
           <a:lnRef idx="2">
@@ -3547,24 +3565,24 @@
           </a:fontRef>
         </p:style>
         <p:txBody>
-          <a:bodyPr rtlCol="0" anchor="ctr"/>
+          <a:bodyPr lIns="91429" tIns="45715" rIns="91429" bIns="45715" rtlCol="0" anchor="ctr"/>
           <a:lstStyle/>
           <a:p>
             <a:pPr algn="ctr"/>
             <a:r>
-              <a:rPr kumimoji="1" lang="en-US" altLang="ja-JP" dirty="0" smtClean="0"/>
+              <a:rPr lang="en-US" altLang="ja-JP" dirty="0"/>
               <a:t>C</a:t>
             </a:r>
-            <a:endParaRPr kumimoji="1" lang="ja-JP" altLang="en-US" dirty="0"/>
+            <a:endParaRPr lang="ja-JP" altLang="en-US" dirty="0"/>
           </a:p>
         </p:txBody>
       </p:sp>
       <p:cxnSp>
         <p:nvCxnSpPr>
-          <p:cNvPr id="18" name="直線矢印コネクタ 17"/>
+          <p:cNvPr id="38" name="直線矢印コネクタ 37"/>
           <p:cNvCxnSpPr>
-            <a:stCxn id="16" idx="2"/>
-            <a:endCxn id="14" idx="6"/>
+            <a:stCxn id="37" idx="2"/>
+            <a:endCxn id="36" idx="6"/>
           </p:cNvCxnSpPr>
           <p:nvPr/>
         </p:nvCxnSpPr>
@@ -3576,11 +3594,11 @@
           <a:prstGeom prst="straightConnector1">
             <a:avLst/>
           </a:prstGeom>
-          <a:ln w="19050">
+          <a:ln w="31750">
             <a:solidFill>
               <a:schemeClr val="tx1"/>
             </a:solidFill>
-            <a:prstDash val="sysDash"/>
+            <a:prstDash val="sysDot"/>
             <a:tailEnd type="triangle" w="lg" len="med"/>
           </a:ln>
         </p:spPr>
@@ -3601,23 +3619,23 @@
       </p:cxnSp>
       <p:cxnSp>
         <p:nvCxnSpPr>
-          <p:cNvPr id="19" name="直線矢印コネクタ 18"/>
+          <p:cNvPr id="39" name="直線矢印コネクタ 38"/>
           <p:cNvCxnSpPr/>
           <p:nvPr/>
         </p:nvCxnSpPr>
         <p:spPr>
           <a:xfrm flipH="1">
-            <a:off x="4013113" y="2700437"/>
+            <a:off x="4013113" y="2700436"/>
             <a:ext cx="428406" cy="505494"/>
           </a:xfrm>
           <a:prstGeom prst="straightConnector1">
             <a:avLst/>
           </a:prstGeom>
-          <a:ln w="19050">
+          <a:ln w="31750">
             <a:solidFill>
               <a:schemeClr val="tx1"/>
             </a:solidFill>
-            <a:prstDash val="sysDash"/>
+            <a:prstDash val="sysDot"/>
             <a:tailEnd type="triangle" w="lg" len="med"/>
           </a:ln>
         </p:spPr>
@@ -3638,19 +3656,20 @@
       </p:cxnSp>
       <p:sp>
         <p:nvSpPr>
-          <p:cNvPr id="20" name="正方形/長方形 19"/>
+          <p:cNvPr id="40" name="正方形/長方形 39"/>
           <p:cNvSpPr/>
           <p:nvPr/>
         </p:nvSpPr>
         <p:spPr>
           <a:xfrm>
-            <a:off x="4441519" y="2412405"/>
+            <a:off x="4441519" y="2412406"/>
             <a:ext cx="936044" cy="288032"/>
           </a:xfrm>
           <a:prstGeom prst="rect">
             <a:avLst/>
           </a:prstGeom>
           <a:ln>
+            <a:noFill/>
             <a:prstDash val="sysDash"/>
           </a:ln>
         </p:spPr>
@@ -3671,56 +3690,371 @@
           </a:fontRef>
         </p:style>
         <p:txBody>
-          <a:bodyPr rtlCol="0" anchor="ctr"/>
-          <a:lstStyle/>
-          <a:p>
-            <a:pPr algn="ctr"/>
-            <a:r>
-              <a:rPr kumimoji="1" lang="en-US" altLang="ja-JP" dirty="0" smtClean="0"/>
-              <a:t>master</a:t>
-            </a:r>
-            <a:endParaRPr kumimoji="1" lang="ja-JP" altLang="en-US" dirty="0"/>
-          </a:p>
-        </p:txBody>
-      </p:sp>
-      <p:sp>
-        <p:nvSpPr>
-          <p:cNvPr id="23" name="テキスト ボックス 22"/>
-          <p:cNvSpPr txBox="1"/>
-          <p:nvPr/>
-        </p:nvSpPr>
-        <p:spPr>
-          <a:xfrm>
-            <a:off x="267552" y="478413"/>
-            <a:ext cx="8624928" cy="646331"/>
-          </a:xfrm>
-          <a:prstGeom prst="rect">
-            <a:avLst/>
-          </a:prstGeom>
-          <a:noFill/>
-        </p:spPr>
-        <p:txBody>
-          <a:bodyPr wrap="square" rtlCol="0">
+          <a:bodyPr lIns="91429" tIns="0" rIns="91429" bIns="0" rtlCol="0" anchor="ctr">
             <a:spAutoFit/>
           </a:bodyPr>
           <a:lstStyle/>
           <a:p>
-            <a:r>
-              <a:rPr kumimoji="1" lang="ja-JP" altLang="en-US" dirty="0" smtClean="0"/>
+            <a:pPr algn="ctr"/>
+            <a:r>
+              <a:rPr lang="en-US" altLang="ja-JP" dirty="0"/>
+              <a:t>master</a:t>
+            </a:r>
+            <a:endParaRPr lang="ja-JP" altLang="en-US" dirty="0"/>
+          </a:p>
+        </p:txBody>
+      </p:sp>
+      <p:sp>
+        <p:nvSpPr>
+          <p:cNvPr id="41" name="角丸四角形吹き出し 70"/>
+          <p:cNvSpPr/>
+          <p:nvPr/>
+        </p:nvSpPr>
+        <p:spPr>
+          <a:xfrm>
+            <a:off x="203401" y="123901"/>
+            <a:ext cx="8737200" cy="1433282"/>
+          </a:xfrm>
+          <a:custGeom>
+            <a:avLst/>
+            <a:gdLst>
+              <a:gd name="connsiteX0" fmla="*/ 0 w 8541658"/>
+              <a:gd name="connsiteY0" fmla="*/ 214817 h 1288876"/>
+              <a:gd name="connsiteX1" fmla="*/ 214817 w 8541658"/>
+              <a:gd name="connsiteY1" fmla="*/ 0 h 1288876"/>
+              <a:gd name="connsiteX2" fmla="*/ 1423610 w 8541658"/>
+              <a:gd name="connsiteY2" fmla="*/ 0 h 1288876"/>
+              <a:gd name="connsiteX3" fmla="*/ 1423610 w 8541658"/>
+              <a:gd name="connsiteY3" fmla="*/ 0 h 1288876"/>
+              <a:gd name="connsiteX4" fmla="*/ 3559024 w 8541658"/>
+              <a:gd name="connsiteY4" fmla="*/ 0 h 1288876"/>
+              <a:gd name="connsiteX5" fmla="*/ 8326841 w 8541658"/>
+              <a:gd name="connsiteY5" fmla="*/ 0 h 1288876"/>
+              <a:gd name="connsiteX6" fmla="*/ 8541658 w 8541658"/>
+              <a:gd name="connsiteY6" fmla="*/ 214817 h 1288876"/>
+              <a:gd name="connsiteX7" fmla="*/ 8541658 w 8541658"/>
+              <a:gd name="connsiteY7" fmla="*/ 751844 h 1288876"/>
+              <a:gd name="connsiteX8" fmla="*/ 8541658 w 8541658"/>
+              <a:gd name="connsiteY8" fmla="*/ 751844 h 1288876"/>
+              <a:gd name="connsiteX9" fmla="*/ 8541658 w 8541658"/>
+              <a:gd name="connsiteY9" fmla="*/ 1074063 h 1288876"/>
+              <a:gd name="connsiteX10" fmla="*/ 8541658 w 8541658"/>
+              <a:gd name="connsiteY10" fmla="*/ 1074059 h 1288876"/>
+              <a:gd name="connsiteX11" fmla="*/ 8326841 w 8541658"/>
+              <a:gd name="connsiteY11" fmla="*/ 1288876 h 1288876"/>
+              <a:gd name="connsiteX12" fmla="*/ 3559024 w 8541658"/>
+              <a:gd name="connsiteY12" fmla="*/ 1288876 h 1288876"/>
+              <a:gd name="connsiteX13" fmla="*/ 2230227 w 8541658"/>
+              <a:gd name="connsiteY13" fmla="*/ 1471381 h 1288876"/>
+              <a:gd name="connsiteX14" fmla="*/ 1423610 w 8541658"/>
+              <a:gd name="connsiteY14" fmla="*/ 1288876 h 1288876"/>
+              <a:gd name="connsiteX15" fmla="*/ 214817 w 8541658"/>
+              <a:gd name="connsiteY15" fmla="*/ 1288876 h 1288876"/>
+              <a:gd name="connsiteX16" fmla="*/ 0 w 8541658"/>
+              <a:gd name="connsiteY16" fmla="*/ 1074059 h 1288876"/>
+              <a:gd name="connsiteX17" fmla="*/ 0 w 8541658"/>
+              <a:gd name="connsiteY17" fmla="*/ 1074063 h 1288876"/>
+              <a:gd name="connsiteX18" fmla="*/ 0 w 8541658"/>
+              <a:gd name="connsiteY18" fmla="*/ 751844 h 1288876"/>
+              <a:gd name="connsiteX19" fmla="*/ 0 w 8541658"/>
+              <a:gd name="connsiteY19" fmla="*/ 751844 h 1288876"/>
+              <a:gd name="connsiteX20" fmla="*/ 0 w 8541658"/>
+              <a:gd name="connsiteY20" fmla="*/ 214817 h 1288876"/>
+              <a:gd name="connsiteX0" fmla="*/ 0 w 8541658"/>
+              <a:gd name="connsiteY0" fmla="*/ 214817 h 1471381"/>
+              <a:gd name="connsiteX1" fmla="*/ 214817 w 8541658"/>
+              <a:gd name="connsiteY1" fmla="*/ 0 h 1471381"/>
+              <a:gd name="connsiteX2" fmla="*/ 1423610 w 8541658"/>
+              <a:gd name="connsiteY2" fmla="*/ 0 h 1471381"/>
+              <a:gd name="connsiteX3" fmla="*/ 1423610 w 8541658"/>
+              <a:gd name="connsiteY3" fmla="*/ 0 h 1471381"/>
+              <a:gd name="connsiteX4" fmla="*/ 3559024 w 8541658"/>
+              <a:gd name="connsiteY4" fmla="*/ 0 h 1471381"/>
+              <a:gd name="connsiteX5" fmla="*/ 8326841 w 8541658"/>
+              <a:gd name="connsiteY5" fmla="*/ 0 h 1471381"/>
+              <a:gd name="connsiteX6" fmla="*/ 8541658 w 8541658"/>
+              <a:gd name="connsiteY6" fmla="*/ 214817 h 1471381"/>
+              <a:gd name="connsiteX7" fmla="*/ 8541658 w 8541658"/>
+              <a:gd name="connsiteY7" fmla="*/ 751844 h 1471381"/>
+              <a:gd name="connsiteX8" fmla="*/ 8541658 w 8541658"/>
+              <a:gd name="connsiteY8" fmla="*/ 751844 h 1471381"/>
+              <a:gd name="connsiteX9" fmla="*/ 8541658 w 8541658"/>
+              <a:gd name="connsiteY9" fmla="*/ 1074063 h 1471381"/>
+              <a:gd name="connsiteX10" fmla="*/ 8541658 w 8541658"/>
+              <a:gd name="connsiteY10" fmla="*/ 1074059 h 1471381"/>
+              <a:gd name="connsiteX11" fmla="*/ 8326841 w 8541658"/>
+              <a:gd name="connsiteY11" fmla="*/ 1288876 h 1471381"/>
+              <a:gd name="connsiteX12" fmla="*/ 1852144 w 8541658"/>
+              <a:gd name="connsiteY12" fmla="*/ 1288876 h 1471381"/>
+              <a:gd name="connsiteX13" fmla="*/ 2230227 w 8541658"/>
+              <a:gd name="connsiteY13" fmla="*/ 1471381 h 1471381"/>
+              <a:gd name="connsiteX14" fmla="*/ 1423610 w 8541658"/>
+              <a:gd name="connsiteY14" fmla="*/ 1288876 h 1471381"/>
+              <a:gd name="connsiteX15" fmla="*/ 214817 w 8541658"/>
+              <a:gd name="connsiteY15" fmla="*/ 1288876 h 1471381"/>
+              <a:gd name="connsiteX16" fmla="*/ 0 w 8541658"/>
+              <a:gd name="connsiteY16" fmla="*/ 1074059 h 1471381"/>
+              <a:gd name="connsiteX17" fmla="*/ 0 w 8541658"/>
+              <a:gd name="connsiteY17" fmla="*/ 1074063 h 1471381"/>
+              <a:gd name="connsiteX18" fmla="*/ 0 w 8541658"/>
+              <a:gd name="connsiteY18" fmla="*/ 751844 h 1471381"/>
+              <a:gd name="connsiteX19" fmla="*/ 0 w 8541658"/>
+              <a:gd name="connsiteY19" fmla="*/ 751844 h 1471381"/>
+              <a:gd name="connsiteX20" fmla="*/ 0 w 8541658"/>
+              <a:gd name="connsiteY20" fmla="*/ 214817 h 1471381"/>
+              <a:gd name="connsiteX0" fmla="*/ 0 w 8541658"/>
+              <a:gd name="connsiteY0" fmla="*/ 214817 h 1433281"/>
+              <a:gd name="connsiteX1" fmla="*/ 214817 w 8541658"/>
+              <a:gd name="connsiteY1" fmla="*/ 0 h 1433281"/>
+              <a:gd name="connsiteX2" fmla="*/ 1423610 w 8541658"/>
+              <a:gd name="connsiteY2" fmla="*/ 0 h 1433281"/>
+              <a:gd name="connsiteX3" fmla="*/ 1423610 w 8541658"/>
+              <a:gd name="connsiteY3" fmla="*/ 0 h 1433281"/>
+              <a:gd name="connsiteX4" fmla="*/ 3559024 w 8541658"/>
+              <a:gd name="connsiteY4" fmla="*/ 0 h 1433281"/>
+              <a:gd name="connsiteX5" fmla="*/ 8326841 w 8541658"/>
+              <a:gd name="connsiteY5" fmla="*/ 0 h 1433281"/>
+              <a:gd name="connsiteX6" fmla="*/ 8541658 w 8541658"/>
+              <a:gd name="connsiteY6" fmla="*/ 214817 h 1433281"/>
+              <a:gd name="connsiteX7" fmla="*/ 8541658 w 8541658"/>
+              <a:gd name="connsiteY7" fmla="*/ 751844 h 1433281"/>
+              <a:gd name="connsiteX8" fmla="*/ 8541658 w 8541658"/>
+              <a:gd name="connsiteY8" fmla="*/ 751844 h 1433281"/>
+              <a:gd name="connsiteX9" fmla="*/ 8541658 w 8541658"/>
+              <a:gd name="connsiteY9" fmla="*/ 1074063 h 1433281"/>
+              <a:gd name="connsiteX10" fmla="*/ 8541658 w 8541658"/>
+              <a:gd name="connsiteY10" fmla="*/ 1074059 h 1433281"/>
+              <a:gd name="connsiteX11" fmla="*/ 8326841 w 8541658"/>
+              <a:gd name="connsiteY11" fmla="*/ 1288876 h 1433281"/>
+              <a:gd name="connsiteX12" fmla="*/ 1852144 w 8541658"/>
+              <a:gd name="connsiteY12" fmla="*/ 1288876 h 1433281"/>
+              <a:gd name="connsiteX13" fmla="*/ 1864467 w 8541658"/>
+              <a:gd name="connsiteY13" fmla="*/ 1433281 h 1433281"/>
+              <a:gd name="connsiteX14" fmla="*/ 1423610 w 8541658"/>
+              <a:gd name="connsiteY14" fmla="*/ 1288876 h 1433281"/>
+              <a:gd name="connsiteX15" fmla="*/ 214817 w 8541658"/>
+              <a:gd name="connsiteY15" fmla="*/ 1288876 h 1433281"/>
+              <a:gd name="connsiteX16" fmla="*/ 0 w 8541658"/>
+              <a:gd name="connsiteY16" fmla="*/ 1074059 h 1433281"/>
+              <a:gd name="connsiteX17" fmla="*/ 0 w 8541658"/>
+              <a:gd name="connsiteY17" fmla="*/ 1074063 h 1433281"/>
+              <a:gd name="connsiteX18" fmla="*/ 0 w 8541658"/>
+              <a:gd name="connsiteY18" fmla="*/ 751844 h 1433281"/>
+              <a:gd name="connsiteX19" fmla="*/ 0 w 8541658"/>
+              <a:gd name="connsiteY19" fmla="*/ 751844 h 1433281"/>
+              <a:gd name="connsiteX20" fmla="*/ 0 w 8541658"/>
+              <a:gd name="connsiteY20" fmla="*/ 214817 h 1433281"/>
+            </a:gdLst>
+            <a:ahLst/>
+            <a:cxnLst>
+              <a:cxn ang="0">
+                <a:pos x="connsiteX0" y="connsiteY0"/>
+              </a:cxn>
+              <a:cxn ang="0">
+                <a:pos x="connsiteX1" y="connsiteY1"/>
+              </a:cxn>
+              <a:cxn ang="0">
+                <a:pos x="connsiteX2" y="connsiteY2"/>
+              </a:cxn>
+              <a:cxn ang="0">
+                <a:pos x="connsiteX3" y="connsiteY3"/>
+              </a:cxn>
+              <a:cxn ang="0">
+                <a:pos x="connsiteX4" y="connsiteY4"/>
+              </a:cxn>
+              <a:cxn ang="0">
+                <a:pos x="connsiteX5" y="connsiteY5"/>
+              </a:cxn>
+              <a:cxn ang="0">
+                <a:pos x="connsiteX6" y="connsiteY6"/>
+              </a:cxn>
+              <a:cxn ang="0">
+                <a:pos x="connsiteX7" y="connsiteY7"/>
+              </a:cxn>
+              <a:cxn ang="0">
+                <a:pos x="connsiteX8" y="connsiteY8"/>
+              </a:cxn>
+              <a:cxn ang="0">
+                <a:pos x="connsiteX9" y="connsiteY9"/>
+              </a:cxn>
+              <a:cxn ang="0">
+                <a:pos x="connsiteX10" y="connsiteY10"/>
+              </a:cxn>
+              <a:cxn ang="0">
+                <a:pos x="connsiteX11" y="connsiteY11"/>
+              </a:cxn>
+              <a:cxn ang="0">
+                <a:pos x="connsiteX12" y="connsiteY12"/>
+              </a:cxn>
+              <a:cxn ang="0">
+                <a:pos x="connsiteX13" y="connsiteY13"/>
+              </a:cxn>
+              <a:cxn ang="0">
+                <a:pos x="connsiteX14" y="connsiteY14"/>
+              </a:cxn>
+              <a:cxn ang="0">
+                <a:pos x="connsiteX15" y="connsiteY15"/>
+              </a:cxn>
+              <a:cxn ang="0">
+                <a:pos x="connsiteX16" y="connsiteY16"/>
+              </a:cxn>
+              <a:cxn ang="0">
+                <a:pos x="connsiteX17" y="connsiteY17"/>
+              </a:cxn>
+              <a:cxn ang="0">
+                <a:pos x="connsiteX18" y="connsiteY18"/>
+              </a:cxn>
+              <a:cxn ang="0">
+                <a:pos x="connsiteX19" y="connsiteY19"/>
+              </a:cxn>
+              <a:cxn ang="0">
+                <a:pos x="connsiteX20" y="connsiteY20"/>
+              </a:cxn>
+            </a:cxnLst>
+            <a:rect l="l" t="t" r="r" b="b"/>
+            <a:pathLst>
+              <a:path w="8541658" h="1433281">
+                <a:moveTo>
+                  <a:pt x="0" y="214817"/>
+                </a:moveTo>
+                <a:cubicBezTo>
+                  <a:pt x="0" y="96177"/>
+                  <a:pt x="96177" y="0"/>
+                  <a:pt x="214817" y="0"/>
+                </a:cubicBezTo>
+                <a:lnTo>
+                  <a:pt x="1423610" y="0"/>
+                </a:lnTo>
+                <a:lnTo>
+                  <a:pt x="1423610" y="0"/>
+                </a:lnTo>
+                <a:lnTo>
+                  <a:pt x="3559024" y="0"/>
+                </a:lnTo>
+                <a:lnTo>
+                  <a:pt x="8326841" y="0"/>
+                </a:lnTo>
+                <a:cubicBezTo>
+                  <a:pt x="8445481" y="0"/>
+                  <a:pt x="8541658" y="96177"/>
+                  <a:pt x="8541658" y="214817"/>
+                </a:cubicBezTo>
+                <a:lnTo>
+                  <a:pt x="8541658" y="751844"/>
+                </a:lnTo>
+                <a:lnTo>
+                  <a:pt x="8541658" y="751844"/>
+                </a:lnTo>
+                <a:lnTo>
+                  <a:pt x="8541658" y="1074063"/>
+                </a:lnTo>
+                <a:lnTo>
+                  <a:pt x="8541658" y="1074059"/>
+                </a:lnTo>
+                <a:cubicBezTo>
+                  <a:pt x="8541658" y="1192699"/>
+                  <a:pt x="8445481" y="1288876"/>
+                  <a:pt x="8326841" y="1288876"/>
+                </a:cubicBezTo>
+                <a:lnTo>
+                  <a:pt x="1852144" y="1288876"/>
+                </a:lnTo>
+                <a:lnTo>
+                  <a:pt x="1864467" y="1433281"/>
+                </a:lnTo>
+                <a:lnTo>
+                  <a:pt x="1423610" y="1288876"/>
+                </a:lnTo>
+                <a:lnTo>
+                  <a:pt x="214817" y="1288876"/>
+                </a:lnTo>
+                <a:cubicBezTo>
+                  <a:pt x="96177" y="1288876"/>
+                  <a:pt x="0" y="1192699"/>
+                  <a:pt x="0" y="1074059"/>
+                </a:cubicBezTo>
+                <a:lnTo>
+                  <a:pt x="0" y="1074063"/>
+                </a:lnTo>
+                <a:lnTo>
+                  <a:pt x="0" y="751844"/>
+                </a:lnTo>
+                <a:lnTo>
+                  <a:pt x="0" y="751844"/>
+                </a:lnTo>
+                <a:lnTo>
+                  <a:pt x="0" y="214817"/>
+                </a:lnTo>
+                <a:close/>
+              </a:path>
+            </a:pathLst>
+          </a:custGeom>
+          <a:solidFill>
+            <a:srgbClr val="03C924"/>
+          </a:solidFill>
+          <a:ln>
+            <a:noFill/>
+          </a:ln>
+        </p:spPr>
+        <p:style>
+          <a:lnRef idx="2">
+            <a:schemeClr val="accent1">
+              <a:shade val="50000"/>
+            </a:schemeClr>
+          </a:lnRef>
+          <a:fillRef idx="1">
+            <a:schemeClr val="accent1"/>
+          </a:fillRef>
+          <a:effectRef idx="0">
+            <a:schemeClr val="accent1"/>
+          </a:effectRef>
+          <a:fontRef idx="minor">
+            <a:schemeClr val="lt1"/>
+          </a:fontRef>
+        </p:style>
+        <p:txBody>
+          <a:bodyPr lIns="143983" tIns="143983" rIns="143983" bIns="0" rtlCol="0" anchor="ctr"/>
+          <a:lstStyle/>
+          <a:p>
+            <a:r>
+              <a:rPr lang="ja-JP" altLang="en-US" b="1" dirty="0" smtClean="0">
+                <a:ea typeface="ＭＳ ゴシック" panose="020B0609070205080204" pitchFamily="49" charset="-128"/>
+              </a:rPr>
               <a:t>初期状態。</a:t>
             </a:r>
-            <a:endParaRPr kumimoji="1" lang="en-US" altLang="ja-JP" dirty="0" smtClean="0"/>
-          </a:p>
-          <a:p>
-            <a:r>
-              <a:rPr kumimoji="1" lang="en-US" altLang="ja-JP" dirty="0" smtClean="0"/>
+            <a:endParaRPr lang="en-US" altLang="ja-JP" b="1" dirty="0" smtClean="0">
+              <a:ea typeface="ＭＳ ゴシック" panose="020B0609070205080204" pitchFamily="49" charset="-128"/>
+            </a:endParaRPr>
+          </a:p>
+          <a:p>
+            <a:r>
+              <a:rPr lang="en-US" altLang="ja-JP" b="1" dirty="0"/>
               <a:t>master</a:t>
             </a:r>
             <a:r>
-              <a:rPr kumimoji="1" lang="ja-JP" altLang="en-US" dirty="0" smtClean="0"/>
-              <a:t>ブランチしか存在しない。</a:t>
-            </a:r>
-            <a:endParaRPr kumimoji="1" lang="ja-JP" altLang="en-US" dirty="0"/>
+              <a:rPr lang="ja-JP" altLang="en-US" b="1" dirty="0">
+                <a:latin typeface="ＭＳ ゴシック" panose="020B0609070205080204" pitchFamily="49" charset="-128"/>
+                <a:ea typeface="ＭＳ ゴシック" panose="020B0609070205080204" pitchFamily="49" charset="-128"/>
+              </a:rPr>
+              <a:t>ブランチ</a:t>
+            </a:r>
+            <a:r>
+              <a:rPr lang="ja-JP" altLang="en-US" b="1" dirty="0" smtClean="0">
+                <a:latin typeface="ＭＳ ゴシック" panose="020B0609070205080204" pitchFamily="49" charset="-128"/>
+                <a:ea typeface="ＭＳ ゴシック" panose="020B0609070205080204" pitchFamily="49" charset="-128"/>
+              </a:rPr>
+              <a:t>しかない。</a:t>
+            </a:r>
+            <a:endParaRPr lang="en-US" altLang="ja-JP" b="1" dirty="0" smtClean="0">
+              <a:latin typeface="ＭＳ ゴシック" panose="020B0609070205080204" pitchFamily="49" charset="-128"/>
+              <a:ea typeface="ＭＳ ゴシック" panose="020B0609070205080204" pitchFamily="49" charset="-128"/>
+            </a:endParaRPr>
+          </a:p>
+          <a:p>
+            <a:endParaRPr lang="ja-JP" altLang="en-US" b="1" dirty="0">
+              <a:latin typeface="ＭＳ ゴシック" panose="020B0609070205080204" pitchFamily="49" charset="-128"/>
+              <a:ea typeface="ＭＳ ゴシック" panose="020B0609070205080204" pitchFamily="49" charset="-128"/>
+            </a:endParaRPr>
           </a:p>
         </p:txBody>
       </p:sp>
@@ -3756,7 +4090,7 @@
       </p:grpSpPr>
       <p:sp>
         <p:nvSpPr>
-          <p:cNvPr id="14" name="円/楕円 13"/>
+          <p:cNvPr id="13" name="円/楕円 12"/>
           <p:cNvSpPr/>
           <p:nvPr/>
         </p:nvSpPr>
@@ -3768,6 +4102,12 @@
           <a:prstGeom prst="ellipse">
             <a:avLst/>
           </a:prstGeom>
+          <a:solidFill>
+            <a:srgbClr val="FF0066"/>
+          </a:solidFill>
+          <a:ln>
+            <a:noFill/>
+          </a:ln>
         </p:spPr>
         <p:style>
           <a:lnRef idx="2">
@@ -3786,24 +4126,24 @@
           </a:fontRef>
         </p:style>
         <p:txBody>
-          <a:bodyPr rtlCol="0" anchor="ctr"/>
+          <a:bodyPr lIns="91429" tIns="45715" rIns="91429" bIns="45715" rtlCol="0" anchor="ctr"/>
           <a:lstStyle/>
           <a:p>
             <a:pPr algn="ctr"/>
             <a:r>
-              <a:rPr kumimoji="1" lang="en-US" altLang="ja-JP" dirty="0" smtClean="0"/>
+              <a:rPr lang="en-US" altLang="ja-JP" dirty="0"/>
               <a:t>A</a:t>
             </a:r>
-            <a:endParaRPr kumimoji="1" lang="ja-JP" altLang="en-US" dirty="0"/>
+            <a:endParaRPr lang="ja-JP" altLang="en-US" dirty="0"/>
           </a:p>
         </p:txBody>
       </p:sp>
       <p:cxnSp>
         <p:nvCxnSpPr>
-          <p:cNvPr id="16" name="直線矢印コネクタ 15"/>
+          <p:cNvPr id="15" name="直線矢印コネクタ 14"/>
           <p:cNvCxnSpPr>
-            <a:stCxn id="18" idx="2"/>
-            <a:endCxn id="14" idx="6"/>
+            <a:stCxn id="17" idx="2"/>
+            <a:endCxn id="13" idx="6"/>
           </p:cNvCxnSpPr>
           <p:nvPr/>
         </p:nvCxnSpPr>
@@ -3815,11 +4155,11 @@
           <a:prstGeom prst="straightConnector1">
             <a:avLst/>
           </a:prstGeom>
-          <a:ln w="19050">
+          <a:ln w="31750">
             <a:solidFill>
               <a:schemeClr val="tx1"/>
             </a:solidFill>
-            <a:prstDash val="sysDash"/>
+            <a:prstDash val="sysDot"/>
             <a:tailEnd type="triangle" w="lg" len="med"/>
           </a:ln>
         </p:spPr>
@@ -3840,7 +4180,7 @@
       </p:cxnSp>
       <p:sp>
         <p:nvSpPr>
-          <p:cNvPr id="18" name="円/楕円 17"/>
+          <p:cNvPr id="17" name="円/楕円 16"/>
           <p:cNvSpPr/>
           <p:nvPr/>
         </p:nvSpPr>
@@ -3852,6 +4192,12 @@
           <a:prstGeom prst="ellipse">
             <a:avLst/>
           </a:prstGeom>
+          <a:solidFill>
+            <a:srgbClr val="FF0066"/>
+          </a:solidFill>
+          <a:ln>
+            <a:noFill/>
+          </a:ln>
         </p:spPr>
         <p:style>
           <a:lnRef idx="2">
@@ -3870,21 +4216,21 @@
           </a:fontRef>
         </p:style>
         <p:txBody>
-          <a:bodyPr rtlCol="0" anchor="ctr"/>
+          <a:bodyPr lIns="91429" tIns="45715" rIns="91429" bIns="45715" rtlCol="0" anchor="ctr"/>
           <a:lstStyle/>
           <a:p>
             <a:pPr algn="ctr"/>
             <a:r>
-              <a:rPr kumimoji="1" lang="en-US" altLang="ja-JP" dirty="0" smtClean="0"/>
+              <a:rPr lang="en-US" altLang="ja-JP" dirty="0"/>
               <a:t>B</a:t>
             </a:r>
-            <a:endParaRPr kumimoji="1" lang="ja-JP" altLang="en-US" dirty="0"/>
-          </a:p>
-        </p:txBody>
-      </p:sp>
-      <p:sp>
-        <p:nvSpPr>
-          <p:cNvPr id="19" name="円/楕円 18"/>
+            <a:endParaRPr lang="ja-JP" altLang="en-US" dirty="0"/>
+          </a:p>
+        </p:txBody>
+      </p:sp>
+      <p:sp>
+        <p:nvSpPr>
+          <p:cNvPr id="25" name="円/楕円 24"/>
           <p:cNvSpPr/>
           <p:nvPr/>
         </p:nvSpPr>
@@ -3896,6 +4242,12 @@
           <a:prstGeom prst="ellipse">
             <a:avLst/>
           </a:prstGeom>
+          <a:solidFill>
+            <a:srgbClr val="FF0066"/>
+          </a:solidFill>
+          <a:ln>
+            <a:noFill/>
+          </a:ln>
         </p:spPr>
         <p:style>
           <a:lnRef idx="2">
@@ -3914,24 +4266,24 @@
           </a:fontRef>
         </p:style>
         <p:txBody>
-          <a:bodyPr rtlCol="0" anchor="ctr"/>
+          <a:bodyPr lIns="91429" tIns="45715" rIns="91429" bIns="45715" rtlCol="0" anchor="ctr"/>
           <a:lstStyle/>
           <a:p>
             <a:pPr algn="ctr"/>
             <a:r>
-              <a:rPr kumimoji="1" lang="en-US" altLang="ja-JP" dirty="0" smtClean="0"/>
+              <a:rPr lang="en-US" altLang="ja-JP" dirty="0"/>
               <a:t>C</a:t>
             </a:r>
-            <a:endParaRPr kumimoji="1" lang="ja-JP" altLang="en-US" dirty="0"/>
+            <a:endParaRPr lang="ja-JP" altLang="en-US" dirty="0"/>
           </a:p>
         </p:txBody>
       </p:sp>
       <p:cxnSp>
         <p:nvCxnSpPr>
-          <p:cNvPr id="20" name="直線矢印コネクタ 19"/>
+          <p:cNvPr id="26" name="直線矢印コネクタ 25"/>
           <p:cNvCxnSpPr>
-            <a:stCxn id="19" idx="2"/>
-            <a:endCxn id="18" idx="6"/>
+            <a:stCxn id="25" idx="2"/>
+            <a:endCxn id="17" idx="6"/>
           </p:cNvCxnSpPr>
           <p:nvPr/>
         </p:nvCxnSpPr>
@@ -3943,11 +4295,11 @@
           <a:prstGeom prst="straightConnector1">
             <a:avLst/>
           </a:prstGeom>
-          <a:ln w="19050">
+          <a:ln w="31750">
             <a:solidFill>
               <a:schemeClr val="tx1"/>
             </a:solidFill>
-            <a:prstDash val="sysDash"/>
+            <a:prstDash val="sysDot"/>
             <a:tailEnd type="triangle" w="lg" len="med"/>
           </a:ln>
         </p:spPr>
@@ -3968,7 +4320,7 @@
       </p:cxnSp>
       <p:cxnSp>
         <p:nvCxnSpPr>
-          <p:cNvPr id="21" name="直線矢印コネクタ 20"/>
+          <p:cNvPr id="27" name="直線矢印コネクタ 26"/>
           <p:cNvCxnSpPr/>
           <p:nvPr/>
         </p:nvCxnSpPr>
@@ -3980,11 +4332,11 @@
           <a:prstGeom prst="straightConnector1">
             <a:avLst/>
           </a:prstGeom>
-          <a:ln w="19050">
+          <a:ln w="31750">
             <a:solidFill>
               <a:schemeClr val="tx1"/>
             </a:solidFill>
-            <a:prstDash val="sysDash"/>
+            <a:prstDash val="sysDot"/>
             <a:tailEnd type="triangle" w="lg" len="med"/>
           </a:ln>
         </p:spPr>
@@ -4005,19 +4357,20 @@
       </p:cxnSp>
       <p:sp>
         <p:nvSpPr>
-          <p:cNvPr id="22" name="正方形/長方形 21"/>
+          <p:cNvPr id="28" name="正方形/長方形 27"/>
           <p:cNvSpPr/>
           <p:nvPr/>
         </p:nvSpPr>
         <p:spPr>
           <a:xfrm>
-            <a:off x="5412439" y="2426643"/>
+            <a:off x="5412440" y="2426644"/>
             <a:ext cx="936044" cy="288032"/>
           </a:xfrm>
           <a:prstGeom prst="rect">
             <a:avLst/>
           </a:prstGeom>
           <a:ln>
+            <a:noFill/>
             <a:prstDash val="sysDash"/>
           </a:ln>
         </p:spPr>
@@ -4038,21 +4391,21 @@
           </a:fontRef>
         </p:style>
         <p:txBody>
-          <a:bodyPr rtlCol="0" anchor="ctr"/>
+          <a:bodyPr lIns="91429" tIns="45715" rIns="91429" bIns="45715" rtlCol="0" anchor="ctr"/>
           <a:lstStyle/>
           <a:p>
             <a:pPr algn="ctr"/>
             <a:r>
-              <a:rPr kumimoji="1" lang="en-US" altLang="ja-JP" dirty="0" smtClean="0"/>
+              <a:rPr lang="en-US" altLang="ja-JP" dirty="0"/>
               <a:t>master</a:t>
             </a:r>
-            <a:endParaRPr kumimoji="1" lang="ja-JP" altLang="en-US" dirty="0"/>
-          </a:p>
-        </p:txBody>
-      </p:sp>
-      <p:sp>
-        <p:nvSpPr>
-          <p:cNvPr id="23" name="円/楕円 22"/>
+            <a:endParaRPr lang="ja-JP" altLang="en-US" dirty="0"/>
+          </a:p>
+        </p:txBody>
+      </p:sp>
+      <p:sp>
+        <p:nvSpPr>
+          <p:cNvPr id="29" name="円/楕円 28"/>
           <p:cNvSpPr/>
           <p:nvPr/>
         </p:nvSpPr>
@@ -4064,6 +4417,12 @@
           <a:prstGeom prst="ellipse">
             <a:avLst/>
           </a:prstGeom>
+          <a:solidFill>
+            <a:srgbClr val="FF0066"/>
+          </a:solidFill>
+          <a:ln>
+            <a:noFill/>
+          </a:ln>
         </p:spPr>
         <p:style>
           <a:lnRef idx="2">
@@ -4082,24 +4441,24 @@
           </a:fontRef>
         </p:style>
         <p:txBody>
-          <a:bodyPr rtlCol="0" anchor="ctr"/>
+          <a:bodyPr lIns="91429" tIns="45715" rIns="91429" bIns="45715" rtlCol="0" anchor="ctr"/>
           <a:lstStyle/>
           <a:p>
             <a:pPr algn="ctr"/>
             <a:r>
-              <a:rPr kumimoji="1" lang="en-US" altLang="ja-JP" dirty="0" smtClean="0"/>
+              <a:rPr lang="en-US" altLang="ja-JP" dirty="0"/>
               <a:t>D</a:t>
             </a:r>
-            <a:endParaRPr kumimoji="1" lang="ja-JP" altLang="en-US" dirty="0"/>
+            <a:endParaRPr lang="ja-JP" altLang="en-US" dirty="0"/>
           </a:p>
         </p:txBody>
       </p:sp>
       <p:cxnSp>
         <p:nvCxnSpPr>
-          <p:cNvPr id="24" name="直線矢印コネクタ 23"/>
+          <p:cNvPr id="30" name="直線矢印コネクタ 29"/>
           <p:cNvCxnSpPr>
-            <a:stCxn id="23" idx="2"/>
-            <a:endCxn id="19" idx="6"/>
+            <a:stCxn id="29" idx="2"/>
+            <a:endCxn id="25" idx="6"/>
           </p:cNvCxnSpPr>
           <p:nvPr/>
         </p:nvCxnSpPr>
@@ -4111,11 +4470,11 @@
           <a:prstGeom prst="straightConnector1">
             <a:avLst/>
           </a:prstGeom>
-          <a:ln w="19050">
+          <a:ln w="31750">
             <a:solidFill>
               <a:schemeClr val="tx1"/>
             </a:solidFill>
-            <a:prstDash val="sysDash"/>
+            <a:prstDash val="sysDot"/>
             <a:tailEnd type="triangle" w="lg" len="med"/>
           </a:ln>
         </p:spPr>
@@ -4136,46 +4495,359 @@
       </p:cxnSp>
       <p:sp>
         <p:nvSpPr>
-          <p:cNvPr id="27" name="テキスト ボックス 26"/>
-          <p:cNvSpPr txBox="1"/>
+          <p:cNvPr id="31" name="角丸四角形吹き出し 70"/>
+          <p:cNvSpPr/>
           <p:nvPr/>
         </p:nvSpPr>
         <p:spPr>
           <a:xfrm>
-            <a:off x="267552" y="478413"/>
-            <a:ext cx="8624928" cy="646331"/>
-          </a:xfrm>
-          <a:prstGeom prst="rect">
+            <a:off x="203401" y="123901"/>
+            <a:ext cx="8737200" cy="1433282"/>
+          </a:xfrm>
+          <a:custGeom>
             <a:avLst/>
-          </a:prstGeom>
-          <a:noFill/>
-        </p:spPr>
-        <p:txBody>
-          <a:bodyPr wrap="square" rtlCol="0">
-            <a:spAutoFit/>
-          </a:bodyPr>
+            <a:gdLst>
+              <a:gd name="connsiteX0" fmla="*/ 0 w 8541658"/>
+              <a:gd name="connsiteY0" fmla="*/ 214817 h 1288876"/>
+              <a:gd name="connsiteX1" fmla="*/ 214817 w 8541658"/>
+              <a:gd name="connsiteY1" fmla="*/ 0 h 1288876"/>
+              <a:gd name="connsiteX2" fmla="*/ 1423610 w 8541658"/>
+              <a:gd name="connsiteY2" fmla="*/ 0 h 1288876"/>
+              <a:gd name="connsiteX3" fmla="*/ 1423610 w 8541658"/>
+              <a:gd name="connsiteY3" fmla="*/ 0 h 1288876"/>
+              <a:gd name="connsiteX4" fmla="*/ 3559024 w 8541658"/>
+              <a:gd name="connsiteY4" fmla="*/ 0 h 1288876"/>
+              <a:gd name="connsiteX5" fmla="*/ 8326841 w 8541658"/>
+              <a:gd name="connsiteY5" fmla="*/ 0 h 1288876"/>
+              <a:gd name="connsiteX6" fmla="*/ 8541658 w 8541658"/>
+              <a:gd name="connsiteY6" fmla="*/ 214817 h 1288876"/>
+              <a:gd name="connsiteX7" fmla="*/ 8541658 w 8541658"/>
+              <a:gd name="connsiteY7" fmla="*/ 751844 h 1288876"/>
+              <a:gd name="connsiteX8" fmla="*/ 8541658 w 8541658"/>
+              <a:gd name="connsiteY8" fmla="*/ 751844 h 1288876"/>
+              <a:gd name="connsiteX9" fmla="*/ 8541658 w 8541658"/>
+              <a:gd name="connsiteY9" fmla="*/ 1074063 h 1288876"/>
+              <a:gd name="connsiteX10" fmla="*/ 8541658 w 8541658"/>
+              <a:gd name="connsiteY10" fmla="*/ 1074059 h 1288876"/>
+              <a:gd name="connsiteX11" fmla="*/ 8326841 w 8541658"/>
+              <a:gd name="connsiteY11" fmla="*/ 1288876 h 1288876"/>
+              <a:gd name="connsiteX12" fmla="*/ 3559024 w 8541658"/>
+              <a:gd name="connsiteY12" fmla="*/ 1288876 h 1288876"/>
+              <a:gd name="connsiteX13" fmla="*/ 2230227 w 8541658"/>
+              <a:gd name="connsiteY13" fmla="*/ 1471381 h 1288876"/>
+              <a:gd name="connsiteX14" fmla="*/ 1423610 w 8541658"/>
+              <a:gd name="connsiteY14" fmla="*/ 1288876 h 1288876"/>
+              <a:gd name="connsiteX15" fmla="*/ 214817 w 8541658"/>
+              <a:gd name="connsiteY15" fmla="*/ 1288876 h 1288876"/>
+              <a:gd name="connsiteX16" fmla="*/ 0 w 8541658"/>
+              <a:gd name="connsiteY16" fmla="*/ 1074059 h 1288876"/>
+              <a:gd name="connsiteX17" fmla="*/ 0 w 8541658"/>
+              <a:gd name="connsiteY17" fmla="*/ 1074063 h 1288876"/>
+              <a:gd name="connsiteX18" fmla="*/ 0 w 8541658"/>
+              <a:gd name="connsiteY18" fmla="*/ 751844 h 1288876"/>
+              <a:gd name="connsiteX19" fmla="*/ 0 w 8541658"/>
+              <a:gd name="connsiteY19" fmla="*/ 751844 h 1288876"/>
+              <a:gd name="connsiteX20" fmla="*/ 0 w 8541658"/>
+              <a:gd name="connsiteY20" fmla="*/ 214817 h 1288876"/>
+              <a:gd name="connsiteX0" fmla="*/ 0 w 8541658"/>
+              <a:gd name="connsiteY0" fmla="*/ 214817 h 1471381"/>
+              <a:gd name="connsiteX1" fmla="*/ 214817 w 8541658"/>
+              <a:gd name="connsiteY1" fmla="*/ 0 h 1471381"/>
+              <a:gd name="connsiteX2" fmla="*/ 1423610 w 8541658"/>
+              <a:gd name="connsiteY2" fmla="*/ 0 h 1471381"/>
+              <a:gd name="connsiteX3" fmla="*/ 1423610 w 8541658"/>
+              <a:gd name="connsiteY3" fmla="*/ 0 h 1471381"/>
+              <a:gd name="connsiteX4" fmla="*/ 3559024 w 8541658"/>
+              <a:gd name="connsiteY4" fmla="*/ 0 h 1471381"/>
+              <a:gd name="connsiteX5" fmla="*/ 8326841 w 8541658"/>
+              <a:gd name="connsiteY5" fmla="*/ 0 h 1471381"/>
+              <a:gd name="connsiteX6" fmla="*/ 8541658 w 8541658"/>
+              <a:gd name="connsiteY6" fmla="*/ 214817 h 1471381"/>
+              <a:gd name="connsiteX7" fmla="*/ 8541658 w 8541658"/>
+              <a:gd name="connsiteY7" fmla="*/ 751844 h 1471381"/>
+              <a:gd name="connsiteX8" fmla="*/ 8541658 w 8541658"/>
+              <a:gd name="connsiteY8" fmla="*/ 751844 h 1471381"/>
+              <a:gd name="connsiteX9" fmla="*/ 8541658 w 8541658"/>
+              <a:gd name="connsiteY9" fmla="*/ 1074063 h 1471381"/>
+              <a:gd name="connsiteX10" fmla="*/ 8541658 w 8541658"/>
+              <a:gd name="connsiteY10" fmla="*/ 1074059 h 1471381"/>
+              <a:gd name="connsiteX11" fmla="*/ 8326841 w 8541658"/>
+              <a:gd name="connsiteY11" fmla="*/ 1288876 h 1471381"/>
+              <a:gd name="connsiteX12" fmla="*/ 1852144 w 8541658"/>
+              <a:gd name="connsiteY12" fmla="*/ 1288876 h 1471381"/>
+              <a:gd name="connsiteX13" fmla="*/ 2230227 w 8541658"/>
+              <a:gd name="connsiteY13" fmla="*/ 1471381 h 1471381"/>
+              <a:gd name="connsiteX14" fmla="*/ 1423610 w 8541658"/>
+              <a:gd name="connsiteY14" fmla="*/ 1288876 h 1471381"/>
+              <a:gd name="connsiteX15" fmla="*/ 214817 w 8541658"/>
+              <a:gd name="connsiteY15" fmla="*/ 1288876 h 1471381"/>
+              <a:gd name="connsiteX16" fmla="*/ 0 w 8541658"/>
+              <a:gd name="connsiteY16" fmla="*/ 1074059 h 1471381"/>
+              <a:gd name="connsiteX17" fmla="*/ 0 w 8541658"/>
+              <a:gd name="connsiteY17" fmla="*/ 1074063 h 1471381"/>
+              <a:gd name="connsiteX18" fmla="*/ 0 w 8541658"/>
+              <a:gd name="connsiteY18" fmla="*/ 751844 h 1471381"/>
+              <a:gd name="connsiteX19" fmla="*/ 0 w 8541658"/>
+              <a:gd name="connsiteY19" fmla="*/ 751844 h 1471381"/>
+              <a:gd name="connsiteX20" fmla="*/ 0 w 8541658"/>
+              <a:gd name="connsiteY20" fmla="*/ 214817 h 1471381"/>
+              <a:gd name="connsiteX0" fmla="*/ 0 w 8541658"/>
+              <a:gd name="connsiteY0" fmla="*/ 214817 h 1433281"/>
+              <a:gd name="connsiteX1" fmla="*/ 214817 w 8541658"/>
+              <a:gd name="connsiteY1" fmla="*/ 0 h 1433281"/>
+              <a:gd name="connsiteX2" fmla="*/ 1423610 w 8541658"/>
+              <a:gd name="connsiteY2" fmla="*/ 0 h 1433281"/>
+              <a:gd name="connsiteX3" fmla="*/ 1423610 w 8541658"/>
+              <a:gd name="connsiteY3" fmla="*/ 0 h 1433281"/>
+              <a:gd name="connsiteX4" fmla="*/ 3559024 w 8541658"/>
+              <a:gd name="connsiteY4" fmla="*/ 0 h 1433281"/>
+              <a:gd name="connsiteX5" fmla="*/ 8326841 w 8541658"/>
+              <a:gd name="connsiteY5" fmla="*/ 0 h 1433281"/>
+              <a:gd name="connsiteX6" fmla="*/ 8541658 w 8541658"/>
+              <a:gd name="connsiteY6" fmla="*/ 214817 h 1433281"/>
+              <a:gd name="connsiteX7" fmla="*/ 8541658 w 8541658"/>
+              <a:gd name="connsiteY7" fmla="*/ 751844 h 1433281"/>
+              <a:gd name="connsiteX8" fmla="*/ 8541658 w 8541658"/>
+              <a:gd name="connsiteY8" fmla="*/ 751844 h 1433281"/>
+              <a:gd name="connsiteX9" fmla="*/ 8541658 w 8541658"/>
+              <a:gd name="connsiteY9" fmla="*/ 1074063 h 1433281"/>
+              <a:gd name="connsiteX10" fmla="*/ 8541658 w 8541658"/>
+              <a:gd name="connsiteY10" fmla="*/ 1074059 h 1433281"/>
+              <a:gd name="connsiteX11" fmla="*/ 8326841 w 8541658"/>
+              <a:gd name="connsiteY11" fmla="*/ 1288876 h 1433281"/>
+              <a:gd name="connsiteX12" fmla="*/ 1852144 w 8541658"/>
+              <a:gd name="connsiteY12" fmla="*/ 1288876 h 1433281"/>
+              <a:gd name="connsiteX13" fmla="*/ 1864467 w 8541658"/>
+              <a:gd name="connsiteY13" fmla="*/ 1433281 h 1433281"/>
+              <a:gd name="connsiteX14" fmla="*/ 1423610 w 8541658"/>
+              <a:gd name="connsiteY14" fmla="*/ 1288876 h 1433281"/>
+              <a:gd name="connsiteX15" fmla="*/ 214817 w 8541658"/>
+              <a:gd name="connsiteY15" fmla="*/ 1288876 h 1433281"/>
+              <a:gd name="connsiteX16" fmla="*/ 0 w 8541658"/>
+              <a:gd name="connsiteY16" fmla="*/ 1074059 h 1433281"/>
+              <a:gd name="connsiteX17" fmla="*/ 0 w 8541658"/>
+              <a:gd name="connsiteY17" fmla="*/ 1074063 h 1433281"/>
+              <a:gd name="connsiteX18" fmla="*/ 0 w 8541658"/>
+              <a:gd name="connsiteY18" fmla="*/ 751844 h 1433281"/>
+              <a:gd name="connsiteX19" fmla="*/ 0 w 8541658"/>
+              <a:gd name="connsiteY19" fmla="*/ 751844 h 1433281"/>
+              <a:gd name="connsiteX20" fmla="*/ 0 w 8541658"/>
+              <a:gd name="connsiteY20" fmla="*/ 214817 h 1433281"/>
+            </a:gdLst>
+            <a:ahLst/>
+            <a:cxnLst>
+              <a:cxn ang="0">
+                <a:pos x="connsiteX0" y="connsiteY0"/>
+              </a:cxn>
+              <a:cxn ang="0">
+                <a:pos x="connsiteX1" y="connsiteY1"/>
+              </a:cxn>
+              <a:cxn ang="0">
+                <a:pos x="connsiteX2" y="connsiteY2"/>
+              </a:cxn>
+              <a:cxn ang="0">
+                <a:pos x="connsiteX3" y="connsiteY3"/>
+              </a:cxn>
+              <a:cxn ang="0">
+                <a:pos x="connsiteX4" y="connsiteY4"/>
+              </a:cxn>
+              <a:cxn ang="0">
+                <a:pos x="connsiteX5" y="connsiteY5"/>
+              </a:cxn>
+              <a:cxn ang="0">
+                <a:pos x="connsiteX6" y="connsiteY6"/>
+              </a:cxn>
+              <a:cxn ang="0">
+                <a:pos x="connsiteX7" y="connsiteY7"/>
+              </a:cxn>
+              <a:cxn ang="0">
+                <a:pos x="connsiteX8" y="connsiteY8"/>
+              </a:cxn>
+              <a:cxn ang="0">
+                <a:pos x="connsiteX9" y="connsiteY9"/>
+              </a:cxn>
+              <a:cxn ang="0">
+                <a:pos x="connsiteX10" y="connsiteY10"/>
+              </a:cxn>
+              <a:cxn ang="0">
+                <a:pos x="connsiteX11" y="connsiteY11"/>
+              </a:cxn>
+              <a:cxn ang="0">
+                <a:pos x="connsiteX12" y="connsiteY12"/>
+              </a:cxn>
+              <a:cxn ang="0">
+                <a:pos x="connsiteX13" y="connsiteY13"/>
+              </a:cxn>
+              <a:cxn ang="0">
+                <a:pos x="connsiteX14" y="connsiteY14"/>
+              </a:cxn>
+              <a:cxn ang="0">
+                <a:pos x="connsiteX15" y="connsiteY15"/>
+              </a:cxn>
+              <a:cxn ang="0">
+                <a:pos x="connsiteX16" y="connsiteY16"/>
+              </a:cxn>
+              <a:cxn ang="0">
+                <a:pos x="connsiteX17" y="connsiteY17"/>
+              </a:cxn>
+              <a:cxn ang="0">
+                <a:pos x="connsiteX18" y="connsiteY18"/>
+              </a:cxn>
+              <a:cxn ang="0">
+                <a:pos x="connsiteX19" y="connsiteY19"/>
+              </a:cxn>
+              <a:cxn ang="0">
+                <a:pos x="connsiteX20" y="connsiteY20"/>
+              </a:cxn>
+            </a:cxnLst>
+            <a:rect l="l" t="t" r="r" b="b"/>
+            <a:pathLst>
+              <a:path w="8541658" h="1433281">
+                <a:moveTo>
+                  <a:pt x="0" y="214817"/>
+                </a:moveTo>
+                <a:cubicBezTo>
+                  <a:pt x="0" y="96177"/>
+                  <a:pt x="96177" y="0"/>
+                  <a:pt x="214817" y="0"/>
+                </a:cubicBezTo>
+                <a:lnTo>
+                  <a:pt x="1423610" y="0"/>
+                </a:lnTo>
+                <a:lnTo>
+                  <a:pt x="1423610" y="0"/>
+                </a:lnTo>
+                <a:lnTo>
+                  <a:pt x="3559024" y="0"/>
+                </a:lnTo>
+                <a:lnTo>
+                  <a:pt x="8326841" y="0"/>
+                </a:lnTo>
+                <a:cubicBezTo>
+                  <a:pt x="8445481" y="0"/>
+                  <a:pt x="8541658" y="96177"/>
+                  <a:pt x="8541658" y="214817"/>
+                </a:cubicBezTo>
+                <a:lnTo>
+                  <a:pt x="8541658" y="751844"/>
+                </a:lnTo>
+                <a:lnTo>
+                  <a:pt x="8541658" y="751844"/>
+                </a:lnTo>
+                <a:lnTo>
+                  <a:pt x="8541658" y="1074063"/>
+                </a:lnTo>
+                <a:lnTo>
+                  <a:pt x="8541658" y="1074059"/>
+                </a:lnTo>
+                <a:cubicBezTo>
+                  <a:pt x="8541658" y="1192699"/>
+                  <a:pt x="8445481" y="1288876"/>
+                  <a:pt x="8326841" y="1288876"/>
+                </a:cubicBezTo>
+                <a:lnTo>
+                  <a:pt x="1852144" y="1288876"/>
+                </a:lnTo>
+                <a:lnTo>
+                  <a:pt x="1864467" y="1433281"/>
+                </a:lnTo>
+                <a:lnTo>
+                  <a:pt x="1423610" y="1288876"/>
+                </a:lnTo>
+                <a:lnTo>
+                  <a:pt x="214817" y="1288876"/>
+                </a:lnTo>
+                <a:cubicBezTo>
+                  <a:pt x="96177" y="1288876"/>
+                  <a:pt x="0" y="1192699"/>
+                  <a:pt x="0" y="1074059"/>
+                </a:cubicBezTo>
+                <a:lnTo>
+                  <a:pt x="0" y="1074063"/>
+                </a:lnTo>
+                <a:lnTo>
+                  <a:pt x="0" y="751844"/>
+                </a:lnTo>
+                <a:lnTo>
+                  <a:pt x="0" y="751844"/>
+                </a:lnTo>
+                <a:lnTo>
+                  <a:pt x="0" y="214817"/>
+                </a:lnTo>
+                <a:close/>
+              </a:path>
+            </a:pathLst>
+          </a:custGeom>
+          <a:solidFill>
+            <a:srgbClr val="03C924"/>
+          </a:solidFill>
+          <a:ln>
+            <a:noFill/>
+          </a:ln>
+        </p:spPr>
+        <p:style>
+          <a:lnRef idx="2">
+            <a:schemeClr val="accent1">
+              <a:shade val="50000"/>
+            </a:schemeClr>
+          </a:lnRef>
+          <a:fillRef idx="1">
+            <a:schemeClr val="accent1"/>
+          </a:fillRef>
+          <a:effectRef idx="0">
+            <a:schemeClr val="accent1"/>
+          </a:effectRef>
+          <a:fontRef idx="minor">
+            <a:schemeClr val="lt1"/>
+          </a:fontRef>
+        </p:style>
+        <p:txBody>
+          <a:bodyPr lIns="143983" tIns="143983" rIns="143983" bIns="0" rtlCol="0" anchor="ctr"/>
           <a:lstStyle/>
           <a:p>
             <a:r>
-              <a:rPr kumimoji="1" lang="ja-JP" altLang="en-US" dirty="0" smtClean="0"/>
-              <a:t>一つコミットを追加した。</a:t>
-            </a:r>
-            <a:endParaRPr kumimoji="1" lang="en-US" altLang="ja-JP" dirty="0" smtClean="0"/>
-          </a:p>
-          <a:p>
-            <a:r>
-              <a:rPr lang="en-US" altLang="ja-JP" dirty="0" smtClean="0"/>
-              <a:t>m</a:t>
-            </a:r>
-            <a:r>
-              <a:rPr kumimoji="1" lang="en-US" altLang="ja-JP" dirty="0" smtClean="0"/>
-              <a:t>aster</a:t>
-            </a:r>
-            <a:r>
-              <a:rPr kumimoji="1" lang="ja-JP" altLang="en-US" dirty="0" smtClean="0"/>
-              <a:t>ブランチは最新のコミットを指すよう更新される。</a:t>
-            </a:r>
-            <a:endParaRPr kumimoji="1" lang="ja-JP" altLang="en-US" dirty="0"/>
+              <a:rPr lang="ja-JP" altLang="en-US" b="1" dirty="0">
+                <a:ea typeface="ＭＳ ゴシック" panose="020B0609070205080204" pitchFamily="49" charset="-128"/>
+              </a:rPr>
+              <a:t>一つコミットを</a:t>
+            </a:r>
+            <a:r>
+              <a:rPr lang="ja-JP" altLang="en-US" b="1" dirty="0" smtClean="0">
+                <a:ea typeface="ＭＳ ゴシック" panose="020B0609070205080204" pitchFamily="49" charset="-128"/>
+              </a:rPr>
+              <a:t>追加。</a:t>
+            </a:r>
+            <a:endParaRPr lang="ja-JP" altLang="en-US" b="1" dirty="0">
+              <a:ea typeface="ＭＳ ゴシック" panose="020B0609070205080204" pitchFamily="49" charset="-128"/>
+            </a:endParaRPr>
+          </a:p>
+          <a:p>
+            <a:r>
+              <a:rPr lang="en-US" altLang="ja-JP" b="1" dirty="0">
+                <a:ea typeface="ＭＳ ゴシック" panose="020B0609070205080204" pitchFamily="49" charset="-128"/>
+              </a:rPr>
+              <a:t>master</a:t>
+            </a:r>
+            <a:r>
+              <a:rPr lang="ja-JP" altLang="en-US" b="1" dirty="0">
+                <a:ea typeface="ＭＳ ゴシック" panose="020B0609070205080204" pitchFamily="49" charset="-128"/>
+              </a:rPr>
+              <a:t>ブランチは最新のコミットを指すよう更新される</a:t>
+            </a:r>
+            <a:r>
+              <a:rPr lang="ja-JP" altLang="en-US" b="1" dirty="0" smtClean="0">
+                <a:ea typeface="ＭＳ ゴシック" panose="020B0609070205080204" pitchFamily="49" charset="-128"/>
+              </a:rPr>
+              <a:t>。</a:t>
+            </a:r>
+            <a:endParaRPr lang="en-US" altLang="ja-JP" b="1" dirty="0" smtClean="0">
+              <a:ea typeface="ＭＳ ゴシック" panose="020B0609070205080204" pitchFamily="49" charset="-128"/>
+            </a:endParaRPr>
+          </a:p>
+          <a:p>
+            <a:endParaRPr lang="ja-JP" altLang="en-US" b="1" dirty="0">
+              <a:ea typeface="ＭＳ ゴシック" panose="020B0609070205080204" pitchFamily="49" charset="-128"/>
+            </a:endParaRPr>
           </a:p>
         </p:txBody>
       </p:sp>
@@ -4211,7 +4883,7 @@
       </p:grpSpPr>
       <p:sp>
         <p:nvSpPr>
-          <p:cNvPr id="18" name="円/楕円 17"/>
+          <p:cNvPr id="15" name="円/楕円 14"/>
           <p:cNvSpPr/>
           <p:nvPr/>
         </p:nvSpPr>
@@ -4223,6 +4895,12 @@
           <a:prstGeom prst="ellipse">
             <a:avLst/>
           </a:prstGeom>
+          <a:solidFill>
+            <a:srgbClr val="FF0066"/>
+          </a:solidFill>
+          <a:ln>
+            <a:noFill/>
+          </a:ln>
         </p:spPr>
         <p:style>
           <a:lnRef idx="2">
@@ -4241,24 +4919,24 @@
           </a:fontRef>
         </p:style>
         <p:txBody>
-          <a:bodyPr rtlCol="0" anchor="ctr"/>
+          <a:bodyPr lIns="91429" tIns="45715" rIns="91429" bIns="45715" rtlCol="0" anchor="ctr"/>
           <a:lstStyle/>
           <a:p>
             <a:pPr algn="ctr"/>
             <a:r>
-              <a:rPr kumimoji="1" lang="en-US" altLang="ja-JP" dirty="0" smtClean="0"/>
+              <a:rPr lang="en-US" altLang="ja-JP" dirty="0"/>
               <a:t>A</a:t>
             </a:r>
-            <a:endParaRPr kumimoji="1" lang="ja-JP" altLang="en-US" dirty="0"/>
+            <a:endParaRPr lang="ja-JP" altLang="en-US" dirty="0"/>
           </a:p>
         </p:txBody>
       </p:sp>
       <p:cxnSp>
         <p:nvCxnSpPr>
-          <p:cNvPr id="19" name="直線矢印コネクタ 18"/>
+          <p:cNvPr id="16" name="直線矢印コネクタ 15"/>
           <p:cNvCxnSpPr>
-            <a:stCxn id="20" idx="2"/>
-            <a:endCxn id="18" idx="6"/>
+            <a:stCxn id="17" idx="2"/>
+            <a:endCxn id="15" idx="6"/>
           </p:cNvCxnSpPr>
           <p:nvPr/>
         </p:nvCxnSpPr>
@@ -4270,11 +4948,11 @@
           <a:prstGeom prst="straightConnector1">
             <a:avLst/>
           </a:prstGeom>
-          <a:ln w="19050">
+          <a:ln w="31750">
             <a:solidFill>
               <a:schemeClr val="tx1"/>
             </a:solidFill>
-            <a:prstDash val="sysDash"/>
+            <a:prstDash val="sysDot"/>
             <a:tailEnd type="triangle" w="lg" len="med"/>
           </a:ln>
         </p:spPr>
@@ -4295,7 +4973,7 @@
       </p:cxnSp>
       <p:sp>
         <p:nvSpPr>
-          <p:cNvPr id="20" name="円/楕円 19"/>
+          <p:cNvPr id="17" name="円/楕円 16"/>
           <p:cNvSpPr/>
           <p:nvPr/>
         </p:nvSpPr>
@@ -4307,6 +4985,12 @@
           <a:prstGeom prst="ellipse">
             <a:avLst/>
           </a:prstGeom>
+          <a:solidFill>
+            <a:srgbClr val="FF0066"/>
+          </a:solidFill>
+          <a:ln>
+            <a:noFill/>
+          </a:ln>
         </p:spPr>
         <p:style>
           <a:lnRef idx="2">
@@ -4325,21 +5009,21 @@
           </a:fontRef>
         </p:style>
         <p:txBody>
-          <a:bodyPr rtlCol="0" anchor="ctr"/>
+          <a:bodyPr lIns="91429" tIns="45715" rIns="91429" bIns="45715" rtlCol="0" anchor="ctr"/>
           <a:lstStyle/>
           <a:p>
             <a:pPr algn="ctr"/>
             <a:r>
-              <a:rPr kumimoji="1" lang="en-US" altLang="ja-JP" dirty="0" smtClean="0"/>
+              <a:rPr lang="en-US" altLang="ja-JP" dirty="0"/>
               <a:t>B</a:t>
             </a:r>
-            <a:endParaRPr kumimoji="1" lang="ja-JP" altLang="en-US" dirty="0"/>
-          </a:p>
-        </p:txBody>
-      </p:sp>
-      <p:sp>
-        <p:nvSpPr>
-          <p:cNvPr id="21" name="円/楕円 20"/>
+            <a:endParaRPr lang="ja-JP" altLang="en-US" dirty="0"/>
+          </a:p>
+        </p:txBody>
+      </p:sp>
+      <p:sp>
+        <p:nvSpPr>
+          <p:cNvPr id="29" name="円/楕円 28"/>
           <p:cNvSpPr/>
           <p:nvPr/>
         </p:nvSpPr>
@@ -4351,6 +5035,12 @@
           <a:prstGeom prst="ellipse">
             <a:avLst/>
           </a:prstGeom>
+          <a:solidFill>
+            <a:srgbClr val="FF0066"/>
+          </a:solidFill>
+          <a:ln>
+            <a:noFill/>
+          </a:ln>
         </p:spPr>
         <p:style>
           <a:lnRef idx="2">
@@ -4369,24 +5059,24 @@
           </a:fontRef>
         </p:style>
         <p:txBody>
-          <a:bodyPr rtlCol="0" anchor="ctr"/>
+          <a:bodyPr lIns="91429" tIns="45715" rIns="91429" bIns="45715" rtlCol="0" anchor="ctr"/>
           <a:lstStyle/>
           <a:p>
             <a:pPr algn="ctr"/>
             <a:r>
-              <a:rPr kumimoji="1" lang="en-US" altLang="ja-JP" dirty="0" smtClean="0"/>
+              <a:rPr lang="en-US" altLang="ja-JP" dirty="0"/>
               <a:t>C</a:t>
             </a:r>
-            <a:endParaRPr kumimoji="1" lang="ja-JP" altLang="en-US" dirty="0"/>
+            <a:endParaRPr lang="ja-JP" altLang="en-US" dirty="0"/>
           </a:p>
         </p:txBody>
       </p:sp>
       <p:cxnSp>
         <p:nvCxnSpPr>
-          <p:cNvPr id="22" name="直線矢印コネクタ 21"/>
+          <p:cNvPr id="30" name="直線矢印コネクタ 29"/>
           <p:cNvCxnSpPr>
-            <a:stCxn id="21" idx="2"/>
-            <a:endCxn id="20" idx="6"/>
+            <a:stCxn id="29" idx="2"/>
+            <a:endCxn id="17" idx="6"/>
           </p:cNvCxnSpPr>
           <p:nvPr/>
         </p:nvCxnSpPr>
@@ -4398,11 +5088,11 @@
           <a:prstGeom prst="straightConnector1">
             <a:avLst/>
           </a:prstGeom>
-          <a:ln w="19050">
+          <a:ln w="31750">
             <a:solidFill>
               <a:schemeClr val="tx1"/>
             </a:solidFill>
-            <a:prstDash val="sysDash"/>
+            <a:prstDash val="sysDot"/>
             <a:tailEnd type="triangle" w="lg" len="med"/>
           </a:ln>
         </p:spPr>
@@ -4423,7 +5113,7 @@
       </p:cxnSp>
       <p:cxnSp>
         <p:nvCxnSpPr>
-          <p:cNvPr id="23" name="直線矢印コネクタ 22"/>
+          <p:cNvPr id="31" name="直線矢印コネクタ 30"/>
           <p:cNvCxnSpPr/>
           <p:nvPr/>
         </p:nvCxnSpPr>
@@ -4435,11 +5125,11 @@
           <a:prstGeom prst="straightConnector1">
             <a:avLst/>
           </a:prstGeom>
-          <a:ln w="19050">
+          <a:ln w="31750">
             <a:solidFill>
               <a:schemeClr val="tx1"/>
             </a:solidFill>
-            <a:prstDash val="sysDash"/>
+            <a:prstDash val="sysDot"/>
             <a:tailEnd type="triangle" w="lg" len="med"/>
           </a:ln>
         </p:spPr>
@@ -4460,19 +5150,20 @@
       </p:cxnSp>
       <p:sp>
         <p:nvSpPr>
-          <p:cNvPr id="24" name="正方形/長方形 23"/>
+          <p:cNvPr id="32" name="正方形/長方形 31"/>
           <p:cNvSpPr/>
           <p:nvPr/>
         </p:nvSpPr>
         <p:spPr>
           <a:xfrm>
-            <a:off x="5412439" y="2426643"/>
+            <a:off x="5412440" y="2426644"/>
             <a:ext cx="936044" cy="288032"/>
           </a:xfrm>
           <a:prstGeom prst="rect">
             <a:avLst/>
           </a:prstGeom>
           <a:ln>
+            <a:noFill/>
             <a:prstDash val="sysDash"/>
           </a:ln>
         </p:spPr>
@@ -4493,21 +5184,21 @@
           </a:fontRef>
         </p:style>
         <p:txBody>
-          <a:bodyPr rtlCol="0" anchor="ctr"/>
+          <a:bodyPr lIns="91429" tIns="45715" rIns="91429" bIns="45715" rtlCol="0" anchor="ctr"/>
           <a:lstStyle/>
           <a:p>
             <a:pPr algn="ctr"/>
             <a:r>
-              <a:rPr kumimoji="1" lang="en-US" altLang="ja-JP" dirty="0" smtClean="0"/>
+              <a:rPr lang="en-US" altLang="ja-JP" dirty="0"/>
               <a:t>master</a:t>
             </a:r>
-            <a:endParaRPr kumimoji="1" lang="ja-JP" altLang="en-US" dirty="0"/>
-          </a:p>
-        </p:txBody>
-      </p:sp>
-      <p:sp>
-        <p:nvSpPr>
-          <p:cNvPr id="25" name="円/楕円 24"/>
+            <a:endParaRPr lang="ja-JP" altLang="en-US" dirty="0"/>
+          </a:p>
+        </p:txBody>
+      </p:sp>
+      <p:sp>
+        <p:nvSpPr>
+          <p:cNvPr id="33" name="円/楕円 32"/>
           <p:cNvSpPr/>
           <p:nvPr/>
         </p:nvSpPr>
@@ -4519,6 +5210,12 @@
           <a:prstGeom prst="ellipse">
             <a:avLst/>
           </a:prstGeom>
+          <a:solidFill>
+            <a:srgbClr val="FF0066"/>
+          </a:solidFill>
+          <a:ln>
+            <a:noFill/>
+          </a:ln>
         </p:spPr>
         <p:style>
           <a:lnRef idx="2">
@@ -4537,24 +5234,24 @@
           </a:fontRef>
         </p:style>
         <p:txBody>
-          <a:bodyPr rtlCol="0" anchor="ctr"/>
+          <a:bodyPr lIns="91429" tIns="45715" rIns="91429" bIns="45715" rtlCol="0" anchor="ctr"/>
           <a:lstStyle/>
           <a:p>
             <a:pPr algn="ctr"/>
             <a:r>
-              <a:rPr kumimoji="1" lang="en-US" altLang="ja-JP" dirty="0" smtClean="0"/>
+              <a:rPr lang="en-US" altLang="ja-JP" dirty="0"/>
               <a:t>D</a:t>
             </a:r>
-            <a:endParaRPr kumimoji="1" lang="ja-JP" altLang="en-US" dirty="0"/>
+            <a:endParaRPr lang="ja-JP" altLang="en-US" dirty="0"/>
           </a:p>
         </p:txBody>
       </p:sp>
       <p:cxnSp>
         <p:nvCxnSpPr>
-          <p:cNvPr id="26" name="直線矢印コネクタ 25"/>
+          <p:cNvPr id="34" name="直線矢印コネクタ 33"/>
           <p:cNvCxnSpPr>
-            <a:stCxn id="25" idx="2"/>
-            <a:endCxn id="21" idx="6"/>
+            <a:stCxn id="33" idx="2"/>
+            <a:endCxn id="29" idx="6"/>
           </p:cNvCxnSpPr>
           <p:nvPr/>
         </p:nvCxnSpPr>
@@ -4566,11 +5263,11 @@
           <a:prstGeom prst="straightConnector1">
             <a:avLst/>
           </a:prstGeom>
-          <a:ln w="19050">
+          <a:ln w="31750">
             <a:solidFill>
               <a:schemeClr val="tx1"/>
             </a:solidFill>
-            <a:prstDash val="sysDash"/>
+            <a:prstDash val="sysDot"/>
             <a:tailEnd type="triangle" w="lg" len="med"/>
           </a:ln>
         </p:spPr>
@@ -4591,9 +5288,9 @@
       </p:cxnSp>
       <p:cxnSp>
         <p:nvCxnSpPr>
-          <p:cNvPr id="27" name="直線矢印コネクタ 26"/>
+          <p:cNvPr id="35" name="直線矢印コネクタ 34"/>
           <p:cNvCxnSpPr>
-            <a:stCxn id="28" idx="1"/>
+            <a:stCxn id="36" idx="1"/>
           </p:cNvCxnSpPr>
           <p:nvPr/>
         </p:nvCxnSpPr>
@@ -4605,11 +5302,11 @@
           <a:prstGeom prst="straightConnector1">
             <a:avLst/>
           </a:prstGeom>
-          <a:ln w="19050">
+          <a:ln w="31750">
             <a:solidFill>
               <a:schemeClr val="tx1"/>
             </a:solidFill>
-            <a:prstDash val="sysDash"/>
+            <a:prstDash val="sysDot"/>
             <a:tailEnd type="triangle" w="lg" len="med"/>
           </a:ln>
         </p:spPr>
@@ -4630,19 +5327,20 @@
       </p:cxnSp>
       <p:sp>
         <p:nvSpPr>
-          <p:cNvPr id="28" name="正方形/長方形 27"/>
+          <p:cNvPr id="36" name="正方形/長方形 35"/>
           <p:cNvSpPr/>
           <p:nvPr/>
         </p:nvSpPr>
         <p:spPr>
           <a:xfrm>
-            <a:off x="5412439" y="4135750"/>
+            <a:off x="5412440" y="4135751"/>
             <a:ext cx="936044" cy="288032"/>
           </a:xfrm>
           <a:prstGeom prst="rect">
             <a:avLst/>
           </a:prstGeom>
           <a:ln>
+            <a:noFill/>
             <a:prstDash val="sysDash"/>
           </a:ln>
         </p:spPr>
@@ -4663,88 +5361,403 @@
           </a:fontRef>
         </p:style>
         <p:txBody>
-          <a:bodyPr rtlCol="0" anchor="ctr"/>
+          <a:bodyPr lIns="91429" tIns="45715" rIns="91429" bIns="45715" rtlCol="0" anchor="ctr"/>
           <a:lstStyle/>
           <a:p>
             <a:pPr algn="ctr"/>
             <a:r>
-              <a:rPr lang="en-US" altLang="ja-JP" dirty="0" err="1" smtClean="0"/>
+              <a:rPr lang="en-US" altLang="ja-JP" dirty="0" err="1"/>
               <a:t>bugfix</a:t>
             </a:r>
-            <a:endParaRPr kumimoji="1" lang="ja-JP" altLang="en-US" dirty="0"/>
-          </a:p>
-        </p:txBody>
-      </p:sp>
-      <p:sp>
-        <p:nvSpPr>
-          <p:cNvPr id="31" name="テキスト ボックス 30"/>
-          <p:cNvSpPr txBox="1"/>
+            <a:endParaRPr lang="ja-JP" altLang="en-US" dirty="0"/>
+          </a:p>
+        </p:txBody>
+      </p:sp>
+      <p:sp>
+        <p:nvSpPr>
+          <p:cNvPr id="37" name="角丸四角形吹き出し 70"/>
+          <p:cNvSpPr/>
           <p:nvPr/>
         </p:nvSpPr>
         <p:spPr>
           <a:xfrm>
-            <a:off x="267552" y="478413"/>
-            <a:ext cx="8624928" cy="646331"/>
-          </a:xfrm>
-          <a:prstGeom prst="rect">
+            <a:off x="203401" y="123901"/>
+            <a:ext cx="8737200" cy="1433282"/>
+          </a:xfrm>
+          <a:custGeom>
             <a:avLst/>
-          </a:prstGeom>
-          <a:noFill/>
-        </p:spPr>
-        <p:txBody>
-          <a:bodyPr wrap="square" rtlCol="0">
-            <a:spAutoFit/>
-          </a:bodyPr>
+            <a:gdLst>
+              <a:gd name="connsiteX0" fmla="*/ 0 w 8541658"/>
+              <a:gd name="connsiteY0" fmla="*/ 214817 h 1288876"/>
+              <a:gd name="connsiteX1" fmla="*/ 214817 w 8541658"/>
+              <a:gd name="connsiteY1" fmla="*/ 0 h 1288876"/>
+              <a:gd name="connsiteX2" fmla="*/ 1423610 w 8541658"/>
+              <a:gd name="connsiteY2" fmla="*/ 0 h 1288876"/>
+              <a:gd name="connsiteX3" fmla="*/ 1423610 w 8541658"/>
+              <a:gd name="connsiteY3" fmla="*/ 0 h 1288876"/>
+              <a:gd name="connsiteX4" fmla="*/ 3559024 w 8541658"/>
+              <a:gd name="connsiteY4" fmla="*/ 0 h 1288876"/>
+              <a:gd name="connsiteX5" fmla="*/ 8326841 w 8541658"/>
+              <a:gd name="connsiteY5" fmla="*/ 0 h 1288876"/>
+              <a:gd name="connsiteX6" fmla="*/ 8541658 w 8541658"/>
+              <a:gd name="connsiteY6" fmla="*/ 214817 h 1288876"/>
+              <a:gd name="connsiteX7" fmla="*/ 8541658 w 8541658"/>
+              <a:gd name="connsiteY7" fmla="*/ 751844 h 1288876"/>
+              <a:gd name="connsiteX8" fmla="*/ 8541658 w 8541658"/>
+              <a:gd name="connsiteY8" fmla="*/ 751844 h 1288876"/>
+              <a:gd name="connsiteX9" fmla="*/ 8541658 w 8541658"/>
+              <a:gd name="connsiteY9" fmla="*/ 1074063 h 1288876"/>
+              <a:gd name="connsiteX10" fmla="*/ 8541658 w 8541658"/>
+              <a:gd name="connsiteY10" fmla="*/ 1074059 h 1288876"/>
+              <a:gd name="connsiteX11" fmla="*/ 8326841 w 8541658"/>
+              <a:gd name="connsiteY11" fmla="*/ 1288876 h 1288876"/>
+              <a:gd name="connsiteX12" fmla="*/ 3559024 w 8541658"/>
+              <a:gd name="connsiteY12" fmla="*/ 1288876 h 1288876"/>
+              <a:gd name="connsiteX13" fmla="*/ 2230227 w 8541658"/>
+              <a:gd name="connsiteY13" fmla="*/ 1471381 h 1288876"/>
+              <a:gd name="connsiteX14" fmla="*/ 1423610 w 8541658"/>
+              <a:gd name="connsiteY14" fmla="*/ 1288876 h 1288876"/>
+              <a:gd name="connsiteX15" fmla="*/ 214817 w 8541658"/>
+              <a:gd name="connsiteY15" fmla="*/ 1288876 h 1288876"/>
+              <a:gd name="connsiteX16" fmla="*/ 0 w 8541658"/>
+              <a:gd name="connsiteY16" fmla="*/ 1074059 h 1288876"/>
+              <a:gd name="connsiteX17" fmla="*/ 0 w 8541658"/>
+              <a:gd name="connsiteY17" fmla="*/ 1074063 h 1288876"/>
+              <a:gd name="connsiteX18" fmla="*/ 0 w 8541658"/>
+              <a:gd name="connsiteY18" fmla="*/ 751844 h 1288876"/>
+              <a:gd name="connsiteX19" fmla="*/ 0 w 8541658"/>
+              <a:gd name="connsiteY19" fmla="*/ 751844 h 1288876"/>
+              <a:gd name="connsiteX20" fmla="*/ 0 w 8541658"/>
+              <a:gd name="connsiteY20" fmla="*/ 214817 h 1288876"/>
+              <a:gd name="connsiteX0" fmla="*/ 0 w 8541658"/>
+              <a:gd name="connsiteY0" fmla="*/ 214817 h 1471381"/>
+              <a:gd name="connsiteX1" fmla="*/ 214817 w 8541658"/>
+              <a:gd name="connsiteY1" fmla="*/ 0 h 1471381"/>
+              <a:gd name="connsiteX2" fmla="*/ 1423610 w 8541658"/>
+              <a:gd name="connsiteY2" fmla="*/ 0 h 1471381"/>
+              <a:gd name="connsiteX3" fmla="*/ 1423610 w 8541658"/>
+              <a:gd name="connsiteY3" fmla="*/ 0 h 1471381"/>
+              <a:gd name="connsiteX4" fmla="*/ 3559024 w 8541658"/>
+              <a:gd name="connsiteY4" fmla="*/ 0 h 1471381"/>
+              <a:gd name="connsiteX5" fmla="*/ 8326841 w 8541658"/>
+              <a:gd name="connsiteY5" fmla="*/ 0 h 1471381"/>
+              <a:gd name="connsiteX6" fmla="*/ 8541658 w 8541658"/>
+              <a:gd name="connsiteY6" fmla="*/ 214817 h 1471381"/>
+              <a:gd name="connsiteX7" fmla="*/ 8541658 w 8541658"/>
+              <a:gd name="connsiteY7" fmla="*/ 751844 h 1471381"/>
+              <a:gd name="connsiteX8" fmla="*/ 8541658 w 8541658"/>
+              <a:gd name="connsiteY8" fmla="*/ 751844 h 1471381"/>
+              <a:gd name="connsiteX9" fmla="*/ 8541658 w 8541658"/>
+              <a:gd name="connsiteY9" fmla="*/ 1074063 h 1471381"/>
+              <a:gd name="connsiteX10" fmla="*/ 8541658 w 8541658"/>
+              <a:gd name="connsiteY10" fmla="*/ 1074059 h 1471381"/>
+              <a:gd name="connsiteX11" fmla="*/ 8326841 w 8541658"/>
+              <a:gd name="connsiteY11" fmla="*/ 1288876 h 1471381"/>
+              <a:gd name="connsiteX12" fmla="*/ 1852144 w 8541658"/>
+              <a:gd name="connsiteY12" fmla="*/ 1288876 h 1471381"/>
+              <a:gd name="connsiteX13" fmla="*/ 2230227 w 8541658"/>
+              <a:gd name="connsiteY13" fmla="*/ 1471381 h 1471381"/>
+              <a:gd name="connsiteX14" fmla="*/ 1423610 w 8541658"/>
+              <a:gd name="connsiteY14" fmla="*/ 1288876 h 1471381"/>
+              <a:gd name="connsiteX15" fmla="*/ 214817 w 8541658"/>
+              <a:gd name="connsiteY15" fmla="*/ 1288876 h 1471381"/>
+              <a:gd name="connsiteX16" fmla="*/ 0 w 8541658"/>
+              <a:gd name="connsiteY16" fmla="*/ 1074059 h 1471381"/>
+              <a:gd name="connsiteX17" fmla="*/ 0 w 8541658"/>
+              <a:gd name="connsiteY17" fmla="*/ 1074063 h 1471381"/>
+              <a:gd name="connsiteX18" fmla="*/ 0 w 8541658"/>
+              <a:gd name="connsiteY18" fmla="*/ 751844 h 1471381"/>
+              <a:gd name="connsiteX19" fmla="*/ 0 w 8541658"/>
+              <a:gd name="connsiteY19" fmla="*/ 751844 h 1471381"/>
+              <a:gd name="connsiteX20" fmla="*/ 0 w 8541658"/>
+              <a:gd name="connsiteY20" fmla="*/ 214817 h 1471381"/>
+              <a:gd name="connsiteX0" fmla="*/ 0 w 8541658"/>
+              <a:gd name="connsiteY0" fmla="*/ 214817 h 1433281"/>
+              <a:gd name="connsiteX1" fmla="*/ 214817 w 8541658"/>
+              <a:gd name="connsiteY1" fmla="*/ 0 h 1433281"/>
+              <a:gd name="connsiteX2" fmla="*/ 1423610 w 8541658"/>
+              <a:gd name="connsiteY2" fmla="*/ 0 h 1433281"/>
+              <a:gd name="connsiteX3" fmla="*/ 1423610 w 8541658"/>
+              <a:gd name="connsiteY3" fmla="*/ 0 h 1433281"/>
+              <a:gd name="connsiteX4" fmla="*/ 3559024 w 8541658"/>
+              <a:gd name="connsiteY4" fmla="*/ 0 h 1433281"/>
+              <a:gd name="connsiteX5" fmla="*/ 8326841 w 8541658"/>
+              <a:gd name="connsiteY5" fmla="*/ 0 h 1433281"/>
+              <a:gd name="connsiteX6" fmla="*/ 8541658 w 8541658"/>
+              <a:gd name="connsiteY6" fmla="*/ 214817 h 1433281"/>
+              <a:gd name="connsiteX7" fmla="*/ 8541658 w 8541658"/>
+              <a:gd name="connsiteY7" fmla="*/ 751844 h 1433281"/>
+              <a:gd name="connsiteX8" fmla="*/ 8541658 w 8541658"/>
+              <a:gd name="connsiteY8" fmla="*/ 751844 h 1433281"/>
+              <a:gd name="connsiteX9" fmla="*/ 8541658 w 8541658"/>
+              <a:gd name="connsiteY9" fmla="*/ 1074063 h 1433281"/>
+              <a:gd name="connsiteX10" fmla="*/ 8541658 w 8541658"/>
+              <a:gd name="connsiteY10" fmla="*/ 1074059 h 1433281"/>
+              <a:gd name="connsiteX11" fmla="*/ 8326841 w 8541658"/>
+              <a:gd name="connsiteY11" fmla="*/ 1288876 h 1433281"/>
+              <a:gd name="connsiteX12" fmla="*/ 1852144 w 8541658"/>
+              <a:gd name="connsiteY12" fmla="*/ 1288876 h 1433281"/>
+              <a:gd name="connsiteX13" fmla="*/ 1864467 w 8541658"/>
+              <a:gd name="connsiteY13" fmla="*/ 1433281 h 1433281"/>
+              <a:gd name="connsiteX14" fmla="*/ 1423610 w 8541658"/>
+              <a:gd name="connsiteY14" fmla="*/ 1288876 h 1433281"/>
+              <a:gd name="connsiteX15" fmla="*/ 214817 w 8541658"/>
+              <a:gd name="connsiteY15" fmla="*/ 1288876 h 1433281"/>
+              <a:gd name="connsiteX16" fmla="*/ 0 w 8541658"/>
+              <a:gd name="connsiteY16" fmla="*/ 1074059 h 1433281"/>
+              <a:gd name="connsiteX17" fmla="*/ 0 w 8541658"/>
+              <a:gd name="connsiteY17" fmla="*/ 1074063 h 1433281"/>
+              <a:gd name="connsiteX18" fmla="*/ 0 w 8541658"/>
+              <a:gd name="connsiteY18" fmla="*/ 751844 h 1433281"/>
+              <a:gd name="connsiteX19" fmla="*/ 0 w 8541658"/>
+              <a:gd name="connsiteY19" fmla="*/ 751844 h 1433281"/>
+              <a:gd name="connsiteX20" fmla="*/ 0 w 8541658"/>
+              <a:gd name="connsiteY20" fmla="*/ 214817 h 1433281"/>
+            </a:gdLst>
+            <a:ahLst/>
+            <a:cxnLst>
+              <a:cxn ang="0">
+                <a:pos x="connsiteX0" y="connsiteY0"/>
+              </a:cxn>
+              <a:cxn ang="0">
+                <a:pos x="connsiteX1" y="connsiteY1"/>
+              </a:cxn>
+              <a:cxn ang="0">
+                <a:pos x="connsiteX2" y="connsiteY2"/>
+              </a:cxn>
+              <a:cxn ang="0">
+                <a:pos x="connsiteX3" y="connsiteY3"/>
+              </a:cxn>
+              <a:cxn ang="0">
+                <a:pos x="connsiteX4" y="connsiteY4"/>
+              </a:cxn>
+              <a:cxn ang="0">
+                <a:pos x="connsiteX5" y="connsiteY5"/>
+              </a:cxn>
+              <a:cxn ang="0">
+                <a:pos x="connsiteX6" y="connsiteY6"/>
+              </a:cxn>
+              <a:cxn ang="0">
+                <a:pos x="connsiteX7" y="connsiteY7"/>
+              </a:cxn>
+              <a:cxn ang="0">
+                <a:pos x="connsiteX8" y="connsiteY8"/>
+              </a:cxn>
+              <a:cxn ang="0">
+                <a:pos x="connsiteX9" y="connsiteY9"/>
+              </a:cxn>
+              <a:cxn ang="0">
+                <a:pos x="connsiteX10" y="connsiteY10"/>
+              </a:cxn>
+              <a:cxn ang="0">
+                <a:pos x="connsiteX11" y="connsiteY11"/>
+              </a:cxn>
+              <a:cxn ang="0">
+                <a:pos x="connsiteX12" y="connsiteY12"/>
+              </a:cxn>
+              <a:cxn ang="0">
+                <a:pos x="connsiteX13" y="connsiteY13"/>
+              </a:cxn>
+              <a:cxn ang="0">
+                <a:pos x="connsiteX14" y="connsiteY14"/>
+              </a:cxn>
+              <a:cxn ang="0">
+                <a:pos x="connsiteX15" y="connsiteY15"/>
+              </a:cxn>
+              <a:cxn ang="0">
+                <a:pos x="connsiteX16" y="connsiteY16"/>
+              </a:cxn>
+              <a:cxn ang="0">
+                <a:pos x="connsiteX17" y="connsiteY17"/>
+              </a:cxn>
+              <a:cxn ang="0">
+                <a:pos x="connsiteX18" y="connsiteY18"/>
+              </a:cxn>
+              <a:cxn ang="0">
+                <a:pos x="connsiteX19" y="connsiteY19"/>
+              </a:cxn>
+              <a:cxn ang="0">
+                <a:pos x="connsiteX20" y="connsiteY20"/>
+              </a:cxn>
+            </a:cxnLst>
+            <a:rect l="l" t="t" r="r" b="b"/>
+            <a:pathLst>
+              <a:path w="8541658" h="1433281">
+                <a:moveTo>
+                  <a:pt x="0" y="214817"/>
+                </a:moveTo>
+                <a:cubicBezTo>
+                  <a:pt x="0" y="96177"/>
+                  <a:pt x="96177" y="0"/>
+                  <a:pt x="214817" y="0"/>
+                </a:cubicBezTo>
+                <a:lnTo>
+                  <a:pt x="1423610" y="0"/>
+                </a:lnTo>
+                <a:lnTo>
+                  <a:pt x="1423610" y="0"/>
+                </a:lnTo>
+                <a:lnTo>
+                  <a:pt x="3559024" y="0"/>
+                </a:lnTo>
+                <a:lnTo>
+                  <a:pt x="8326841" y="0"/>
+                </a:lnTo>
+                <a:cubicBezTo>
+                  <a:pt x="8445481" y="0"/>
+                  <a:pt x="8541658" y="96177"/>
+                  <a:pt x="8541658" y="214817"/>
+                </a:cubicBezTo>
+                <a:lnTo>
+                  <a:pt x="8541658" y="751844"/>
+                </a:lnTo>
+                <a:lnTo>
+                  <a:pt x="8541658" y="751844"/>
+                </a:lnTo>
+                <a:lnTo>
+                  <a:pt x="8541658" y="1074063"/>
+                </a:lnTo>
+                <a:lnTo>
+                  <a:pt x="8541658" y="1074059"/>
+                </a:lnTo>
+                <a:cubicBezTo>
+                  <a:pt x="8541658" y="1192699"/>
+                  <a:pt x="8445481" y="1288876"/>
+                  <a:pt x="8326841" y="1288876"/>
+                </a:cubicBezTo>
+                <a:lnTo>
+                  <a:pt x="1852144" y="1288876"/>
+                </a:lnTo>
+                <a:lnTo>
+                  <a:pt x="1864467" y="1433281"/>
+                </a:lnTo>
+                <a:lnTo>
+                  <a:pt x="1423610" y="1288876"/>
+                </a:lnTo>
+                <a:lnTo>
+                  <a:pt x="214817" y="1288876"/>
+                </a:lnTo>
+                <a:cubicBezTo>
+                  <a:pt x="96177" y="1288876"/>
+                  <a:pt x="0" y="1192699"/>
+                  <a:pt x="0" y="1074059"/>
+                </a:cubicBezTo>
+                <a:lnTo>
+                  <a:pt x="0" y="1074063"/>
+                </a:lnTo>
+                <a:lnTo>
+                  <a:pt x="0" y="751844"/>
+                </a:lnTo>
+                <a:lnTo>
+                  <a:pt x="0" y="751844"/>
+                </a:lnTo>
+                <a:lnTo>
+                  <a:pt x="0" y="214817"/>
+                </a:lnTo>
+                <a:close/>
+              </a:path>
+            </a:pathLst>
+          </a:custGeom>
+          <a:solidFill>
+            <a:srgbClr val="03C924"/>
+          </a:solidFill>
+          <a:ln>
+            <a:noFill/>
+          </a:ln>
+        </p:spPr>
+        <p:style>
+          <a:lnRef idx="2">
+            <a:schemeClr val="accent1">
+              <a:shade val="50000"/>
+            </a:schemeClr>
+          </a:lnRef>
+          <a:fillRef idx="1">
+            <a:schemeClr val="accent1"/>
+          </a:fillRef>
+          <a:effectRef idx="0">
+            <a:schemeClr val="accent1"/>
+          </a:effectRef>
+          <a:fontRef idx="minor">
+            <a:schemeClr val="lt1"/>
+          </a:fontRef>
+        </p:style>
+        <p:txBody>
+          <a:bodyPr lIns="143983" tIns="143983" rIns="143983" bIns="0" rtlCol="0" anchor="ctr"/>
           <a:lstStyle/>
           <a:p>
             <a:r>
-              <a:rPr lang="en-US" altLang="ja-JP" dirty="0"/>
-              <a:t>m</a:t>
-            </a:r>
-            <a:r>
-              <a:rPr kumimoji="1" lang="en-US" altLang="ja-JP" dirty="0" smtClean="0"/>
-              <a:t>aster</a:t>
-            </a:r>
-            <a:r>
-              <a:rPr kumimoji="1" lang="ja-JP" altLang="en-US" dirty="0" smtClean="0"/>
+              <a:rPr lang="en-US" altLang="ja-JP" b="1" dirty="0">
+                <a:ea typeface="ＭＳ ゴシック" panose="020B0609070205080204" pitchFamily="49" charset="-128"/>
+              </a:rPr>
+              <a:t>master</a:t>
+            </a:r>
+            <a:r>
+              <a:rPr lang="ja-JP" altLang="en-US" b="1" dirty="0">
+                <a:ea typeface="ＭＳ ゴシック" panose="020B0609070205080204" pitchFamily="49" charset="-128"/>
+              </a:rPr>
               <a:t>ブランチが指すコミットを起点として新しいブランチ</a:t>
             </a:r>
             <a:r>
-              <a:rPr kumimoji="1" lang="en-US" altLang="ja-JP" dirty="0" err="1" smtClean="0"/>
+              <a:rPr lang="en-US" altLang="ja-JP" b="1" dirty="0" err="1">
+                <a:ea typeface="ＭＳ ゴシック" panose="020B0609070205080204" pitchFamily="49" charset="-128"/>
+              </a:rPr>
               <a:t>bugfix</a:t>
             </a:r>
             <a:r>
-              <a:rPr kumimoji="1" lang="ja-JP" altLang="en-US" dirty="0" smtClean="0"/>
-              <a:t>を作成した。</a:t>
-            </a:r>
-            <a:endParaRPr kumimoji="1" lang="en-US" altLang="ja-JP" dirty="0" smtClean="0"/>
-          </a:p>
-          <a:p>
-            <a:r>
-              <a:rPr lang="en-US" altLang="ja-JP" dirty="0" err="1"/>
-              <a:t>b</a:t>
-            </a:r>
-            <a:r>
-              <a:rPr kumimoji="1" lang="en-US" altLang="ja-JP" dirty="0" err="1" smtClean="0"/>
-              <a:t>ugfix</a:t>
-            </a:r>
-            <a:r>
-              <a:rPr kumimoji="1" lang="ja-JP" altLang="en-US" dirty="0" smtClean="0"/>
+              <a:rPr lang="ja-JP" altLang="en-US" b="1" dirty="0">
+                <a:ea typeface="ＭＳ ゴシック" panose="020B0609070205080204" pitchFamily="49" charset="-128"/>
+              </a:rPr>
+              <a:t>を</a:t>
+            </a:r>
+            <a:r>
+              <a:rPr lang="ja-JP" altLang="en-US" b="1" dirty="0" smtClean="0">
+                <a:ea typeface="ＭＳ ゴシック" panose="020B0609070205080204" pitchFamily="49" charset="-128"/>
+              </a:rPr>
+              <a:t>作成。</a:t>
+            </a:r>
+            <a:endParaRPr lang="ja-JP" altLang="en-US" b="1" dirty="0">
+              <a:ea typeface="ＭＳ ゴシック" panose="020B0609070205080204" pitchFamily="49" charset="-128"/>
+            </a:endParaRPr>
+          </a:p>
+          <a:p>
+            <a:r>
+              <a:rPr lang="en-US" altLang="ja-JP" b="1" dirty="0" err="1">
+                <a:ea typeface="ＭＳ ゴシック" panose="020B0609070205080204" pitchFamily="49" charset="-128"/>
+              </a:rPr>
+              <a:t>bugfix</a:t>
+            </a:r>
+            <a:r>
+              <a:rPr lang="ja-JP" altLang="en-US" b="1" dirty="0">
+                <a:ea typeface="ＭＳ ゴシック" panose="020B0609070205080204" pitchFamily="49" charset="-128"/>
+              </a:rPr>
               <a:t>ブランチは</a:t>
             </a:r>
             <a:r>
-              <a:rPr lang="en-US" altLang="ja-JP" dirty="0" smtClean="0"/>
-              <a:t>m</a:t>
-            </a:r>
-            <a:r>
-              <a:rPr lang="en-US" altLang="ja-JP" dirty="0"/>
-              <a:t>aster</a:t>
-            </a:r>
-            <a:r>
-              <a:rPr lang="ja-JP" altLang="en-US" dirty="0" smtClean="0"/>
-              <a:t>ブランチと同じコミットを指す。</a:t>
-            </a:r>
-            <a:endParaRPr kumimoji="1" lang="ja-JP" altLang="en-US" dirty="0"/>
+              <a:rPr lang="en-US" altLang="ja-JP" b="1" dirty="0">
+                <a:ea typeface="ＭＳ ゴシック" panose="020B0609070205080204" pitchFamily="49" charset="-128"/>
+              </a:rPr>
+              <a:t>master</a:t>
+            </a:r>
+            <a:r>
+              <a:rPr lang="ja-JP" altLang="en-US" b="1" dirty="0">
+                <a:ea typeface="ＭＳ ゴシック" panose="020B0609070205080204" pitchFamily="49" charset="-128"/>
+              </a:rPr>
+              <a:t>ブランチと同じコミットを指す</a:t>
+            </a:r>
+            <a:r>
+              <a:rPr lang="ja-JP" altLang="en-US" b="1" dirty="0" smtClean="0">
+                <a:ea typeface="ＭＳ ゴシック" panose="020B0609070205080204" pitchFamily="49" charset="-128"/>
+              </a:rPr>
+              <a:t>。</a:t>
+            </a:r>
+            <a:endParaRPr lang="en-US" altLang="ja-JP" b="1" dirty="0" smtClean="0">
+              <a:ea typeface="ＭＳ ゴシック" panose="020B0609070205080204" pitchFamily="49" charset="-128"/>
+            </a:endParaRPr>
+          </a:p>
+          <a:p>
+            <a:endParaRPr lang="ja-JP" altLang="en-US" b="1" dirty="0">
+              <a:ea typeface="ＭＳ ゴシック" panose="020B0609070205080204" pitchFamily="49" charset="-128"/>
+            </a:endParaRPr>
           </a:p>
         </p:txBody>
       </p:sp>
@@ -4780,7 +5793,7 @@
       </p:grpSpPr>
       <p:sp>
         <p:nvSpPr>
-          <p:cNvPr id="21" name="円/楕円 20"/>
+          <p:cNvPr id="17" name="円/楕円 16"/>
           <p:cNvSpPr/>
           <p:nvPr/>
         </p:nvSpPr>
@@ -4792,6 +5805,12 @@
           <a:prstGeom prst="ellipse">
             <a:avLst/>
           </a:prstGeom>
+          <a:solidFill>
+            <a:srgbClr val="FF0066"/>
+          </a:solidFill>
+          <a:ln>
+            <a:noFill/>
+          </a:ln>
         </p:spPr>
         <p:style>
           <a:lnRef idx="2">
@@ -4810,24 +5829,24 @@
           </a:fontRef>
         </p:style>
         <p:txBody>
-          <a:bodyPr rtlCol="0" anchor="ctr"/>
+          <a:bodyPr lIns="91429" tIns="45715" rIns="91429" bIns="45715" rtlCol="0" anchor="ctr"/>
           <a:lstStyle/>
           <a:p>
             <a:pPr algn="ctr"/>
             <a:r>
-              <a:rPr kumimoji="1" lang="en-US" altLang="ja-JP" dirty="0" smtClean="0"/>
+              <a:rPr lang="en-US" altLang="ja-JP" dirty="0"/>
               <a:t>A</a:t>
             </a:r>
-            <a:endParaRPr kumimoji="1" lang="ja-JP" altLang="en-US" dirty="0"/>
+            <a:endParaRPr lang="ja-JP" altLang="en-US" dirty="0"/>
           </a:p>
         </p:txBody>
       </p:sp>
       <p:cxnSp>
         <p:nvCxnSpPr>
-          <p:cNvPr id="22" name="直線矢印コネクタ 21"/>
+          <p:cNvPr id="18" name="直線矢印コネクタ 17"/>
           <p:cNvCxnSpPr>
-            <a:stCxn id="23" idx="2"/>
-            <a:endCxn id="21" idx="6"/>
+            <a:stCxn id="19" idx="2"/>
+            <a:endCxn id="17" idx="6"/>
           </p:cNvCxnSpPr>
           <p:nvPr/>
         </p:nvCxnSpPr>
@@ -4839,11 +5858,11 @@
           <a:prstGeom prst="straightConnector1">
             <a:avLst/>
           </a:prstGeom>
-          <a:ln w="19050">
+          <a:ln w="31750">
             <a:solidFill>
               <a:schemeClr val="tx1"/>
             </a:solidFill>
-            <a:prstDash val="sysDash"/>
+            <a:prstDash val="sysDot"/>
             <a:tailEnd type="triangle" w="lg" len="med"/>
           </a:ln>
         </p:spPr>
@@ -4864,7 +5883,7 @@
       </p:cxnSp>
       <p:sp>
         <p:nvSpPr>
-          <p:cNvPr id="23" name="円/楕円 22"/>
+          <p:cNvPr id="19" name="円/楕円 18"/>
           <p:cNvSpPr/>
           <p:nvPr/>
         </p:nvSpPr>
@@ -4876,6 +5895,12 @@
           <a:prstGeom prst="ellipse">
             <a:avLst/>
           </a:prstGeom>
+          <a:solidFill>
+            <a:srgbClr val="FF0066"/>
+          </a:solidFill>
+          <a:ln>
+            <a:noFill/>
+          </a:ln>
         </p:spPr>
         <p:style>
           <a:lnRef idx="2">
@@ -4894,21 +5919,21 @@
           </a:fontRef>
         </p:style>
         <p:txBody>
-          <a:bodyPr rtlCol="0" anchor="ctr"/>
+          <a:bodyPr lIns="91429" tIns="45715" rIns="91429" bIns="45715" rtlCol="0" anchor="ctr"/>
           <a:lstStyle/>
           <a:p>
             <a:pPr algn="ctr"/>
             <a:r>
-              <a:rPr kumimoji="1" lang="en-US" altLang="ja-JP" dirty="0" smtClean="0"/>
+              <a:rPr lang="en-US" altLang="ja-JP" dirty="0"/>
               <a:t>B</a:t>
             </a:r>
-            <a:endParaRPr kumimoji="1" lang="ja-JP" altLang="en-US" dirty="0"/>
-          </a:p>
-        </p:txBody>
-      </p:sp>
-      <p:sp>
-        <p:nvSpPr>
-          <p:cNvPr id="24" name="円/楕円 23"/>
+            <a:endParaRPr lang="ja-JP" altLang="en-US" dirty="0"/>
+          </a:p>
+        </p:txBody>
+      </p:sp>
+      <p:sp>
+        <p:nvSpPr>
+          <p:cNvPr id="20" name="円/楕円 19"/>
           <p:cNvSpPr/>
           <p:nvPr/>
         </p:nvSpPr>
@@ -4920,6 +5945,12 @@
           <a:prstGeom prst="ellipse">
             <a:avLst/>
           </a:prstGeom>
+          <a:solidFill>
+            <a:srgbClr val="FF0066"/>
+          </a:solidFill>
+          <a:ln>
+            <a:noFill/>
+          </a:ln>
         </p:spPr>
         <p:style>
           <a:lnRef idx="2">
@@ -4938,24 +5969,24 @@
           </a:fontRef>
         </p:style>
         <p:txBody>
-          <a:bodyPr rtlCol="0" anchor="ctr"/>
+          <a:bodyPr lIns="91429" tIns="45715" rIns="91429" bIns="45715" rtlCol="0" anchor="ctr"/>
           <a:lstStyle/>
           <a:p>
             <a:pPr algn="ctr"/>
             <a:r>
-              <a:rPr kumimoji="1" lang="en-US" altLang="ja-JP" dirty="0" smtClean="0"/>
+              <a:rPr lang="en-US" altLang="ja-JP" dirty="0"/>
               <a:t>C</a:t>
             </a:r>
-            <a:endParaRPr kumimoji="1" lang="ja-JP" altLang="en-US" dirty="0"/>
+            <a:endParaRPr lang="ja-JP" altLang="en-US" dirty="0"/>
           </a:p>
         </p:txBody>
       </p:sp>
       <p:cxnSp>
         <p:nvCxnSpPr>
-          <p:cNvPr id="25" name="直線矢印コネクタ 24"/>
+          <p:cNvPr id="34" name="直線矢印コネクタ 33"/>
           <p:cNvCxnSpPr>
-            <a:stCxn id="24" idx="2"/>
-            <a:endCxn id="23" idx="6"/>
+            <a:stCxn id="20" idx="2"/>
+            <a:endCxn id="19" idx="6"/>
           </p:cNvCxnSpPr>
           <p:nvPr/>
         </p:nvCxnSpPr>
@@ -4967,11 +5998,11 @@
           <a:prstGeom prst="straightConnector1">
             <a:avLst/>
           </a:prstGeom>
-          <a:ln w="19050">
+          <a:ln w="31750">
             <a:solidFill>
               <a:schemeClr val="tx1"/>
             </a:solidFill>
-            <a:prstDash val="sysDash"/>
+            <a:prstDash val="sysDot"/>
             <a:tailEnd type="triangle" w="lg" len="med"/>
           </a:ln>
         </p:spPr>
@@ -4992,7 +6023,7 @@
       </p:cxnSp>
       <p:cxnSp>
         <p:nvCxnSpPr>
-          <p:cNvPr id="26" name="直線矢印コネクタ 25"/>
+          <p:cNvPr id="35" name="直線矢印コネクタ 34"/>
           <p:cNvCxnSpPr/>
           <p:nvPr/>
         </p:nvCxnSpPr>
@@ -5004,11 +6035,11 @@
           <a:prstGeom prst="straightConnector1">
             <a:avLst/>
           </a:prstGeom>
-          <a:ln w="19050">
+          <a:ln w="31750">
             <a:solidFill>
               <a:schemeClr val="tx1"/>
             </a:solidFill>
-            <a:prstDash val="sysDash"/>
+            <a:prstDash val="sysDot"/>
             <a:tailEnd type="triangle" w="lg" len="med"/>
           </a:ln>
         </p:spPr>
@@ -5029,19 +6060,20 @@
       </p:cxnSp>
       <p:sp>
         <p:nvSpPr>
-          <p:cNvPr id="27" name="正方形/長方形 26"/>
+          <p:cNvPr id="36" name="正方形/長方形 35"/>
           <p:cNvSpPr/>
           <p:nvPr/>
         </p:nvSpPr>
         <p:spPr>
           <a:xfrm>
-            <a:off x="5412439" y="2426643"/>
+            <a:off x="5412440" y="2426644"/>
             <a:ext cx="936044" cy="288032"/>
           </a:xfrm>
           <a:prstGeom prst="rect">
             <a:avLst/>
           </a:prstGeom>
           <a:ln>
+            <a:noFill/>
             <a:prstDash val="sysDash"/>
           </a:ln>
         </p:spPr>
@@ -5062,21 +6094,21 @@
           </a:fontRef>
         </p:style>
         <p:txBody>
-          <a:bodyPr rtlCol="0" anchor="ctr"/>
+          <a:bodyPr lIns="91429" tIns="45715" rIns="91429" bIns="45715" rtlCol="0" anchor="ctr"/>
           <a:lstStyle/>
           <a:p>
             <a:pPr algn="ctr"/>
             <a:r>
-              <a:rPr kumimoji="1" lang="en-US" altLang="ja-JP" dirty="0" smtClean="0"/>
+              <a:rPr lang="en-US" altLang="ja-JP" dirty="0"/>
               <a:t>master</a:t>
             </a:r>
-            <a:endParaRPr kumimoji="1" lang="ja-JP" altLang="en-US" dirty="0"/>
-          </a:p>
-        </p:txBody>
-      </p:sp>
-      <p:sp>
-        <p:nvSpPr>
-          <p:cNvPr id="28" name="円/楕円 27"/>
+            <a:endParaRPr lang="ja-JP" altLang="en-US" dirty="0"/>
+          </a:p>
+        </p:txBody>
+      </p:sp>
+      <p:sp>
+        <p:nvSpPr>
+          <p:cNvPr id="37" name="円/楕円 36"/>
           <p:cNvSpPr/>
           <p:nvPr/>
         </p:nvSpPr>
@@ -5088,6 +6120,12 @@
           <a:prstGeom prst="ellipse">
             <a:avLst/>
           </a:prstGeom>
+          <a:solidFill>
+            <a:srgbClr val="FF0066"/>
+          </a:solidFill>
+          <a:ln>
+            <a:noFill/>
+          </a:ln>
         </p:spPr>
         <p:style>
           <a:lnRef idx="2">
@@ -5106,24 +6144,24 @@
           </a:fontRef>
         </p:style>
         <p:txBody>
-          <a:bodyPr rtlCol="0" anchor="ctr"/>
+          <a:bodyPr lIns="91429" tIns="45715" rIns="91429" bIns="45715" rtlCol="0" anchor="ctr"/>
           <a:lstStyle/>
           <a:p>
             <a:pPr algn="ctr"/>
             <a:r>
-              <a:rPr kumimoji="1" lang="en-US" altLang="ja-JP" dirty="0" smtClean="0"/>
+              <a:rPr lang="en-US" altLang="ja-JP" dirty="0"/>
               <a:t>D</a:t>
             </a:r>
-            <a:endParaRPr kumimoji="1" lang="ja-JP" altLang="en-US" dirty="0"/>
+            <a:endParaRPr lang="ja-JP" altLang="en-US" dirty="0"/>
           </a:p>
         </p:txBody>
       </p:sp>
       <p:cxnSp>
         <p:nvCxnSpPr>
-          <p:cNvPr id="29" name="直線矢印コネクタ 28"/>
+          <p:cNvPr id="38" name="直線矢印コネクタ 37"/>
           <p:cNvCxnSpPr>
-            <a:stCxn id="28" idx="2"/>
-            <a:endCxn id="24" idx="6"/>
+            <a:stCxn id="37" idx="2"/>
+            <a:endCxn id="20" idx="6"/>
           </p:cNvCxnSpPr>
           <p:nvPr/>
         </p:nvCxnSpPr>
@@ -5135,11 +6173,11 @@
           <a:prstGeom prst="straightConnector1">
             <a:avLst/>
           </a:prstGeom>
-          <a:ln w="19050">
+          <a:ln w="31750">
             <a:solidFill>
               <a:schemeClr val="tx1"/>
             </a:solidFill>
-            <a:prstDash val="sysDash"/>
+            <a:prstDash val="sysDot"/>
             <a:tailEnd type="triangle" w="lg" len="med"/>
           </a:ln>
         </p:spPr>
@@ -5160,10 +6198,10 @@
       </p:cxnSp>
       <p:cxnSp>
         <p:nvCxnSpPr>
-          <p:cNvPr id="30" name="直線矢印コネクタ 29"/>
+          <p:cNvPr id="39" name="直線矢印コネクタ 38"/>
           <p:cNvCxnSpPr>
-            <a:stCxn id="31" idx="1"/>
-            <a:endCxn id="32" idx="4"/>
+            <a:stCxn id="40" idx="1"/>
+            <a:endCxn id="41" idx="4"/>
           </p:cNvCxnSpPr>
           <p:nvPr/>
         </p:nvCxnSpPr>
@@ -5175,11 +6213,11 @@
           <a:prstGeom prst="straightConnector1">
             <a:avLst/>
           </a:prstGeom>
-          <a:ln w="19050">
+          <a:ln w="31750">
             <a:solidFill>
               <a:schemeClr val="tx1"/>
             </a:solidFill>
-            <a:prstDash val="sysDash"/>
+            <a:prstDash val="sysDot"/>
             <a:tailEnd type="triangle" w="lg" len="med"/>
           </a:ln>
         </p:spPr>
@@ -5200,19 +6238,20 @@
       </p:cxnSp>
       <p:sp>
         <p:nvSpPr>
-          <p:cNvPr id="31" name="正方形/長方形 30"/>
+          <p:cNvPr id="40" name="正方形/長方形 39"/>
           <p:cNvSpPr/>
           <p:nvPr/>
         </p:nvSpPr>
         <p:spPr>
           <a:xfrm>
-            <a:off x="6246201" y="4901866"/>
+            <a:off x="6246201" y="4901867"/>
             <a:ext cx="936044" cy="288032"/>
           </a:xfrm>
           <a:prstGeom prst="rect">
             <a:avLst/>
           </a:prstGeom>
           <a:ln>
+            <a:noFill/>
             <a:prstDash val="sysDash"/>
           </a:ln>
         </p:spPr>
@@ -5233,21 +6272,21 @@
           </a:fontRef>
         </p:style>
         <p:txBody>
-          <a:bodyPr rtlCol="0" anchor="ctr"/>
+          <a:bodyPr lIns="91429" tIns="45715" rIns="91429" bIns="45715" rtlCol="0" anchor="ctr"/>
           <a:lstStyle/>
           <a:p>
             <a:pPr algn="ctr"/>
             <a:r>
-              <a:rPr lang="en-US" altLang="ja-JP" dirty="0" err="1" smtClean="0"/>
+              <a:rPr lang="en-US" altLang="ja-JP" dirty="0" err="1"/>
               <a:t>bugfix</a:t>
             </a:r>
-            <a:endParaRPr kumimoji="1" lang="ja-JP" altLang="en-US" dirty="0"/>
-          </a:p>
-        </p:txBody>
-      </p:sp>
-      <p:sp>
-        <p:nvSpPr>
-          <p:cNvPr id="32" name="円/楕円 31"/>
+            <a:endParaRPr lang="ja-JP" altLang="en-US" dirty="0"/>
+          </a:p>
+        </p:txBody>
+      </p:sp>
+      <p:sp>
+        <p:nvSpPr>
+          <p:cNvPr id="41" name="円/楕円 40"/>
           <p:cNvSpPr/>
           <p:nvPr/>
         </p:nvSpPr>
@@ -5259,6 +6298,12 @@
           <a:prstGeom prst="ellipse">
             <a:avLst/>
           </a:prstGeom>
+          <a:solidFill>
+            <a:srgbClr val="FF0066"/>
+          </a:solidFill>
+          <a:ln>
+            <a:noFill/>
+          </a:ln>
         </p:spPr>
         <p:style>
           <a:lnRef idx="2">
@@ -5277,40 +6322,40 @@
           </a:fontRef>
         </p:style>
         <p:txBody>
-          <a:bodyPr rtlCol="0" anchor="ctr"/>
+          <a:bodyPr lIns="91429" tIns="45715" rIns="91429" bIns="45715" rtlCol="0" anchor="ctr"/>
           <a:lstStyle/>
           <a:p>
             <a:pPr algn="ctr"/>
             <a:r>
-              <a:rPr kumimoji="1" lang="en-US" altLang="ja-JP" dirty="0" smtClean="0"/>
+              <a:rPr lang="en-US" altLang="ja-JP" dirty="0"/>
               <a:t>X</a:t>
             </a:r>
-            <a:endParaRPr kumimoji="1" lang="ja-JP" altLang="en-US" dirty="0"/>
+            <a:endParaRPr lang="ja-JP" altLang="en-US" dirty="0"/>
           </a:p>
         </p:txBody>
       </p:sp>
       <p:cxnSp>
         <p:nvCxnSpPr>
-          <p:cNvPr id="33" name="直線矢印コネクタ 32"/>
+          <p:cNvPr id="42" name="直線矢印コネクタ 41"/>
           <p:cNvCxnSpPr>
-            <a:stCxn id="32" idx="1"/>
-            <a:endCxn id="28" idx="5"/>
+            <a:stCxn id="41" idx="1"/>
+            <a:endCxn id="37" idx="5"/>
           </p:cNvCxnSpPr>
           <p:nvPr/>
         </p:nvCxnSpPr>
         <p:spPr>
           <a:xfrm flipH="1" flipV="1">
-            <a:off x="5158978" y="3681088"/>
-            <a:ext cx="446224" cy="399819"/>
+            <a:off x="5158978" y="3681089"/>
+            <a:ext cx="446224" cy="399818"/>
           </a:xfrm>
           <a:prstGeom prst="straightConnector1">
             <a:avLst/>
           </a:prstGeom>
-          <a:ln w="19050">
+          <a:ln w="31750">
             <a:solidFill>
               <a:schemeClr val="tx1"/>
             </a:solidFill>
-            <a:prstDash val="sysDash"/>
+            <a:prstDash val="sysDot"/>
             <a:tailEnd type="triangle" w="lg" len="med"/>
           </a:ln>
         </p:spPr>
@@ -5331,62 +6376,377 @@
       </p:cxnSp>
       <p:sp>
         <p:nvSpPr>
-          <p:cNvPr id="37" name="テキスト ボックス 36"/>
-          <p:cNvSpPr txBox="1"/>
+          <p:cNvPr id="43" name="角丸四角形吹き出し 70"/>
+          <p:cNvSpPr/>
           <p:nvPr/>
         </p:nvSpPr>
         <p:spPr>
           <a:xfrm>
-            <a:off x="267552" y="478413"/>
-            <a:ext cx="8624928" cy="646331"/>
-          </a:xfrm>
-          <a:prstGeom prst="rect">
+            <a:off x="203401" y="123901"/>
+            <a:ext cx="8737200" cy="1433282"/>
+          </a:xfrm>
+          <a:custGeom>
             <a:avLst/>
-          </a:prstGeom>
-          <a:noFill/>
-        </p:spPr>
-        <p:txBody>
-          <a:bodyPr wrap="square" rtlCol="0">
-            <a:spAutoFit/>
-          </a:bodyPr>
+            <a:gdLst>
+              <a:gd name="connsiteX0" fmla="*/ 0 w 8541658"/>
+              <a:gd name="connsiteY0" fmla="*/ 214817 h 1288876"/>
+              <a:gd name="connsiteX1" fmla="*/ 214817 w 8541658"/>
+              <a:gd name="connsiteY1" fmla="*/ 0 h 1288876"/>
+              <a:gd name="connsiteX2" fmla="*/ 1423610 w 8541658"/>
+              <a:gd name="connsiteY2" fmla="*/ 0 h 1288876"/>
+              <a:gd name="connsiteX3" fmla="*/ 1423610 w 8541658"/>
+              <a:gd name="connsiteY3" fmla="*/ 0 h 1288876"/>
+              <a:gd name="connsiteX4" fmla="*/ 3559024 w 8541658"/>
+              <a:gd name="connsiteY4" fmla="*/ 0 h 1288876"/>
+              <a:gd name="connsiteX5" fmla="*/ 8326841 w 8541658"/>
+              <a:gd name="connsiteY5" fmla="*/ 0 h 1288876"/>
+              <a:gd name="connsiteX6" fmla="*/ 8541658 w 8541658"/>
+              <a:gd name="connsiteY6" fmla="*/ 214817 h 1288876"/>
+              <a:gd name="connsiteX7" fmla="*/ 8541658 w 8541658"/>
+              <a:gd name="connsiteY7" fmla="*/ 751844 h 1288876"/>
+              <a:gd name="connsiteX8" fmla="*/ 8541658 w 8541658"/>
+              <a:gd name="connsiteY8" fmla="*/ 751844 h 1288876"/>
+              <a:gd name="connsiteX9" fmla="*/ 8541658 w 8541658"/>
+              <a:gd name="connsiteY9" fmla="*/ 1074063 h 1288876"/>
+              <a:gd name="connsiteX10" fmla="*/ 8541658 w 8541658"/>
+              <a:gd name="connsiteY10" fmla="*/ 1074059 h 1288876"/>
+              <a:gd name="connsiteX11" fmla="*/ 8326841 w 8541658"/>
+              <a:gd name="connsiteY11" fmla="*/ 1288876 h 1288876"/>
+              <a:gd name="connsiteX12" fmla="*/ 3559024 w 8541658"/>
+              <a:gd name="connsiteY12" fmla="*/ 1288876 h 1288876"/>
+              <a:gd name="connsiteX13" fmla="*/ 2230227 w 8541658"/>
+              <a:gd name="connsiteY13" fmla="*/ 1471381 h 1288876"/>
+              <a:gd name="connsiteX14" fmla="*/ 1423610 w 8541658"/>
+              <a:gd name="connsiteY14" fmla="*/ 1288876 h 1288876"/>
+              <a:gd name="connsiteX15" fmla="*/ 214817 w 8541658"/>
+              <a:gd name="connsiteY15" fmla="*/ 1288876 h 1288876"/>
+              <a:gd name="connsiteX16" fmla="*/ 0 w 8541658"/>
+              <a:gd name="connsiteY16" fmla="*/ 1074059 h 1288876"/>
+              <a:gd name="connsiteX17" fmla="*/ 0 w 8541658"/>
+              <a:gd name="connsiteY17" fmla="*/ 1074063 h 1288876"/>
+              <a:gd name="connsiteX18" fmla="*/ 0 w 8541658"/>
+              <a:gd name="connsiteY18" fmla="*/ 751844 h 1288876"/>
+              <a:gd name="connsiteX19" fmla="*/ 0 w 8541658"/>
+              <a:gd name="connsiteY19" fmla="*/ 751844 h 1288876"/>
+              <a:gd name="connsiteX20" fmla="*/ 0 w 8541658"/>
+              <a:gd name="connsiteY20" fmla="*/ 214817 h 1288876"/>
+              <a:gd name="connsiteX0" fmla="*/ 0 w 8541658"/>
+              <a:gd name="connsiteY0" fmla="*/ 214817 h 1471381"/>
+              <a:gd name="connsiteX1" fmla="*/ 214817 w 8541658"/>
+              <a:gd name="connsiteY1" fmla="*/ 0 h 1471381"/>
+              <a:gd name="connsiteX2" fmla="*/ 1423610 w 8541658"/>
+              <a:gd name="connsiteY2" fmla="*/ 0 h 1471381"/>
+              <a:gd name="connsiteX3" fmla="*/ 1423610 w 8541658"/>
+              <a:gd name="connsiteY3" fmla="*/ 0 h 1471381"/>
+              <a:gd name="connsiteX4" fmla="*/ 3559024 w 8541658"/>
+              <a:gd name="connsiteY4" fmla="*/ 0 h 1471381"/>
+              <a:gd name="connsiteX5" fmla="*/ 8326841 w 8541658"/>
+              <a:gd name="connsiteY5" fmla="*/ 0 h 1471381"/>
+              <a:gd name="connsiteX6" fmla="*/ 8541658 w 8541658"/>
+              <a:gd name="connsiteY6" fmla="*/ 214817 h 1471381"/>
+              <a:gd name="connsiteX7" fmla="*/ 8541658 w 8541658"/>
+              <a:gd name="connsiteY7" fmla="*/ 751844 h 1471381"/>
+              <a:gd name="connsiteX8" fmla="*/ 8541658 w 8541658"/>
+              <a:gd name="connsiteY8" fmla="*/ 751844 h 1471381"/>
+              <a:gd name="connsiteX9" fmla="*/ 8541658 w 8541658"/>
+              <a:gd name="connsiteY9" fmla="*/ 1074063 h 1471381"/>
+              <a:gd name="connsiteX10" fmla="*/ 8541658 w 8541658"/>
+              <a:gd name="connsiteY10" fmla="*/ 1074059 h 1471381"/>
+              <a:gd name="connsiteX11" fmla="*/ 8326841 w 8541658"/>
+              <a:gd name="connsiteY11" fmla="*/ 1288876 h 1471381"/>
+              <a:gd name="connsiteX12" fmla="*/ 1852144 w 8541658"/>
+              <a:gd name="connsiteY12" fmla="*/ 1288876 h 1471381"/>
+              <a:gd name="connsiteX13" fmla="*/ 2230227 w 8541658"/>
+              <a:gd name="connsiteY13" fmla="*/ 1471381 h 1471381"/>
+              <a:gd name="connsiteX14" fmla="*/ 1423610 w 8541658"/>
+              <a:gd name="connsiteY14" fmla="*/ 1288876 h 1471381"/>
+              <a:gd name="connsiteX15" fmla="*/ 214817 w 8541658"/>
+              <a:gd name="connsiteY15" fmla="*/ 1288876 h 1471381"/>
+              <a:gd name="connsiteX16" fmla="*/ 0 w 8541658"/>
+              <a:gd name="connsiteY16" fmla="*/ 1074059 h 1471381"/>
+              <a:gd name="connsiteX17" fmla="*/ 0 w 8541658"/>
+              <a:gd name="connsiteY17" fmla="*/ 1074063 h 1471381"/>
+              <a:gd name="connsiteX18" fmla="*/ 0 w 8541658"/>
+              <a:gd name="connsiteY18" fmla="*/ 751844 h 1471381"/>
+              <a:gd name="connsiteX19" fmla="*/ 0 w 8541658"/>
+              <a:gd name="connsiteY19" fmla="*/ 751844 h 1471381"/>
+              <a:gd name="connsiteX20" fmla="*/ 0 w 8541658"/>
+              <a:gd name="connsiteY20" fmla="*/ 214817 h 1471381"/>
+              <a:gd name="connsiteX0" fmla="*/ 0 w 8541658"/>
+              <a:gd name="connsiteY0" fmla="*/ 214817 h 1433281"/>
+              <a:gd name="connsiteX1" fmla="*/ 214817 w 8541658"/>
+              <a:gd name="connsiteY1" fmla="*/ 0 h 1433281"/>
+              <a:gd name="connsiteX2" fmla="*/ 1423610 w 8541658"/>
+              <a:gd name="connsiteY2" fmla="*/ 0 h 1433281"/>
+              <a:gd name="connsiteX3" fmla="*/ 1423610 w 8541658"/>
+              <a:gd name="connsiteY3" fmla="*/ 0 h 1433281"/>
+              <a:gd name="connsiteX4" fmla="*/ 3559024 w 8541658"/>
+              <a:gd name="connsiteY4" fmla="*/ 0 h 1433281"/>
+              <a:gd name="connsiteX5" fmla="*/ 8326841 w 8541658"/>
+              <a:gd name="connsiteY5" fmla="*/ 0 h 1433281"/>
+              <a:gd name="connsiteX6" fmla="*/ 8541658 w 8541658"/>
+              <a:gd name="connsiteY6" fmla="*/ 214817 h 1433281"/>
+              <a:gd name="connsiteX7" fmla="*/ 8541658 w 8541658"/>
+              <a:gd name="connsiteY7" fmla="*/ 751844 h 1433281"/>
+              <a:gd name="connsiteX8" fmla="*/ 8541658 w 8541658"/>
+              <a:gd name="connsiteY8" fmla="*/ 751844 h 1433281"/>
+              <a:gd name="connsiteX9" fmla="*/ 8541658 w 8541658"/>
+              <a:gd name="connsiteY9" fmla="*/ 1074063 h 1433281"/>
+              <a:gd name="connsiteX10" fmla="*/ 8541658 w 8541658"/>
+              <a:gd name="connsiteY10" fmla="*/ 1074059 h 1433281"/>
+              <a:gd name="connsiteX11" fmla="*/ 8326841 w 8541658"/>
+              <a:gd name="connsiteY11" fmla="*/ 1288876 h 1433281"/>
+              <a:gd name="connsiteX12" fmla="*/ 1852144 w 8541658"/>
+              <a:gd name="connsiteY12" fmla="*/ 1288876 h 1433281"/>
+              <a:gd name="connsiteX13" fmla="*/ 1864467 w 8541658"/>
+              <a:gd name="connsiteY13" fmla="*/ 1433281 h 1433281"/>
+              <a:gd name="connsiteX14" fmla="*/ 1423610 w 8541658"/>
+              <a:gd name="connsiteY14" fmla="*/ 1288876 h 1433281"/>
+              <a:gd name="connsiteX15" fmla="*/ 214817 w 8541658"/>
+              <a:gd name="connsiteY15" fmla="*/ 1288876 h 1433281"/>
+              <a:gd name="connsiteX16" fmla="*/ 0 w 8541658"/>
+              <a:gd name="connsiteY16" fmla="*/ 1074059 h 1433281"/>
+              <a:gd name="connsiteX17" fmla="*/ 0 w 8541658"/>
+              <a:gd name="connsiteY17" fmla="*/ 1074063 h 1433281"/>
+              <a:gd name="connsiteX18" fmla="*/ 0 w 8541658"/>
+              <a:gd name="connsiteY18" fmla="*/ 751844 h 1433281"/>
+              <a:gd name="connsiteX19" fmla="*/ 0 w 8541658"/>
+              <a:gd name="connsiteY19" fmla="*/ 751844 h 1433281"/>
+              <a:gd name="connsiteX20" fmla="*/ 0 w 8541658"/>
+              <a:gd name="connsiteY20" fmla="*/ 214817 h 1433281"/>
+            </a:gdLst>
+            <a:ahLst/>
+            <a:cxnLst>
+              <a:cxn ang="0">
+                <a:pos x="connsiteX0" y="connsiteY0"/>
+              </a:cxn>
+              <a:cxn ang="0">
+                <a:pos x="connsiteX1" y="connsiteY1"/>
+              </a:cxn>
+              <a:cxn ang="0">
+                <a:pos x="connsiteX2" y="connsiteY2"/>
+              </a:cxn>
+              <a:cxn ang="0">
+                <a:pos x="connsiteX3" y="connsiteY3"/>
+              </a:cxn>
+              <a:cxn ang="0">
+                <a:pos x="connsiteX4" y="connsiteY4"/>
+              </a:cxn>
+              <a:cxn ang="0">
+                <a:pos x="connsiteX5" y="connsiteY5"/>
+              </a:cxn>
+              <a:cxn ang="0">
+                <a:pos x="connsiteX6" y="connsiteY6"/>
+              </a:cxn>
+              <a:cxn ang="0">
+                <a:pos x="connsiteX7" y="connsiteY7"/>
+              </a:cxn>
+              <a:cxn ang="0">
+                <a:pos x="connsiteX8" y="connsiteY8"/>
+              </a:cxn>
+              <a:cxn ang="0">
+                <a:pos x="connsiteX9" y="connsiteY9"/>
+              </a:cxn>
+              <a:cxn ang="0">
+                <a:pos x="connsiteX10" y="connsiteY10"/>
+              </a:cxn>
+              <a:cxn ang="0">
+                <a:pos x="connsiteX11" y="connsiteY11"/>
+              </a:cxn>
+              <a:cxn ang="0">
+                <a:pos x="connsiteX12" y="connsiteY12"/>
+              </a:cxn>
+              <a:cxn ang="0">
+                <a:pos x="connsiteX13" y="connsiteY13"/>
+              </a:cxn>
+              <a:cxn ang="0">
+                <a:pos x="connsiteX14" y="connsiteY14"/>
+              </a:cxn>
+              <a:cxn ang="0">
+                <a:pos x="connsiteX15" y="connsiteY15"/>
+              </a:cxn>
+              <a:cxn ang="0">
+                <a:pos x="connsiteX16" y="connsiteY16"/>
+              </a:cxn>
+              <a:cxn ang="0">
+                <a:pos x="connsiteX17" y="connsiteY17"/>
+              </a:cxn>
+              <a:cxn ang="0">
+                <a:pos x="connsiteX18" y="connsiteY18"/>
+              </a:cxn>
+              <a:cxn ang="0">
+                <a:pos x="connsiteX19" y="connsiteY19"/>
+              </a:cxn>
+              <a:cxn ang="0">
+                <a:pos x="connsiteX20" y="connsiteY20"/>
+              </a:cxn>
+            </a:cxnLst>
+            <a:rect l="l" t="t" r="r" b="b"/>
+            <a:pathLst>
+              <a:path w="8541658" h="1433281">
+                <a:moveTo>
+                  <a:pt x="0" y="214817"/>
+                </a:moveTo>
+                <a:cubicBezTo>
+                  <a:pt x="0" y="96177"/>
+                  <a:pt x="96177" y="0"/>
+                  <a:pt x="214817" y="0"/>
+                </a:cubicBezTo>
+                <a:lnTo>
+                  <a:pt x="1423610" y="0"/>
+                </a:lnTo>
+                <a:lnTo>
+                  <a:pt x="1423610" y="0"/>
+                </a:lnTo>
+                <a:lnTo>
+                  <a:pt x="3559024" y="0"/>
+                </a:lnTo>
+                <a:lnTo>
+                  <a:pt x="8326841" y="0"/>
+                </a:lnTo>
+                <a:cubicBezTo>
+                  <a:pt x="8445481" y="0"/>
+                  <a:pt x="8541658" y="96177"/>
+                  <a:pt x="8541658" y="214817"/>
+                </a:cubicBezTo>
+                <a:lnTo>
+                  <a:pt x="8541658" y="751844"/>
+                </a:lnTo>
+                <a:lnTo>
+                  <a:pt x="8541658" y="751844"/>
+                </a:lnTo>
+                <a:lnTo>
+                  <a:pt x="8541658" y="1074063"/>
+                </a:lnTo>
+                <a:lnTo>
+                  <a:pt x="8541658" y="1074059"/>
+                </a:lnTo>
+                <a:cubicBezTo>
+                  <a:pt x="8541658" y="1192699"/>
+                  <a:pt x="8445481" y="1288876"/>
+                  <a:pt x="8326841" y="1288876"/>
+                </a:cubicBezTo>
+                <a:lnTo>
+                  <a:pt x="1852144" y="1288876"/>
+                </a:lnTo>
+                <a:lnTo>
+                  <a:pt x="1864467" y="1433281"/>
+                </a:lnTo>
+                <a:lnTo>
+                  <a:pt x="1423610" y="1288876"/>
+                </a:lnTo>
+                <a:lnTo>
+                  <a:pt x="214817" y="1288876"/>
+                </a:lnTo>
+                <a:cubicBezTo>
+                  <a:pt x="96177" y="1288876"/>
+                  <a:pt x="0" y="1192699"/>
+                  <a:pt x="0" y="1074059"/>
+                </a:cubicBezTo>
+                <a:lnTo>
+                  <a:pt x="0" y="1074063"/>
+                </a:lnTo>
+                <a:lnTo>
+                  <a:pt x="0" y="751844"/>
+                </a:lnTo>
+                <a:lnTo>
+                  <a:pt x="0" y="751844"/>
+                </a:lnTo>
+                <a:lnTo>
+                  <a:pt x="0" y="214817"/>
+                </a:lnTo>
+                <a:close/>
+              </a:path>
+            </a:pathLst>
+          </a:custGeom>
+          <a:solidFill>
+            <a:srgbClr val="03C924"/>
+          </a:solidFill>
+          <a:ln>
+            <a:noFill/>
+          </a:ln>
+        </p:spPr>
+        <p:style>
+          <a:lnRef idx="2">
+            <a:schemeClr val="accent1">
+              <a:shade val="50000"/>
+            </a:schemeClr>
+          </a:lnRef>
+          <a:fillRef idx="1">
+            <a:schemeClr val="accent1"/>
+          </a:fillRef>
+          <a:effectRef idx="0">
+            <a:schemeClr val="accent1"/>
+          </a:effectRef>
+          <a:fontRef idx="minor">
+            <a:schemeClr val="lt1"/>
+          </a:fontRef>
+        </p:style>
+        <p:txBody>
+          <a:bodyPr lIns="143983" tIns="143983" rIns="143983" bIns="0" rtlCol="0" anchor="ctr"/>
           <a:lstStyle/>
           <a:p>
             <a:r>
-              <a:rPr lang="en-US" altLang="ja-JP" dirty="0" err="1"/>
-              <a:t>b</a:t>
-            </a:r>
-            <a:r>
-              <a:rPr kumimoji="1" lang="en-US" altLang="ja-JP" dirty="0" err="1" smtClean="0"/>
-              <a:t>ugfix</a:t>
-            </a:r>
-            <a:r>
-              <a:rPr lang="ja-JP" altLang="en-US" dirty="0" smtClean="0"/>
-              <a:t>ブランチをチェックアウトして変更を加え、コミットした。</a:t>
-            </a:r>
-            <a:endParaRPr lang="en-US" altLang="ja-JP" dirty="0" smtClean="0"/>
-          </a:p>
-          <a:p>
-            <a:r>
-              <a:rPr lang="en-US" altLang="ja-JP" dirty="0" err="1"/>
-              <a:t>b</a:t>
-            </a:r>
-            <a:r>
-              <a:rPr lang="en-US" altLang="ja-JP" dirty="0" err="1" smtClean="0"/>
-              <a:t>ugfix</a:t>
-            </a:r>
-            <a:r>
-              <a:rPr lang="ja-JP" altLang="en-US" dirty="0" smtClean="0"/>
+              <a:rPr lang="en-US" altLang="ja-JP" b="1" dirty="0" err="1">
+                <a:ea typeface="ＭＳ ゴシック" panose="020B0609070205080204" pitchFamily="49" charset="-128"/>
+              </a:rPr>
+              <a:t>bugfix</a:t>
+            </a:r>
+            <a:r>
+              <a:rPr lang="ja-JP" altLang="en-US" b="1" dirty="0">
+                <a:ea typeface="ＭＳ ゴシック" panose="020B0609070205080204" pitchFamily="49" charset="-128"/>
+              </a:rPr>
+              <a:t>ブランチをチェックアウトして変更を加え、</a:t>
+            </a:r>
+            <a:r>
+              <a:rPr lang="ja-JP" altLang="en-US" b="1" dirty="0" smtClean="0">
+                <a:ea typeface="ＭＳ ゴシック" panose="020B0609070205080204" pitchFamily="49" charset="-128"/>
+              </a:rPr>
+              <a:t>コミット。</a:t>
+            </a:r>
+            <a:endParaRPr lang="ja-JP" altLang="en-US" b="1" dirty="0">
+              <a:ea typeface="ＭＳ ゴシック" panose="020B0609070205080204" pitchFamily="49" charset="-128"/>
+            </a:endParaRPr>
+          </a:p>
+          <a:p>
+            <a:r>
+              <a:rPr lang="en-US" altLang="ja-JP" b="1" dirty="0" err="1">
+                <a:ea typeface="ＭＳ ゴシック" panose="020B0609070205080204" pitchFamily="49" charset="-128"/>
+              </a:rPr>
+              <a:t>bugfix</a:t>
+            </a:r>
+            <a:r>
+              <a:rPr lang="ja-JP" altLang="en-US" b="1" dirty="0">
+                <a:ea typeface="ＭＳ ゴシック" panose="020B0609070205080204" pitchFamily="49" charset="-128"/>
+              </a:rPr>
               <a:t>ブランチは最新のコミットを指すが、</a:t>
             </a:r>
             <a:r>
-              <a:rPr lang="en-US" altLang="ja-JP" dirty="0" smtClean="0"/>
+              <a:rPr lang="en-US" altLang="ja-JP" b="1" dirty="0">
+                <a:ea typeface="ＭＳ ゴシック" panose="020B0609070205080204" pitchFamily="49" charset="-128"/>
+              </a:rPr>
               <a:t>master</a:t>
             </a:r>
             <a:r>
-              <a:rPr lang="ja-JP" altLang="en-US" dirty="0" smtClean="0"/>
-              <a:t>ブランチは動かない。</a:t>
-            </a:r>
-            <a:endParaRPr kumimoji="1" lang="ja-JP" altLang="en-US" dirty="0"/>
+              <a:rPr lang="ja-JP" altLang="en-US" b="1" dirty="0">
+                <a:ea typeface="ＭＳ ゴシック" panose="020B0609070205080204" pitchFamily="49" charset="-128"/>
+              </a:rPr>
+              <a:t>ブランチは動かない</a:t>
+            </a:r>
+            <a:r>
+              <a:rPr lang="ja-JP" altLang="en-US" b="1" dirty="0" smtClean="0">
+                <a:ea typeface="ＭＳ ゴシック" panose="020B0609070205080204" pitchFamily="49" charset="-128"/>
+              </a:rPr>
+              <a:t>。</a:t>
+            </a:r>
+            <a:endParaRPr lang="en-US" altLang="ja-JP" b="1" dirty="0" smtClean="0">
+              <a:ea typeface="ＭＳ ゴシック" panose="020B0609070205080204" pitchFamily="49" charset="-128"/>
+            </a:endParaRPr>
+          </a:p>
+          <a:p>
+            <a:endParaRPr lang="ja-JP" altLang="en-US" b="1" dirty="0">
+              <a:ea typeface="ＭＳ ゴシック" panose="020B0609070205080204" pitchFamily="49" charset="-128"/>
+            </a:endParaRPr>
           </a:p>
         </p:txBody>
       </p:sp>
@@ -5422,7 +6782,7 @@
       </p:grpSpPr>
       <p:sp>
         <p:nvSpPr>
-          <p:cNvPr id="4" name="円/楕円 3"/>
+          <p:cNvPr id="55" name="円/楕円 54"/>
           <p:cNvSpPr/>
           <p:nvPr/>
         </p:nvSpPr>
@@ -5434,6 +6794,12 @@
           <a:prstGeom prst="ellipse">
             <a:avLst/>
           </a:prstGeom>
+          <a:solidFill>
+            <a:srgbClr val="FF0066"/>
+          </a:solidFill>
+          <a:ln>
+            <a:noFill/>
+          </a:ln>
         </p:spPr>
         <p:style>
           <a:lnRef idx="2">
@@ -5452,24 +6818,24 @@
           </a:fontRef>
         </p:style>
         <p:txBody>
-          <a:bodyPr rtlCol="0" anchor="ctr"/>
+          <a:bodyPr lIns="91429" tIns="45715" rIns="91429" bIns="45715" rtlCol="0" anchor="ctr"/>
           <a:lstStyle/>
           <a:p>
             <a:pPr algn="ctr"/>
             <a:r>
-              <a:rPr kumimoji="1" lang="en-US" altLang="ja-JP" dirty="0" smtClean="0"/>
+              <a:rPr lang="en-US" altLang="ja-JP" dirty="0"/>
               <a:t>A</a:t>
             </a:r>
-            <a:endParaRPr kumimoji="1" lang="ja-JP" altLang="en-US" dirty="0"/>
+            <a:endParaRPr lang="ja-JP" altLang="en-US" dirty="0"/>
           </a:p>
         </p:txBody>
       </p:sp>
       <p:cxnSp>
         <p:nvCxnSpPr>
-          <p:cNvPr id="5" name="直線矢印コネクタ 4"/>
+          <p:cNvPr id="56" name="直線矢印コネクタ 55"/>
           <p:cNvCxnSpPr>
-            <a:stCxn id="9" idx="2"/>
-            <a:endCxn id="4" idx="6"/>
+            <a:stCxn id="57" idx="2"/>
+            <a:endCxn id="55" idx="6"/>
           </p:cNvCxnSpPr>
           <p:nvPr/>
         </p:nvCxnSpPr>
@@ -5481,11 +6847,11 @@
           <a:prstGeom prst="straightConnector1">
             <a:avLst/>
           </a:prstGeom>
-          <a:ln w="19050">
+          <a:ln w="31750">
             <a:solidFill>
               <a:schemeClr val="tx1"/>
             </a:solidFill>
-            <a:prstDash val="sysDash"/>
+            <a:prstDash val="sysDot"/>
             <a:tailEnd type="triangle" w="lg" len="med"/>
           </a:ln>
         </p:spPr>
@@ -5506,7 +6872,7 @@
       </p:cxnSp>
       <p:sp>
         <p:nvSpPr>
-          <p:cNvPr id="9" name="円/楕円 8"/>
+          <p:cNvPr id="57" name="円/楕円 56"/>
           <p:cNvSpPr/>
           <p:nvPr/>
         </p:nvSpPr>
@@ -5518,6 +6884,12 @@
           <a:prstGeom prst="ellipse">
             <a:avLst/>
           </a:prstGeom>
+          <a:solidFill>
+            <a:srgbClr val="FF0066"/>
+          </a:solidFill>
+          <a:ln>
+            <a:noFill/>
+          </a:ln>
         </p:spPr>
         <p:style>
           <a:lnRef idx="2">
@@ -5536,21 +6908,21 @@
           </a:fontRef>
         </p:style>
         <p:txBody>
-          <a:bodyPr rtlCol="0" anchor="ctr"/>
+          <a:bodyPr lIns="91429" tIns="45715" rIns="91429" bIns="45715" rtlCol="0" anchor="ctr"/>
           <a:lstStyle/>
           <a:p>
             <a:pPr algn="ctr"/>
             <a:r>
-              <a:rPr kumimoji="1" lang="en-US" altLang="ja-JP" dirty="0" smtClean="0"/>
+              <a:rPr lang="en-US" altLang="ja-JP" dirty="0"/>
               <a:t>B</a:t>
             </a:r>
-            <a:endParaRPr kumimoji="1" lang="ja-JP" altLang="en-US" dirty="0"/>
-          </a:p>
-        </p:txBody>
-      </p:sp>
-      <p:sp>
-        <p:nvSpPr>
-          <p:cNvPr id="10" name="円/楕円 9"/>
+            <a:endParaRPr lang="ja-JP" altLang="en-US" dirty="0"/>
+          </a:p>
+        </p:txBody>
+      </p:sp>
+      <p:sp>
+        <p:nvSpPr>
+          <p:cNvPr id="58" name="円/楕円 57"/>
           <p:cNvSpPr/>
           <p:nvPr/>
         </p:nvSpPr>
@@ -5562,6 +6934,12 @@
           <a:prstGeom prst="ellipse">
             <a:avLst/>
           </a:prstGeom>
+          <a:solidFill>
+            <a:srgbClr val="FF0066"/>
+          </a:solidFill>
+          <a:ln>
+            <a:noFill/>
+          </a:ln>
         </p:spPr>
         <p:style>
           <a:lnRef idx="2">
@@ -5580,24 +6958,24 @@
           </a:fontRef>
         </p:style>
         <p:txBody>
-          <a:bodyPr rtlCol="0" anchor="ctr"/>
+          <a:bodyPr lIns="91429" tIns="45715" rIns="91429" bIns="45715" rtlCol="0" anchor="ctr"/>
           <a:lstStyle/>
           <a:p>
             <a:pPr algn="ctr"/>
             <a:r>
-              <a:rPr kumimoji="1" lang="en-US" altLang="ja-JP" dirty="0" smtClean="0"/>
+              <a:rPr lang="en-US" altLang="ja-JP" dirty="0"/>
               <a:t>C</a:t>
             </a:r>
-            <a:endParaRPr kumimoji="1" lang="ja-JP" altLang="en-US" dirty="0"/>
+            <a:endParaRPr lang="ja-JP" altLang="en-US" dirty="0"/>
           </a:p>
         </p:txBody>
       </p:sp>
       <p:cxnSp>
         <p:nvCxnSpPr>
-          <p:cNvPr id="12" name="直線矢印コネクタ 11"/>
+          <p:cNvPr id="59" name="直線矢印コネクタ 58"/>
           <p:cNvCxnSpPr>
-            <a:stCxn id="10" idx="2"/>
-            <a:endCxn id="9" idx="6"/>
+            <a:stCxn id="58" idx="2"/>
+            <a:endCxn id="57" idx="6"/>
           </p:cNvCxnSpPr>
           <p:nvPr/>
         </p:nvCxnSpPr>
@@ -5609,11 +6987,11 @@
           <a:prstGeom prst="straightConnector1">
             <a:avLst/>
           </a:prstGeom>
-          <a:ln w="19050">
+          <a:ln w="31750">
             <a:solidFill>
               <a:schemeClr val="tx1"/>
             </a:solidFill>
-            <a:prstDash val="sysDash"/>
+            <a:prstDash val="sysDot"/>
             <a:tailEnd type="triangle" w="lg" len="med"/>
           </a:ln>
         </p:spPr>
@@ -5634,7 +7012,7 @@
       </p:cxnSp>
       <p:cxnSp>
         <p:nvCxnSpPr>
-          <p:cNvPr id="15" name="直線矢印コネクタ 14"/>
+          <p:cNvPr id="60" name="直線矢印コネクタ 59"/>
           <p:cNvCxnSpPr/>
           <p:nvPr/>
         </p:nvCxnSpPr>
@@ -5646,11 +7024,11 @@
           <a:prstGeom prst="straightConnector1">
             <a:avLst/>
           </a:prstGeom>
-          <a:ln w="19050">
+          <a:ln w="31750">
             <a:solidFill>
               <a:schemeClr val="tx1"/>
             </a:solidFill>
-            <a:prstDash val="sysDash"/>
+            <a:prstDash val="sysDot"/>
             <a:tailEnd type="triangle" w="lg" len="med"/>
           </a:ln>
         </p:spPr>
@@ -5671,19 +7049,20 @@
       </p:cxnSp>
       <p:sp>
         <p:nvSpPr>
-          <p:cNvPr id="17" name="正方形/長方形 16"/>
+          <p:cNvPr id="61" name="正方形/長方形 60"/>
           <p:cNvSpPr/>
           <p:nvPr/>
         </p:nvSpPr>
         <p:spPr>
           <a:xfrm>
-            <a:off x="6353753" y="2426643"/>
+            <a:off x="6353754" y="2426644"/>
             <a:ext cx="936044" cy="288032"/>
           </a:xfrm>
           <a:prstGeom prst="rect">
             <a:avLst/>
           </a:prstGeom>
           <a:ln>
+            <a:noFill/>
             <a:prstDash val="sysDash"/>
           </a:ln>
         </p:spPr>
@@ -5704,21 +7083,21 @@
           </a:fontRef>
         </p:style>
         <p:txBody>
-          <a:bodyPr rtlCol="0" anchor="ctr"/>
+          <a:bodyPr lIns="91429" tIns="45715" rIns="91429" bIns="45715" rtlCol="0" anchor="ctr"/>
           <a:lstStyle/>
           <a:p>
             <a:pPr algn="ctr"/>
             <a:r>
-              <a:rPr kumimoji="1" lang="en-US" altLang="ja-JP" dirty="0" smtClean="0"/>
+              <a:rPr lang="en-US" altLang="ja-JP" dirty="0"/>
               <a:t>master</a:t>
             </a:r>
-            <a:endParaRPr kumimoji="1" lang="ja-JP" altLang="en-US" dirty="0"/>
-          </a:p>
-        </p:txBody>
-      </p:sp>
-      <p:sp>
-        <p:nvSpPr>
-          <p:cNvPr id="11" name="円/楕円 10"/>
+            <a:endParaRPr lang="ja-JP" altLang="en-US" dirty="0"/>
+          </a:p>
+        </p:txBody>
+      </p:sp>
+      <p:sp>
+        <p:nvSpPr>
+          <p:cNvPr id="62" name="円/楕円 61"/>
           <p:cNvSpPr/>
           <p:nvPr/>
         </p:nvSpPr>
@@ -5730,6 +7109,12 @@
           <a:prstGeom prst="ellipse">
             <a:avLst/>
           </a:prstGeom>
+          <a:solidFill>
+            <a:srgbClr val="FF0066"/>
+          </a:solidFill>
+          <a:ln>
+            <a:noFill/>
+          </a:ln>
         </p:spPr>
         <p:style>
           <a:lnRef idx="2">
@@ -5748,24 +7133,24 @@
           </a:fontRef>
         </p:style>
         <p:txBody>
-          <a:bodyPr rtlCol="0" anchor="ctr"/>
+          <a:bodyPr lIns="91429" tIns="45715" rIns="91429" bIns="45715" rtlCol="0" anchor="ctr"/>
           <a:lstStyle/>
           <a:p>
             <a:pPr algn="ctr"/>
             <a:r>
-              <a:rPr kumimoji="1" lang="en-US" altLang="ja-JP" dirty="0" smtClean="0"/>
+              <a:rPr lang="en-US" altLang="ja-JP" dirty="0"/>
               <a:t>D</a:t>
             </a:r>
-            <a:endParaRPr kumimoji="1" lang="ja-JP" altLang="en-US" dirty="0"/>
+            <a:endParaRPr lang="ja-JP" altLang="en-US" dirty="0"/>
           </a:p>
         </p:txBody>
       </p:sp>
       <p:cxnSp>
         <p:nvCxnSpPr>
-          <p:cNvPr id="13" name="直線矢印コネクタ 12"/>
+          <p:cNvPr id="63" name="直線矢印コネクタ 62"/>
           <p:cNvCxnSpPr>
-            <a:stCxn id="11" idx="2"/>
-            <a:endCxn id="10" idx="6"/>
+            <a:stCxn id="62" idx="2"/>
+            <a:endCxn id="58" idx="6"/>
           </p:cNvCxnSpPr>
           <p:nvPr/>
         </p:nvCxnSpPr>
@@ -5777,11 +7162,11 @@
           <a:prstGeom prst="straightConnector1">
             <a:avLst/>
           </a:prstGeom>
-          <a:ln w="19050">
+          <a:ln w="31750">
             <a:solidFill>
               <a:schemeClr val="tx1"/>
             </a:solidFill>
-            <a:prstDash val="sysDash"/>
+            <a:prstDash val="sysDot"/>
             <a:tailEnd type="triangle" w="lg" len="med"/>
           </a:ln>
         </p:spPr>
@@ -5802,10 +7187,10 @@
       </p:cxnSp>
       <p:cxnSp>
         <p:nvCxnSpPr>
-          <p:cNvPr id="14" name="直線矢印コネクタ 13"/>
+          <p:cNvPr id="64" name="直線矢印コネクタ 63"/>
           <p:cNvCxnSpPr>
-            <a:stCxn id="16" idx="1"/>
-            <a:endCxn id="19" idx="4"/>
+            <a:stCxn id="65" idx="1"/>
+            <a:endCxn id="66" idx="4"/>
           </p:cNvCxnSpPr>
           <p:nvPr/>
         </p:nvCxnSpPr>
@@ -5817,11 +7202,11 @@
           <a:prstGeom prst="straightConnector1">
             <a:avLst/>
           </a:prstGeom>
-          <a:ln w="19050">
+          <a:ln w="31750">
             <a:solidFill>
               <a:schemeClr val="tx1"/>
             </a:solidFill>
-            <a:prstDash val="sysDash"/>
+            <a:prstDash val="sysDot"/>
             <a:tailEnd type="triangle" w="lg" len="med"/>
           </a:ln>
         </p:spPr>
@@ -5842,19 +7227,20 @@
       </p:cxnSp>
       <p:sp>
         <p:nvSpPr>
-          <p:cNvPr id="16" name="正方形/長方形 15"/>
+          <p:cNvPr id="65" name="正方形/長方形 64"/>
           <p:cNvSpPr/>
           <p:nvPr/>
         </p:nvSpPr>
         <p:spPr>
           <a:xfrm>
-            <a:off x="6246201" y="4901866"/>
+            <a:off x="6246201" y="4901867"/>
             <a:ext cx="936044" cy="288032"/>
           </a:xfrm>
           <a:prstGeom prst="rect">
             <a:avLst/>
           </a:prstGeom>
           <a:ln>
+            <a:noFill/>
             <a:prstDash val="sysDash"/>
           </a:ln>
         </p:spPr>
@@ -5875,21 +7261,21 @@
           </a:fontRef>
         </p:style>
         <p:txBody>
-          <a:bodyPr rtlCol="0" anchor="ctr"/>
+          <a:bodyPr lIns="91429" tIns="45715" rIns="91429" bIns="45715" rtlCol="0" anchor="ctr"/>
           <a:lstStyle/>
           <a:p>
             <a:pPr algn="ctr"/>
             <a:r>
-              <a:rPr lang="en-US" altLang="ja-JP" dirty="0" err="1" smtClean="0"/>
+              <a:rPr lang="en-US" altLang="ja-JP" dirty="0" err="1"/>
               <a:t>bugfix</a:t>
             </a:r>
-            <a:endParaRPr kumimoji="1" lang="ja-JP" altLang="en-US" dirty="0"/>
-          </a:p>
-        </p:txBody>
-      </p:sp>
-      <p:sp>
-        <p:nvSpPr>
-          <p:cNvPr id="19" name="円/楕円 18"/>
+            <a:endParaRPr lang="ja-JP" altLang="en-US" dirty="0"/>
+          </a:p>
+        </p:txBody>
+      </p:sp>
+      <p:sp>
+        <p:nvSpPr>
+          <p:cNvPr id="66" name="円/楕円 65"/>
           <p:cNvSpPr/>
           <p:nvPr/>
         </p:nvSpPr>
@@ -5901,6 +7287,12 @@
           <a:prstGeom prst="ellipse">
             <a:avLst/>
           </a:prstGeom>
+          <a:solidFill>
+            <a:srgbClr val="FF0066"/>
+          </a:solidFill>
+          <a:ln>
+            <a:noFill/>
+          </a:ln>
         </p:spPr>
         <p:style>
           <a:lnRef idx="2">
@@ -5919,40 +7311,40 @@
           </a:fontRef>
         </p:style>
         <p:txBody>
-          <a:bodyPr rtlCol="0" anchor="ctr"/>
+          <a:bodyPr lIns="91429" tIns="45715" rIns="91429" bIns="45715" rtlCol="0" anchor="ctr"/>
           <a:lstStyle/>
           <a:p>
             <a:pPr algn="ctr"/>
             <a:r>
-              <a:rPr kumimoji="1" lang="en-US" altLang="ja-JP" dirty="0" smtClean="0"/>
+              <a:rPr lang="en-US" altLang="ja-JP" dirty="0"/>
               <a:t>X</a:t>
             </a:r>
-            <a:endParaRPr kumimoji="1" lang="ja-JP" altLang="en-US" dirty="0"/>
+            <a:endParaRPr lang="ja-JP" altLang="en-US" dirty="0"/>
           </a:p>
         </p:txBody>
       </p:sp>
       <p:cxnSp>
         <p:nvCxnSpPr>
-          <p:cNvPr id="20" name="直線矢印コネクタ 19"/>
+          <p:cNvPr id="67" name="直線矢印コネクタ 66"/>
           <p:cNvCxnSpPr>
-            <a:stCxn id="19" idx="1"/>
-            <a:endCxn id="11" idx="5"/>
+            <a:stCxn id="66" idx="1"/>
+            <a:endCxn id="62" idx="5"/>
           </p:cNvCxnSpPr>
           <p:nvPr/>
         </p:nvCxnSpPr>
         <p:spPr>
           <a:xfrm flipH="1" flipV="1">
-            <a:off x="5158978" y="3681088"/>
-            <a:ext cx="446224" cy="399819"/>
+            <a:off x="5158978" y="3681089"/>
+            <a:ext cx="446224" cy="399818"/>
           </a:xfrm>
           <a:prstGeom prst="straightConnector1">
             <a:avLst/>
           </a:prstGeom>
-          <a:ln w="19050">
+          <a:ln w="31750">
             <a:solidFill>
               <a:schemeClr val="tx1"/>
             </a:solidFill>
-            <a:prstDash val="sysDash"/>
+            <a:prstDash val="sysDot"/>
             <a:tailEnd type="triangle" w="lg" len="med"/>
           </a:ln>
         </p:spPr>
@@ -5973,7 +7365,7 @@
       </p:cxnSp>
       <p:sp>
         <p:nvSpPr>
-          <p:cNvPr id="18" name="円/楕円 17"/>
+          <p:cNvPr id="68" name="円/楕円 67"/>
           <p:cNvSpPr/>
           <p:nvPr/>
         </p:nvSpPr>
@@ -5985,6 +7377,12 @@
           <a:prstGeom prst="ellipse">
             <a:avLst/>
           </a:prstGeom>
+          <a:solidFill>
+            <a:srgbClr val="FF0066"/>
+          </a:solidFill>
+          <a:ln>
+            <a:noFill/>
+          </a:ln>
         </p:spPr>
         <p:style>
           <a:lnRef idx="2">
@@ -6003,40 +7401,40 @@
           </a:fontRef>
         </p:style>
         <p:txBody>
-          <a:bodyPr rtlCol="0" anchor="ctr"/>
+          <a:bodyPr lIns="91429" tIns="45715" rIns="91429" bIns="45715" rtlCol="0" anchor="ctr"/>
           <a:lstStyle/>
           <a:p>
             <a:pPr algn="ctr"/>
             <a:r>
-              <a:rPr kumimoji="1" lang="en-US" altLang="ja-JP" dirty="0" smtClean="0"/>
+              <a:rPr lang="en-US" altLang="ja-JP" dirty="0"/>
               <a:t>E</a:t>
             </a:r>
-            <a:endParaRPr kumimoji="1" lang="ja-JP" altLang="en-US" dirty="0"/>
+            <a:endParaRPr lang="ja-JP" altLang="en-US" dirty="0"/>
           </a:p>
         </p:txBody>
       </p:sp>
       <p:cxnSp>
         <p:nvCxnSpPr>
-          <p:cNvPr id="21" name="直線矢印コネクタ 20"/>
+          <p:cNvPr id="69" name="直線矢印コネクタ 68"/>
           <p:cNvCxnSpPr>
-            <a:stCxn id="18" idx="2"/>
-            <a:endCxn id="11" idx="6"/>
+            <a:stCxn id="68" idx="2"/>
+            <a:endCxn id="62" idx="6"/>
           </p:cNvCxnSpPr>
           <p:nvPr/>
         </p:nvCxnSpPr>
         <p:spPr>
           <a:xfrm flipH="1">
-            <a:off x="5238059" y="3490169"/>
+            <a:off x="5238060" y="3490169"/>
             <a:ext cx="403252" cy="0"/>
           </a:xfrm>
           <a:prstGeom prst="straightConnector1">
             <a:avLst/>
           </a:prstGeom>
-          <a:ln w="19050">
+          <a:ln w="31750">
             <a:solidFill>
               <a:schemeClr val="tx1"/>
             </a:solidFill>
-            <a:prstDash val="sysDash"/>
+            <a:prstDash val="sysDot"/>
             <a:tailEnd type="triangle" w="lg" len="med"/>
           </a:ln>
         </p:spPr>
@@ -6057,86 +7455,413 @@
       </p:cxnSp>
       <p:sp>
         <p:nvSpPr>
-          <p:cNvPr id="22" name="テキスト ボックス 21"/>
-          <p:cNvSpPr txBox="1"/>
+          <p:cNvPr id="70" name="角丸四角形吹き出し 70"/>
+          <p:cNvSpPr/>
           <p:nvPr/>
         </p:nvSpPr>
         <p:spPr>
           <a:xfrm>
-            <a:off x="267552" y="478413"/>
-            <a:ext cx="8624928" cy="923330"/>
-          </a:xfrm>
-          <a:prstGeom prst="rect">
+            <a:off x="203401" y="123901"/>
+            <a:ext cx="8737200" cy="1433282"/>
+          </a:xfrm>
+          <a:custGeom>
             <a:avLst/>
-          </a:prstGeom>
-          <a:noFill/>
-        </p:spPr>
-        <p:txBody>
-          <a:bodyPr wrap="square" rtlCol="0">
-            <a:spAutoFit/>
-          </a:bodyPr>
+            <a:gdLst>
+              <a:gd name="connsiteX0" fmla="*/ 0 w 8541658"/>
+              <a:gd name="connsiteY0" fmla="*/ 214817 h 1288876"/>
+              <a:gd name="connsiteX1" fmla="*/ 214817 w 8541658"/>
+              <a:gd name="connsiteY1" fmla="*/ 0 h 1288876"/>
+              <a:gd name="connsiteX2" fmla="*/ 1423610 w 8541658"/>
+              <a:gd name="connsiteY2" fmla="*/ 0 h 1288876"/>
+              <a:gd name="connsiteX3" fmla="*/ 1423610 w 8541658"/>
+              <a:gd name="connsiteY3" fmla="*/ 0 h 1288876"/>
+              <a:gd name="connsiteX4" fmla="*/ 3559024 w 8541658"/>
+              <a:gd name="connsiteY4" fmla="*/ 0 h 1288876"/>
+              <a:gd name="connsiteX5" fmla="*/ 8326841 w 8541658"/>
+              <a:gd name="connsiteY5" fmla="*/ 0 h 1288876"/>
+              <a:gd name="connsiteX6" fmla="*/ 8541658 w 8541658"/>
+              <a:gd name="connsiteY6" fmla="*/ 214817 h 1288876"/>
+              <a:gd name="connsiteX7" fmla="*/ 8541658 w 8541658"/>
+              <a:gd name="connsiteY7" fmla="*/ 751844 h 1288876"/>
+              <a:gd name="connsiteX8" fmla="*/ 8541658 w 8541658"/>
+              <a:gd name="connsiteY8" fmla="*/ 751844 h 1288876"/>
+              <a:gd name="connsiteX9" fmla="*/ 8541658 w 8541658"/>
+              <a:gd name="connsiteY9" fmla="*/ 1074063 h 1288876"/>
+              <a:gd name="connsiteX10" fmla="*/ 8541658 w 8541658"/>
+              <a:gd name="connsiteY10" fmla="*/ 1074059 h 1288876"/>
+              <a:gd name="connsiteX11" fmla="*/ 8326841 w 8541658"/>
+              <a:gd name="connsiteY11" fmla="*/ 1288876 h 1288876"/>
+              <a:gd name="connsiteX12" fmla="*/ 3559024 w 8541658"/>
+              <a:gd name="connsiteY12" fmla="*/ 1288876 h 1288876"/>
+              <a:gd name="connsiteX13" fmla="*/ 2230227 w 8541658"/>
+              <a:gd name="connsiteY13" fmla="*/ 1471381 h 1288876"/>
+              <a:gd name="connsiteX14" fmla="*/ 1423610 w 8541658"/>
+              <a:gd name="connsiteY14" fmla="*/ 1288876 h 1288876"/>
+              <a:gd name="connsiteX15" fmla="*/ 214817 w 8541658"/>
+              <a:gd name="connsiteY15" fmla="*/ 1288876 h 1288876"/>
+              <a:gd name="connsiteX16" fmla="*/ 0 w 8541658"/>
+              <a:gd name="connsiteY16" fmla="*/ 1074059 h 1288876"/>
+              <a:gd name="connsiteX17" fmla="*/ 0 w 8541658"/>
+              <a:gd name="connsiteY17" fmla="*/ 1074063 h 1288876"/>
+              <a:gd name="connsiteX18" fmla="*/ 0 w 8541658"/>
+              <a:gd name="connsiteY18" fmla="*/ 751844 h 1288876"/>
+              <a:gd name="connsiteX19" fmla="*/ 0 w 8541658"/>
+              <a:gd name="connsiteY19" fmla="*/ 751844 h 1288876"/>
+              <a:gd name="connsiteX20" fmla="*/ 0 w 8541658"/>
+              <a:gd name="connsiteY20" fmla="*/ 214817 h 1288876"/>
+              <a:gd name="connsiteX0" fmla="*/ 0 w 8541658"/>
+              <a:gd name="connsiteY0" fmla="*/ 214817 h 1471381"/>
+              <a:gd name="connsiteX1" fmla="*/ 214817 w 8541658"/>
+              <a:gd name="connsiteY1" fmla="*/ 0 h 1471381"/>
+              <a:gd name="connsiteX2" fmla="*/ 1423610 w 8541658"/>
+              <a:gd name="connsiteY2" fmla="*/ 0 h 1471381"/>
+              <a:gd name="connsiteX3" fmla="*/ 1423610 w 8541658"/>
+              <a:gd name="connsiteY3" fmla="*/ 0 h 1471381"/>
+              <a:gd name="connsiteX4" fmla="*/ 3559024 w 8541658"/>
+              <a:gd name="connsiteY4" fmla="*/ 0 h 1471381"/>
+              <a:gd name="connsiteX5" fmla="*/ 8326841 w 8541658"/>
+              <a:gd name="connsiteY5" fmla="*/ 0 h 1471381"/>
+              <a:gd name="connsiteX6" fmla="*/ 8541658 w 8541658"/>
+              <a:gd name="connsiteY6" fmla="*/ 214817 h 1471381"/>
+              <a:gd name="connsiteX7" fmla="*/ 8541658 w 8541658"/>
+              <a:gd name="connsiteY7" fmla="*/ 751844 h 1471381"/>
+              <a:gd name="connsiteX8" fmla="*/ 8541658 w 8541658"/>
+              <a:gd name="connsiteY8" fmla="*/ 751844 h 1471381"/>
+              <a:gd name="connsiteX9" fmla="*/ 8541658 w 8541658"/>
+              <a:gd name="connsiteY9" fmla="*/ 1074063 h 1471381"/>
+              <a:gd name="connsiteX10" fmla="*/ 8541658 w 8541658"/>
+              <a:gd name="connsiteY10" fmla="*/ 1074059 h 1471381"/>
+              <a:gd name="connsiteX11" fmla="*/ 8326841 w 8541658"/>
+              <a:gd name="connsiteY11" fmla="*/ 1288876 h 1471381"/>
+              <a:gd name="connsiteX12" fmla="*/ 1852144 w 8541658"/>
+              <a:gd name="connsiteY12" fmla="*/ 1288876 h 1471381"/>
+              <a:gd name="connsiteX13" fmla="*/ 2230227 w 8541658"/>
+              <a:gd name="connsiteY13" fmla="*/ 1471381 h 1471381"/>
+              <a:gd name="connsiteX14" fmla="*/ 1423610 w 8541658"/>
+              <a:gd name="connsiteY14" fmla="*/ 1288876 h 1471381"/>
+              <a:gd name="connsiteX15" fmla="*/ 214817 w 8541658"/>
+              <a:gd name="connsiteY15" fmla="*/ 1288876 h 1471381"/>
+              <a:gd name="connsiteX16" fmla="*/ 0 w 8541658"/>
+              <a:gd name="connsiteY16" fmla="*/ 1074059 h 1471381"/>
+              <a:gd name="connsiteX17" fmla="*/ 0 w 8541658"/>
+              <a:gd name="connsiteY17" fmla="*/ 1074063 h 1471381"/>
+              <a:gd name="connsiteX18" fmla="*/ 0 w 8541658"/>
+              <a:gd name="connsiteY18" fmla="*/ 751844 h 1471381"/>
+              <a:gd name="connsiteX19" fmla="*/ 0 w 8541658"/>
+              <a:gd name="connsiteY19" fmla="*/ 751844 h 1471381"/>
+              <a:gd name="connsiteX20" fmla="*/ 0 w 8541658"/>
+              <a:gd name="connsiteY20" fmla="*/ 214817 h 1471381"/>
+              <a:gd name="connsiteX0" fmla="*/ 0 w 8541658"/>
+              <a:gd name="connsiteY0" fmla="*/ 214817 h 1433281"/>
+              <a:gd name="connsiteX1" fmla="*/ 214817 w 8541658"/>
+              <a:gd name="connsiteY1" fmla="*/ 0 h 1433281"/>
+              <a:gd name="connsiteX2" fmla="*/ 1423610 w 8541658"/>
+              <a:gd name="connsiteY2" fmla="*/ 0 h 1433281"/>
+              <a:gd name="connsiteX3" fmla="*/ 1423610 w 8541658"/>
+              <a:gd name="connsiteY3" fmla="*/ 0 h 1433281"/>
+              <a:gd name="connsiteX4" fmla="*/ 3559024 w 8541658"/>
+              <a:gd name="connsiteY4" fmla="*/ 0 h 1433281"/>
+              <a:gd name="connsiteX5" fmla="*/ 8326841 w 8541658"/>
+              <a:gd name="connsiteY5" fmla="*/ 0 h 1433281"/>
+              <a:gd name="connsiteX6" fmla="*/ 8541658 w 8541658"/>
+              <a:gd name="connsiteY6" fmla="*/ 214817 h 1433281"/>
+              <a:gd name="connsiteX7" fmla="*/ 8541658 w 8541658"/>
+              <a:gd name="connsiteY7" fmla="*/ 751844 h 1433281"/>
+              <a:gd name="connsiteX8" fmla="*/ 8541658 w 8541658"/>
+              <a:gd name="connsiteY8" fmla="*/ 751844 h 1433281"/>
+              <a:gd name="connsiteX9" fmla="*/ 8541658 w 8541658"/>
+              <a:gd name="connsiteY9" fmla="*/ 1074063 h 1433281"/>
+              <a:gd name="connsiteX10" fmla="*/ 8541658 w 8541658"/>
+              <a:gd name="connsiteY10" fmla="*/ 1074059 h 1433281"/>
+              <a:gd name="connsiteX11" fmla="*/ 8326841 w 8541658"/>
+              <a:gd name="connsiteY11" fmla="*/ 1288876 h 1433281"/>
+              <a:gd name="connsiteX12" fmla="*/ 1852144 w 8541658"/>
+              <a:gd name="connsiteY12" fmla="*/ 1288876 h 1433281"/>
+              <a:gd name="connsiteX13" fmla="*/ 1864467 w 8541658"/>
+              <a:gd name="connsiteY13" fmla="*/ 1433281 h 1433281"/>
+              <a:gd name="connsiteX14" fmla="*/ 1423610 w 8541658"/>
+              <a:gd name="connsiteY14" fmla="*/ 1288876 h 1433281"/>
+              <a:gd name="connsiteX15" fmla="*/ 214817 w 8541658"/>
+              <a:gd name="connsiteY15" fmla="*/ 1288876 h 1433281"/>
+              <a:gd name="connsiteX16" fmla="*/ 0 w 8541658"/>
+              <a:gd name="connsiteY16" fmla="*/ 1074059 h 1433281"/>
+              <a:gd name="connsiteX17" fmla="*/ 0 w 8541658"/>
+              <a:gd name="connsiteY17" fmla="*/ 1074063 h 1433281"/>
+              <a:gd name="connsiteX18" fmla="*/ 0 w 8541658"/>
+              <a:gd name="connsiteY18" fmla="*/ 751844 h 1433281"/>
+              <a:gd name="connsiteX19" fmla="*/ 0 w 8541658"/>
+              <a:gd name="connsiteY19" fmla="*/ 751844 h 1433281"/>
+              <a:gd name="connsiteX20" fmla="*/ 0 w 8541658"/>
+              <a:gd name="connsiteY20" fmla="*/ 214817 h 1433281"/>
+            </a:gdLst>
+            <a:ahLst/>
+            <a:cxnLst>
+              <a:cxn ang="0">
+                <a:pos x="connsiteX0" y="connsiteY0"/>
+              </a:cxn>
+              <a:cxn ang="0">
+                <a:pos x="connsiteX1" y="connsiteY1"/>
+              </a:cxn>
+              <a:cxn ang="0">
+                <a:pos x="connsiteX2" y="connsiteY2"/>
+              </a:cxn>
+              <a:cxn ang="0">
+                <a:pos x="connsiteX3" y="connsiteY3"/>
+              </a:cxn>
+              <a:cxn ang="0">
+                <a:pos x="connsiteX4" y="connsiteY4"/>
+              </a:cxn>
+              <a:cxn ang="0">
+                <a:pos x="connsiteX5" y="connsiteY5"/>
+              </a:cxn>
+              <a:cxn ang="0">
+                <a:pos x="connsiteX6" y="connsiteY6"/>
+              </a:cxn>
+              <a:cxn ang="0">
+                <a:pos x="connsiteX7" y="connsiteY7"/>
+              </a:cxn>
+              <a:cxn ang="0">
+                <a:pos x="connsiteX8" y="connsiteY8"/>
+              </a:cxn>
+              <a:cxn ang="0">
+                <a:pos x="connsiteX9" y="connsiteY9"/>
+              </a:cxn>
+              <a:cxn ang="0">
+                <a:pos x="connsiteX10" y="connsiteY10"/>
+              </a:cxn>
+              <a:cxn ang="0">
+                <a:pos x="connsiteX11" y="connsiteY11"/>
+              </a:cxn>
+              <a:cxn ang="0">
+                <a:pos x="connsiteX12" y="connsiteY12"/>
+              </a:cxn>
+              <a:cxn ang="0">
+                <a:pos x="connsiteX13" y="connsiteY13"/>
+              </a:cxn>
+              <a:cxn ang="0">
+                <a:pos x="connsiteX14" y="connsiteY14"/>
+              </a:cxn>
+              <a:cxn ang="0">
+                <a:pos x="connsiteX15" y="connsiteY15"/>
+              </a:cxn>
+              <a:cxn ang="0">
+                <a:pos x="connsiteX16" y="connsiteY16"/>
+              </a:cxn>
+              <a:cxn ang="0">
+                <a:pos x="connsiteX17" y="connsiteY17"/>
+              </a:cxn>
+              <a:cxn ang="0">
+                <a:pos x="connsiteX18" y="connsiteY18"/>
+              </a:cxn>
+              <a:cxn ang="0">
+                <a:pos x="connsiteX19" y="connsiteY19"/>
+              </a:cxn>
+              <a:cxn ang="0">
+                <a:pos x="connsiteX20" y="connsiteY20"/>
+              </a:cxn>
+            </a:cxnLst>
+            <a:rect l="l" t="t" r="r" b="b"/>
+            <a:pathLst>
+              <a:path w="8541658" h="1433281">
+                <a:moveTo>
+                  <a:pt x="0" y="214817"/>
+                </a:moveTo>
+                <a:cubicBezTo>
+                  <a:pt x="0" y="96177"/>
+                  <a:pt x="96177" y="0"/>
+                  <a:pt x="214817" y="0"/>
+                </a:cubicBezTo>
+                <a:lnTo>
+                  <a:pt x="1423610" y="0"/>
+                </a:lnTo>
+                <a:lnTo>
+                  <a:pt x="1423610" y="0"/>
+                </a:lnTo>
+                <a:lnTo>
+                  <a:pt x="3559024" y="0"/>
+                </a:lnTo>
+                <a:lnTo>
+                  <a:pt x="8326841" y="0"/>
+                </a:lnTo>
+                <a:cubicBezTo>
+                  <a:pt x="8445481" y="0"/>
+                  <a:pt x="8541658" y="96177"/>
+                  <a:pt x="8541658" y="214817"/>
+                </a:cubicBezTo>
+                <a:lnTo>
+                  <a:pt x="8541658" y="751844"/>
+                </a:lnTo>
+                <a:lnTo>
+                  <a:pt x="8541658" y="751844"/>
+                </a:lnTo>
+                <a:lnTo>
+                  <a:pt x="8541658" y="1074063"/>
+                </a:lnTo>
+                <a:lnTo>
+                  <a:pt x="8541658" y="1074059"/>
+                </a:lnTo>
+                <a:cubicBezTo>
+                  <a:pt x="8541658" y="1192699"/>
+                  <a:pt x="8445481" y="1288876"/>
+                  <a:pt x="8326841" y="1288876"/>
+                </a:cubicBezTo>
+                <a:lnTo>
+                  <a:pt x="1852144" y="1288876"/>
+                </a:lnTo>
+                <a:lnTo>
+                  <a:pt x="1864467" y="1433281"/>
+                </a:lnTo>
+                <a:lnTo>
+                  <a:pt x="1423610" y="1288876"/>
+                </a:lnTo>
+                <a:lnTo>
+                  <a:pt x="214817" y="1288876"/>
+                </a:lnTo>
+                <a:cubicBezTo>
+                  <a:pt x="96177" y="1288876"/>
+                  <a:pt x="0" y="1192699"/>
+                  <a:pt x="0" y="1074059"/>
+                </a:cubicBezTo>
+                <a:lnTo>
+                  <a:pt x="0" y="1074063"/>
+                </a:lnTo>
+                <a:lnTo>
+                  <a:pt x="0" y="751844"/>
+                </a:lnTo>
+                <a:lnTo>
+                  <a:pt x="0" y="751844"/>
+                </a:lnTo>
+                <a:lnTo>
+                  <a:pt x="0" y="214817"/>
+                </a:lnTo>
+                <a:close/>
+              </a:path>
+            </a:pathLst>
+          </a:custGeom>
+          <a:solidFill>
+            <a:srgbClr val="03C924"/>
+          </a:solidFill>
+          <a:ln>
+            <a:noFill/>
+          </a:ln>
+        </p:spPr>
+        <p:style>
+          <a:lnRef idx="2">
+            <a:schemeClr val="accent1">
+              <a:shade val="50000"/>
+            </a:schemeClr>
+          </a:lnRef>
+          <a:fillRef idx="1">
+            <a:schemeClr val="accent1"/>
+          </a:fillRef>
+          <a:effectRef idx="0">
+            <a:schemeClr val="accent1"/>
+          </a:effectRef>
+          <a:fontRef idx="minor">
+            <a:schemeClr val="lt1"/>
+          </a:fontRef>
+        </p:style>
+        <p:txBody>
+          <a:bodyPr lIns="143983" tIns="143983" rIns="143983" bIns="0" rtlCol="0" anchor="ctr"/>
           <a:lstStyle/>
           <a:p>
             <a:r>
-              <a:rPr lang="en-US" altLang="ja-JP" dirty="0"/>
-              <a:t>m</a:t>
-            </a:r>
-            <a:r>
-              <a:rPr kumimoji="1" lang="en-US" altLang="ja-JP" dirty="0" smtClean="0"/>
-              <a:t>aster</a:t>
-            </a:r>
-            <a:r>
-              <a:rPr kumimoji="1" lang="ja-JP" altLang="en-US" dirty="0" smtClean="0"/>
-              <a:t>ブランチをチェックアウトしてコミットを追加した。</a:t>
-            </a:r>
-            <a:endParaRPr kumimoji="1" lang="en-US" altLang="ja-JP" dirty="0" smtClean="0"/>
-          </a:p>
-          <a:p>
-            <a:r>
-              <a:rPr lang="en-US" altLang="ja-JP" dirty="0"/>
-              <a:t>m</a:t>
-            </a:r>
-            <a:r>
-              <a:rPr lang="en-US" altLang="ja-JP" dirty="0" smtClean="0"/>
-              <a:t>aster</a:t>
-            </a:r>
-            <a:r>
-              <a:rPr lang="ja-JP" altLang="en-US" dirty="0" smtClean="0"/>
+              <a:rPr lang="en-US" altLang="ja-JP" b="1" dirty="0">
+                <a:ea typeface="ＭＳ ゴシック" panose="020B0609070205080204" pitchFamily="49" charset="-128"/>
+              </a:rPr>
+              <a:t>master</a:t>
+            </a:r>
+            <a:r>
+              <a:rPr lang="ja-JP" altLang="en-US" b="1" dirty="0">
+                <a:ea typeface="ＭＳ ゴシック" panose="020B0609070205080204" pitchFamily="49" charset="-128"/>
+              </a:rPr>
+              <a:t>ブランチをチェックアウトしてコミットを</a:t>
+            </a:r>
+            <a:r>
+              <a:rPr lang="ja-JP" altLang="en-US" b="1" dirty="0" smtClean="0">
+                <a:ea typeface="ＭＳ ゴシック" panose="020B0609070205080204" pitchFamily="49" charset="-128"/>
+              </a:rPr>
+              <a:t>追加。</a:t>
+            </a:r>
+            <a:endParaRPr lang="ja-JP" altLang="en-US" b="1" dirty="0">
+              <a:ea typeface="ＭＳ ゴシック" panose="020B0609070205080204" pitchFamily="49" charset="-128"/>
+            </a:endParaRPr>
+          </a:p>
+          <a:p>
+            <a:r>
+              <a:rPr lang="en-US" altLang="ja-JP" b="1" dirty="0">
+                <a:ea typeface="ＭＳ ゴシック" panose="020B0609070205080204" pitchFamily="49" charset="-128"/>
+              </a:rPr>
+              <a:t>master</a:t>
+            </a:r>
+            <a:r>
+              <a:rPr lang="ja-JP" altLang="en-US" b="1" dirty="0">
+                <a:ea typeface="ＭＳ ゴシック" panose="020B0609070205080204" pitchFamily="49" charset="-128"/>
+              </a:rPr>
               <a:t>ブランチがもともと指していた</a:t>
             </a:r>
             <a:r>
-              <a:rPr lang="en-US" altLang="ja-JP" dirty="0" smtClean="0"/>
+              <a:rPr lang="en-US" altLang="ja-JP" b="1" dirty="0">
+                <a:ea typeface="ＭＳ ゴシック" panose="020B0609070205080204" pitchFamily="49" charset="-128"/>
+              </a:rPr>
               <a:t>D</a:t>
             </a:r>
             <a:r>
-              <a:rPr lang="ja-JP" altLang="en-US" dirty="0" smtClean="0"/>
+              <a:rPr lang="ja-JP" altLang="en-US" b="1" dirty="0">
+                <a:ea typeface="ＭＳ ゴシック" panose="020B0609070205080204" pitchFamily="49" charset="-128"/>
+              </a:rPr>
               <a:t>を親とした新しいコミット</a:t>
             </a:r>
             <a:r>
-              <a:rPr lang="en-US" altLang="ja-JP" dirty="0" smtClean="0"/>
+              <a:rPr lang="en-US" altLang="ja-JP" b="1" dirty="0">
+                <a:ea typeface="ＭＳ ゴシック" panose="020B0609070205080204" pitchFamily="49" charset="-128"/>
+              </a:rPr>
               <a:t>E</a:t>
             </a:r>
             <a:r>
-              <a:rPr lang="ja-JP" altLang="en-US" dirty="0" smtClean="0"/>
+              <a:rPr lang="ja-JP" altLang="en-US" b="1" dirty="0">
+                <a:ea typeface="ＭＳ ゴシック" panose="020B0609070205080204" pitchFamily="49" charset="-128"/>
+              </a:rPr>
               <a:t>が生成され、</a:t>
             </a:r>
             <a:r>
-              <a:rPr lang="en-US" altLang="ja-JP" dirty="0" smtClean="0"/>
+              <a:rPr lang="en-US" altLang="ja-JP" b="1" dirty="0">
+                <a:ea typeface="ＭＳ ゴシック" panose="020B0609070205080204" pitchFamily="49" charset="-128"/>
+              </a:rPr>
               <a:t>master</a:t>
             </a:r>
             <a:r>
-              <a:rPr lang="ja-JP" altLang="en-US" dirty="0" smtClean="0"/>
+              <a:rPr lang="ja-JP" altLang="en-US" b="1" dirty="0">
+                <a:ea typeface="ＭＳ ゴシック" panose="020B0609070205080204" pitchFamily="49" charset="-128"/>
+              </a:rPr>
               <a:t>ブランチは</a:t>
             </a:r>
             <a:r>
-              <a:rPr lang="en-US" altLang="ja-JP" dirty="0" smtClean="0"/>
+              <a:rPr lang="en-US" altLang="ja-JP" b="1" dirty="0">
+                <a:ea typeface="ＭＳ ゴシック" panose="020B0609070205080204" pitchFamily="49" charset="-128"/>
+              </a:rPr>
               <a:t>E</a:t>
             </a:r>
             <a:r>
-              <a:rPr lang="ja-JP" altLang="en-US" dirty="0" smtClean="0"/>
-              <a:t>を指すよう更新される。</a:t>
-            </a:r>
-            <a:endParaRPr kumimoji="1" lang="ja-JP" altLang="en-US" dirty="0"/>
+              <a:rPr lang="ja-JP" altLang="en-US" b="1" dirty="0">
+                <a:ea typeface="ＭＳ ゴシック" panose="020B0609070205080204" pitchFamily="49" charset="-128"/>
+              </a:rPr>
+              <a:t>を指すよう更新される</a:t>
+            </a:r>
+            <a:r>
+              <a:rPr lang="ja-JP" altLang="en-US" b="1" dirty="0" smtClean="0">
+                <a:ea typeface="ＭＳ ゴシック" panose="020B0609070205080204" pitchFamily="49" charset="-128"/>
+              </a:rPr>
+              <a:t>。</a:t>
+            </a:r>
+            <a:endParaRPr lang="en-US" altLang="ja-JP" b="1" dirty="0" smtClean="0">
+              <a:ea typeface="ＭＳ ゴシック" panose="020B0609070205080204" pitchFamily="49" charset="-128"/>
+            </a:endParaRPr>
+          </a:p>
+          <a:p>
+            <a:endParaRPr lang="ja-JP" altLang="en-US" b="1" dirty="0">
+              <a:ea typeface="ＭＳ ゴシック" panose="020B0609070205080204" pitchFamily="49" charset="-128"/>
+            </a:endParaRPr>
           </a:p>
         </p:txBody>
       </p:sp>
